--- a/en/Healthcare-Link-Initiative/SDC/SDC_Standardspertransaction_Final-updated.pptx
+++ b/en/Healthcare-Link-Initiative/SDC/SDC_Standardspertransaction_Final-updated.pptx
@@ -7,10 +7,10 @@
     <p:sldMasterId id="2147483673" r:id="rId6"/>
   </p:sldMasterIdLst>
   <p:notesMasterIdLst>
-    <p:notesMasterId r:id="rId17"/>
+    <p:notesMasterId r:id="rId18"/>
   </p:notesMasterIdLst>
   <p:handoutMasterIdLst>
-    <p:handoutMasterId r:id="rId18"/>
+    <p:handoutMasterId r:id="rId19"/>
   </p:handoutMasterIdLst>
   <p:sldIdLst>
     <p:sldId id="365" r:id="rId7"/>
@@ -21,8 +21,9 @@
     <p:sldId id="374" r:id="rId12"/>
     <p:sldId id="368" r:id="rId13"/>
     <p:sldId id="367" r:id="rId14"/>
-    <p:sldId id="354" r:id="rId15"/>
-    <p:sldId id="378" r:id="rId16"/>
+    <p:sldId id="379" r:id="rId15"/>
+    <p:sldId id="354" r:id="rId16"/>
+    <p:sldId id="378" r:id="rId17"/>
   </p:sldIdLst>
   <p:sldSz cx="9144000" cy="6858000" type="screen4x3"/>
   <p:notesSz cx="7099300" cy="10234613"/>
@@ -121,6 +122,22 @@
       </a:defRPr>
     </a:lvl9pPr>
   </p:defaultTextStyle>
+  <p:extLst>
+    <p:ext uri="{EFAFB233-063F-42B5-8137-9DF3F51BA10A}">
+      <p15:sldGuideLst xmlns:p15="http://schemas.microsoft.com/office/powerpoint/2012/main">
+        <p15:guide id="1" orient="horz" pos="2160">
+          <p15:clr>
+            <a:srgbClr val="A4A3A4"/>
+          </p15:clr>
+        </p15:guide>
+        <p15:guide id="2" pos="2880">
+          <p15:clr>
+            <a:srgbClr val="A4A3A4"/>
+          </p15:clr>
+        </p15:guide>
+      </p15:sldGuideLst>
+    </p:ext>
+  </p:extLst>
 </p:presentation>
 </file>
 
@@ -2948,7 +2965,7 @@
             <a:fld id="{F19F393A-465F-2B4A-8C45-9F5D62F2BBC7}" type="datetimeFigureOut">
               <a:rPr lang="en-US" smtClean="0"/>
               <a:pPr/>
-              <a:t>5/20/2013</a:t>
+              <a:t>8/25/15</a:t>
             </a:fld>
             <a:endParaRPr lang="en-US"/>
           </a:p>
@@ -3116,7 +3133,7 @@
             <a:fld id="{14B16EBA-FFA9-4DCA-B586-1DE7E4A1C768}" type="datetimeFigureOut">
               <a:rPr lang="en-US" smtClean="0"/>
               <a:pPr/>
-              <a:t>5/20/2013</a:t>
+              <a:t>8/25/15</a:t>
             </a:fld>
             <a:endParaRPr lang="en-US"/>
           </a:p>
@@ -3796,13 +3813,18 @@
               <a:pPr>
                 <a:defRPr/>
               </a:pPr>
-              <a:t>8</a:t>
+              <a:t>9</a:t>
             </a:fld>
             <a:endParaRPr lang="en-US"/>
           </a:p>
         </p:txBody>
       </p:sp>
     </p:spTree>
+    <p:extLst>
+      <p:ext uri="{BB962C8B-B14F-4D97-AF65-F5344CB8AC3E}">
+        <p14:creationId xmlns:p14="http://schemas.microsoft.com/office/powerpoint/2010/main" val="1927495994"/>
+      </p:ext>
+    </p:extLst>
   </p:cSld>
   <p:clrMapOvr>
     <a:masterClrMapping/>
@@ -4022,7 +4044,7 @@
           <a:p>
             <a:fld id="{3A64B5B7-7A7F-44BD-92AE-C4DB5FF14643}" type="datetime1">
               <a:rPr lang="en-US" smtClean="0"/>
-              <a:t>5/20/2013</a:t>
+              <a:t>8/25/15</a:t>
             </a:fld>
             <a:endParaRPr lang="en-US"/>
           </a:p>
@@ -4212,7 +4234,7 @@
           <a:p>
             <a:fld id="{1A08268D-62EA-485F-8D3A-A6BBB663D17D}" type="datetime1">
               <a:rPr lang="en-US" smtClean="0"/>
-              <a:t>5/20/2013</a:t>
+              <a:t>8/25/15</a:t>
             </a:fld>
             <a:endParaRPr lang="en-US"/>
           </a:p>
@@ -4388,7 +4410,7 @@
           <a:p>
             <a:fld id="{1C01043C-3FFB-42A8-925F-E486CDCE497C}" type="datetime1">
               <a:rPr lang="en-US" smtClean="0"/>
-              <a:t>5/20/2013</a:t>
+              <a:t>8/25/15</a:t>
             </a:fld>
             <a:endParaRPr lang="en-US"/>
           </a:p>
@@ -4604,7 +4626,7 @@
             </a:pPr>
             <a:fld id="{6E03DA11-F104-4D67-9E85-379ADFA2B77A}" type="datetime1">
               <a:rPr lang="en-US" smtClean="0"/>
-              <a:t>5/20/2013</a:t>
+              <a:t>8/25/15</a:t>
             </a:fld>
             <a:endParaRPr lang="en-US"/>
           </a:p>
@@ -4876,7 +4898,7 @@
                 </a:solidFill>
               </a:rPr>
               <a:pPr/>
-              <a:t>5/20/2013</a:t>
+              <a:t>8/25/15</a:t>
             </a:fld>
             <a:endParaRPr lang="en-US">
               <a:solidFill>
@@ -5078,7 +5100,7 @@
                 </a:solidFill>
               </a:rPr>
               <a:pPr/>
-              <a:t>5/20/2013</a:t>
+              <a:t>8/25/15</a:t>
             </a:fld>
             <a:endParaRPr lang="en-US">
               <a:solidFill>
@@ -5356,7 +5378,7 @@
                 </a:solidFill>
               </a:rPr>
               <a:pPr/>
-              <a:t>5/20/2013</a:t>
+              <a:t>8/25/15</a:t>
             </a:fld>
             <a:endParaRPr lang="en-US">
               <a:solidFill>
@@ -5676,7 +5698,7 @@
                 </a:solidFill>
               </a:rPr>
               <a:pPr/>
-              <a:t>5/20/2013</a:t>
+              <a:t>8/25/15</a:t>
             </a:fld>
             <a:endParaRPr lang="en-US">
               <a:solidFill>
@@ -6130,7 +6152,7 @@
                 </a:solidFill>
               </a:rPr>
               <a:pPr/>
-              <a:t>5/20/2013</a:t>
+              <a:t>8/25/15</a:t>
             </a:fld>
             <a:endParaRPr lang="en-US">
               <a:solidFill>
@@ -6280,7 +6302,7 @@
                 </a:solidFill>
               </a:rPr>
               <a:pPr/>
-              <a:t>5/20/2013</a:t>
+              <a:t>8/25/15</a:t>
             </a:fld>
             <a:endParaRPr lang="en-US">
               <a:solidFill>
@@ -6407,7 +6429,7 @@
                 </a:solidFill>
               </a:rPr>
               <a:pPr/>
-              <a:t>5/20/2013</a:t>
+              <a:t>8/25/15</a:t>
             </a:fld>
             <a:endParaRPr lang="en-US">
               <a:solidFill>
@@ -6602,7 +6624,7 @@
           <a:p>
             <a:fld id="{801AD36A-E1C6-43B2-BF55-8149F82A828C}" type="datetime1">
               <a:rPr lang="en-US" smtClean="0"/>
-              <a:t>5/20/2013</a:t>
+              <a:t>8/25/15</a:t>
             </a:fld>
             <a:endParaRPr lang="en-US"/>
           </a:p>
@@ -6882,7 +6904,7 @@
                 </a:solidFill>
               </a:rPr>
               <a:pPr/>
-              <a:t>5/20/2013</a:t>
+              <a:t>8/25/15</a:t>
             </a:fld>
             <a:endParaRPr lang="en-US">
               <a:solidFill>
@@ -7167,7 +7189,7 @@
                 </a:solidFill>
               </a:rPr>
               <a:pPr/>
-              <a:t>5/20/2013</a:t>
+              <a:t>8/25/15</a:t>
             </a:fld>
             <a:endParaRPr lang="en-US">
               <a:solidFill>
@@ -7369,7 +7391,7 @@
                 </a:solidFill>
               </a:rPr>
               <a:pPr/>
-              <a:t>5/20/2013</a:t>
+              <a:t>8/25/15</a:t>
             </a:fld>
             <a:endParaRPr lang="en-US">
               <a:solidFill>
@@ -7581,7 +7603,7 @@
                 </a:solidFill>
               </a:rPr>
               <a:pPr/>
-              <a:t>5/20/2013</a:t>
+              <a:t>8/25/15</a:t>
             </a:fld>
             <a:endParaRPr lang="en-US">
               <a:solidFill>
@@ -7855,7 +7877,7 @@
                 </a:solidFill>
               </a:rPr>
               <a:pPr/>
-              <a:t>5/20/2013</a:t>
+              <a:t>8/25/15</a:t>
             </a:fld>
             <a:endParaRPr lang="en-US">
               <a:solidFill>
@@ -8057,7 +8079,7 @@
                 </a:solidFill>
               </a:rPr>
               <a:pPr/>
-              <a:t>5/20/2013</a:t>
+              <a:t>8/25/15</a:t>
             </a:fld>
             <a:endParaRPr lang="en-US">
               <a:solidFill>
@@ -8335,7 +8357,7 @@
                 </a:solidFill>
               </a:rPr>
               <a:pPr/>
-              <a:t>5/20/2013</a:t>
+              <a:t>8/25/15</a:t>
             </a:fld>
             <a:endParaRPr lang="en-US">
               <a:solidFill>
@@ -8655,7 +8677,7 @@
                 </a:solidFill>
               </a:rPr>
               <a:pPr/>
-              <a:t>5/20/2013</a:t>
+              <a:t>8/25/15</a:t>
             </a:fld>
             <a:endParaRPr lang="en-US">
               <a:solidFill>
@@ -9109,7 +9131,7 @@
                 </a:solidFill>
               </a:rPr>
               <a:pPr/>
-              <a:t>5/20/2013</a:t>
+              <a:t>8/25/15</a:t>
             </a:fld>
             <a:endParaRPr lang="en-US">
               <a:solidFill>
@@ -9259,7 +9281,7 @@
                 </a:solidFill>
               </a:rPr>
               <a:pPr/>
-              <a:t>5/20/2013</a:t>
+              <a:t>8/25/15</a:t>
             </a:fld>
             <a:endParaRPr lang="en-US">
               <a:solidFill>
@@ -9530,7 +9552,7 @@
           <a:p>
             <a:fld id="{FD974FB9-E488-466C-B610-14D39DCDB0A6}" type="datetime1">
               <a:rPr lang="en-US" smtClean="0"/>
-              <a:t>5/20/2013</a:t>
+              <a:t>8/25/15</a:t>
             </a:fld>
             <a:endParaRPr lang="en-US"/>
           </a:p>
@@ -9628,7 +9650,7 @@
                 </a:solidFill>
               </a:rPr>
               <a:pPr/>
-              <a:t>5/20/2013</a:t>
+              <a:t>8/25/15</a:t>
             </a:fld>
             <a:endParaRPr lang="en-US">
               <a:solidFill>
@@ -9937,7 +9959,7 @@
                 </a:solidFill>
               </a:rPr>
               <a:pPr/>
-              <a:t>5/20/2013</a:t>
+              <a:t>8/25/15</a:t>
             </a:fld>
             <a:endParaRPr lang="en-US">
               <a:solidFill>
@@ -10222,7 +10244,7 @@
                 </a:solidFill>
               </a:rPr>
               <a:pPr/>
-              <a:t>5/20/2013</a:t>
+              <a:t>8/25/15</a:t>
             </a:fld>
             <a:endParaRPr lang="en-US">
               <a:solidFill>
@@ -10424,7 +10446,7 @@
                 </a:solidFill>
               </a:rPr>
               <a:pPr/>
-              <a:t>5/20/2013</a:t>
+              <a:t>8/25/15</a:t>
             </a:fld>
             <a:endParaRPr lang="en-US">
               <a:solidFill>
@@ -10636,7 +10658,7 @@
                 </a:solidFill>
               </a:rPr>
               <a:pPr/>
-              <a:t>5/20/2013</a:t>
+              <a:t>8/25/15</a:t>
             </a:fld>
             <a:endParaRPr lang="en-US">
               <a:solidFill>
@@ -10949,7 +10971,7 @@
           <a:p>
             <a:fld id="{6D7802AB-7092-45BC-960D-61C46C347374}" type="datetime1">
               <a:rPr lang="en-US" smtClean="0"/>
-              <a:t>5/20/2013</a:t>
+              <a:t>8/25/15</a:t>
             </a:fld>
             <a:endParaRPr lang="en-US"/>
           </a:p>
@@ -11367,7 +11389,7 @@
           <a:p>
             <a:fld id="{A7ECC8AF-1053-4944-8EF0-13A8C27960F7}" type="datetime1">
               <a:rPr lang="en-US" smtClean="0"/>
-              <a:t>5/20/2013</a:t>
+              <a:t>8/25/15</a:t>
             </a:fld>
             <a:endParaRPr lang="en-US"/>
           </a:p>
@@ -11481,7 +11503,7 @@
           <a:p>
             <a:fld id="{81BE6339-2585-4660-A4E6-71E645F67C42}" type="datetime1">
               <a:rPr lang="en-US" smtClean="0"/>
-              <a:t>5/20/2013</a:t>
+              <a:t>8/25/15</a:t>
             </a:fld>
             <a:endParaRPr lang="en-US"/>
           </a:p>
@@ -11572,7 +11594,7 @@
           <a:p>
             <a:fld id="{442C9767-67CC-4062-BC40-9FE6FBA4B404}" type="datetime1">
               <a:rPr lang="en-US" smtClean="0"/>
-              <a:t>5/20/2013</a:t>
+              <a:t>8/25/15</a:t>
             </a:fld>
             <a:endParaRPr lang="en-US"/>
           </a:p>
@@ -11845,7 +11867,7 @@
           <a:p>
             <a:fld id="{F3477372-D5F2-4087-B1A0-E769859C2EAE}" type="datetime1">
               <a:rPr lang="en-US" smtClean="0"/>
-              <a:t>5/20/2013</a:t>
+              <a:t>8/25/15</a:t>
             </a:fld>
             <a:endParaRPr lang="en-US"/>
           </a:p>
@@ -12094,7 +12116,7 @@
           <a:p>
             <a:fld id="{CEFE193E-1225-40F1-8BFE-D06E18DEC2D0}" type="datetime1">
               <a:rPr lang="en-US" smtClean="0"/>
-              <a:t>5/20/2013</a:t>
+              <a:t>8/25/15</a:t>
             </a:fld>
             <a:endParaRPr lang="en-US"/>
           </a:p>
@@ -12351,7 +12373,7 @@
           <a:p>
             <a:fld id="{3B150DAB-1F01-4C18-8D3D-F5060EF19278}" type="datetime1">
               <a:rPr lang="en-US" smtClean="0"/>
-              <a:t>5/20/2013</a:t>
+              <a:t>8/25/15</a:t>
             </a:fld>
             <a:endParaRPr lang="en-US" dirty="0"/>
           </a:p>
@@ -12918,7 +12940,7 @@
                 </a:solidFill>
               </a:rPr>
               <a:pPr defTabSz="914400"/>
-              <a:t>5/20/2013</a:t>
+              <a:t>8/25/15</a:t>
             </a:fld>
             <a:endParaRPr lang="en-US">
               <a:solidFill>
@@ -13463,7 +13485,7 @@
                 </a:solidFill>
               </a:rPr>
               <a:pPr defTabSz="914400"/>
-              <a:t>5/20/2013</a:t>
+              <a:t>8/25/15</a:t>
             </a:fld>
             <a:endParaRPr lang="en-US">
               <a:solidFill>
@@ -13951,6 +13973,3468 @@
 </file>
 
 <file path=ppt/slides/slide10.xml><?xml version="1.0" encoding="utf-8"?>
+<p:sld xmlns:a="http://schemas.openxmlformats.org/drawingml/2006/main" xmlns:r="http://schemas.openxmlformats.org/officeDocument/2006/relationships" xmlns:p="http://schemas.openxmlformats.org/presentationml/2006/main">
+  <p:cSld>
+    <p:spTree>
+      <p:nvGrpSpPr>
+        <p:cNvPr id="1" name=""/>
+        <p:cNvGrpSpPr/>
+        <p:nvPr/>
+      </p:nvGrpSpPr>
+      <p:grpSpPr>
+        <a:xfrm>
+          <a:off x="0" y="0"/>
+          <a:ext cx="0" cy="0"/>
+          <a:chOff x="0" y="0"/>
+          <a:chExt cx="0" cy="0"/>
+        </a:xfrm>
+      </p:grpSpPr>
+      <p:sp>
+        <p:nvSpPr>
+          <p:cNvPr id="3" name="Slide Number Placeholder 2"/>
+          <p:cNvSpPr>
+            <a:spLocks noGrp="1"/>
+          </p:cNvSpPr>
+          <p:nvPr>
+            <p:ph type="sldNum" sz="quarter" idx="12"/>
+          </p:nvPr>
+        </p:nvSpPr>
+        <p:spPr/>
+        <p:txBody>
+          <a:bodyPr/>
+          <a:lstStyle/>
+          <a:p>
+            <a:pPr>
+              <a:defRPr/>
+            </a:pPr>
+            <a:fld id="{AB4D0008-6A72-4656-B7F0-24D7755C9CC3}" type="slidenum">
+              <a:rPr lang="en-US" smtClean="0"/>
+              <a:pPr>
+                <a:defRPr/>
+              </a:pPr>
+              <a:t>9</a:t>
+            </a:fld>
+            <a:endParaRPr lang="en-US"/>
+          </a:p>
+        </p:txBody>
+      </p:sp>
+      <p:graphicFrame>
+        <p:nvGraphicFramePr>
+          <p:cNvPr id="55" name="Table 54"/>
+          <p:cNvGraphicFramePr>
+            <a:graphicFrameLocks noGrp="1"/>
+          </p:cNvGraphicFramePr>
+          <p:nvPr>
+            <p:extLst>
+              <p:ext uri="{D42A27DB-BD31-4B8C-83A1-F6EECF244321}">
+                <p14:modId xmlns:p14="http://schemas.microsoft.com/office/powerpoint/2010/main" val="530251983"/>
+              </p:ext>
+            </p:extLst>
+          </p:nvPr>
+        </p:nvGraphicFramePr>
+        <p:xfrm>
+          <a:off x="199201" y="1574636"/>
+          <a:ext cx="8817799" cy="5181498"/>
+        </p:xfrm>
+        <a:graphic>
+          <a:graphicData uri="http://schemas.openxmlformats.org/drawingml/2006/table">
+            <a:tbl>
+              <a:tblPr firstRow="1" bandRow="1">
+                <a:tableStyleId>{5C22544A-7EE6-4342-B048-85BDC9FD1C3A}</a:tableStyleId>
+              </a:tblPr>
+              <a:tblGrid>
+                <a:gridCol w="534992"/>
+                <a:gridCol w="1263863"/>
+                <a:gridCol w="1512917"/>
+                <a:gridCol w="1182194"/>
+                <a:gridCol w="1517133"/>
+                <a:gridCol w="1435100"/>
+                <a:gridCol w="1371600"/>
+              </a:tblGrid>
+              <a:tr h="444822">
+                <a:tc>
+                  <a:txBody>
+                    <a:bodyPr/>
+                    <a:lstStyle/>
+                    <a:p>
+                      <a:pPr algn="ctr"/>
+                      <a:r>
+                        <a:rPr lang="en-US" sz="1200" b="1" dirty="0" smtClean="0"/>
+                        <a:t>#</a:t>
+                      </a:r>
+                      <a:endParaRPr lang="en-US" sz="1200" b="1" dirty="0"/>
+                    </a:p>
+                  </a:txBody>
+                  <a:tcPr anchor="ctr">
+                    <a:lnL w="12700" cap="flat" cmpd="sng" algn="ctr">
+                      <a:solidFill>
+                        <a:schemeClr val="tx1"/>
+                      </a:solidFill>
+                      <a:prstDash val="solid"/>
+                      <a:round/>
+                      <a:headEnd type="none" w="med" len="med"/>
+                      <a:tailEnd type="none" w="med" len="med"/>
+                    </a:lnL>
+                    <a:lnR w="12700" cap="flat" cmpd="sng" algn="ctr">
+                      <a:solidFill>
+                        <a:schemeClr val="tx1"/>
+                      </a:solidFill>
+                      <a:prstDash val="solid"/>
+                      <a:round/>
+                      <a:headEnd type="none" w="med" len="med"/>
+                      <a:tailEnd type="none" w="med" len="med"/>
+                    </a:lnR>
+                    <a:lnT w="12700" cap="flat" cmpd="sng" algn="ctr">
+                      <a:solidFill>
+                        <a:schemeClr val="tx1"/>
+                      </a:solidFill>
+                      <a:prstDash val="solid"/>
+                      <a:round/>
+                      <a:headEnd type="none" w="med" len="med"/>
+                      <a:tailEnd type="none" w="med" len="med"/>
+                    </a:lnT>
+                    <a:lnB w="12700" cap="flat" cmpd="sng" algn="ctr">
+                      <a:solidFill>
+                        <a:schemeClr val="tx1"/>
+                      </a:solidFill>
+                      <a:prstDash val="solid"/>
+                      <a:round/>
+                      <a:headEnd type="none" w="med" len="med"/>
+                      <a:tailEnd type="none" w="med" len="med"/>
+                    </a:lnB>
+                    <a:lnTlToBr w="12700" cmpd="sng">
+                      <a:noFill/>
+                      <a:prstDash val="solid"/>
+                    </a:lnTlToBr>
+                    <a:lnBlToTr w="12700" cmpd="sng">
+                      <a:noFill/>
+                      <a:prstDash val="solid"/>
+                    </a:lnBlToTr>
+                  </a:tcPr>
+                </a:tc>
+                <a:tc>
+                  <a:txBody>
+                    <a:bodyPr/>
+                    <a:lstStyle/>
+                    <a:p>
+                      <a:pPr algn="ctr"/>
+                      <a:r>
+                        <a:rPr lang="en-US" sz="1200" b="1" dirty="0" smtClean="0"/>
+                        <a:t>Transaction</a:t>
+                      </a:r>
+                      <a:endParaRPr lang="en-US" sz="1200" b="1" dirty="0"/>
+                    </a:p>
+                  </a:txBody>
+                  <a:tcPr anchor="ctr">
+                    <a:lnL w="12700" cap="flat" cmpd="sng" algn="ctr">
+                      <a:solidFill>
+                        <a:schemeClr val="tx1"/>
+                      </a:solidFill>
+                      <a:prstDash val="solid"/>
+                      <a:round/>
+                      <a:headEnd type="none" w="med" len="med"/>
+                      <a:tailEnd type="none" w="med" len="med"/>
+                    </a:lnL>
+                    <a:lnR w="12700" cap="flat" cmpd="sng" algn="ctr">
+                      <a:solidFill>
+                        <a:schemeClr val="tx1"/>
+                      </a:solidFill>
+                      <a:prstDash val="solid"/>
+                      <a:round/>
+                      <a:headEnd type="none" w="med" len="med"/>
+                      <a:tailEnd type="none" w="med" len="med"/>
+                    </a:lnR>
+                    <a:lnT w="12700" cap="flat" cmpd="sng" algn="ctr">
+                      <a:solidFill>
+                        <a:schemeClr val="tx1"/>
+                      </a:solidFill>
+                      <a:prstDash val="solid"/>
+                      <a:round/>
+                      <a:headEnd type="none" w="med" len="med"/>
+                      <a:tailEnd type="none" w="med" len="med"/>
+                    </a:lnT>
+                    <a:lnB w="12700" cap="flat" cmpd="sng" algn="ctr">
+                      <a:solidFill>
+                        <a:schemeClr val="tx1"/>
+                      </a:solidFill>
+                      <a:prstDash val="solid"/>
+                      <a:round/>
+                      <a:headEnd type="none" w="med" len="med"/>
+                      <a:tailEnd type="none" w="med" len="med"/>
+                    </a:lnB>
+                    <a:lnTlToBr w="12700" cmpd="sng">
+                      <a:noFill/>
+                      <a:prstDash val="solid"/>
+                    </a:lnTlToBr>
+                    <a:lnBlToTr w="12700" cmpd="sng">
+                      <a:noFill/>
+                      <a:prstDash val="solid"/>
+                    </a:lnBlToTr>
+                  </a:tcPr>
+                </a:tc>
+                <a:tc gridSpan="2">
+                  <a:txBody>
+                    <a:bodyPr/>
+                    <a:lstStyle/>
+                    <a:p>
+                      <a:pPr algn="ctr"/>
+                      <a:r>
+                        <a:rPr lang="en-US" sz="1200" b="1" dirty="0" smtClean="0"/>
+                        <a:t>Content and Structure</a:t>
+                      </a:r>
+                      <a:endParaRPr lang="en-US" sz="1200" b="1" dirty="0"/>
+                    </a:p>
+                  </a:txBody>
+                  <a:tcPr anchor="ctr">
+                    <a:lnL w="12700" cap="flat" cmpd="sng" algn="ctr">
+                      <a:solidFill>
+                        <a:schemeClr val="tx1"/>
+                      </a:solidFill>
+                      <a:prstDash val="solid"/>
+                      <a:round/>
+                      <a:headEnd type="none" w="med" len="med"/>
+                      <a:tailEnd type="none" w="med" len="med"/>
+                    </a:lnL>
+                    <a:lnR w="12700" cap="flat" cmpd="sng" algn="ctr">
+                      <a:solidFill>
+                        <a:schemeClr val="tx1"/>
+                      </a:solidFill>
+                      <a:prstDash val="solid"/>
+                      <a:round/>
+                      <a:headEnd type="none" w="med" len="med"/>
+                      <a:tailEnd type="none" w="med" len="med"/>
+                    </a:lnR>
+                    <a:lnT w="12700" cap="flat" cmpd="sng" algn="ctr">
+                      <a:solidFill>
+                        <a:schemeClr val="tx1"/>
+                      </a:solidFill>
+                      <a:prstDash val="solid"/>
+                      <a:round/>
+                      <a:headEnd type="none" w="med" len="med"/>
+                      <a:tailEnd type="none" w="med" len="med"/>
+                    </a:lnT>
+                    <a:lnB w="12700" cap="flat" cmpd="sng" algn="ctr">
+                      <a:solidFill>
+                        <a:schemeClr val="tx1"/>
+                      </a:solidFill>
+                      <a:prstDash val="solid"/>
+                      <a:round/>
+                      <a:headEnd type="none" w="med" len="med"/>
+                      <a:tailEnd type="none" w="med" len="med"/>
+                    </a:lnB>
+                    <a:lnTlToBr w="12700" cmpd="sng">
+                      <a:noFill/>
+                      <a:prstDash val="solid"/>
+                    </a:lnTlToBr>
+                    <a:lnBlToTr w="12700" cmpd="sng">
+                      <a:noFill/>
+                      <a:prstDash val="solid"/>
+                    </a:lnBlToTr>
+                  </a:tcPr>
+                </a:tc>
+                <a:tc hMerge="1">
+                  <a:txBody>
+                    <a:bodyPr/>
+                    <a:lstStyle/>
+                    <a:p>
+                      <a:endParaRPr lang="en-US"/>
+                    </a:p>
+                  </a:txBody>
+                  <a:tcPr/>
+                </a:tc>
+                <a:tc>
+                  <a:txBody>
+                    <a:bodyPr/>
+                    <a:lstStyle/>
+                    <a:p>
+                      <a:pPr algn="ctr"/>
+                      <a:r>
+                        <a:rPr lang="en-US" sz="1200" b="1" dirty="0" smtClean="0"/>
+                        <a:t>Vocabulary and Code Set</a:t>
+                      </a:r>
+                      <a:endParaRPr lang="en-US" sz="1200" b="1" dirty="0"/>
+                    </a:p>
+                  </a:txBody>
+                  <a:tcPr anchor="ctr">
+                    <a:lnL w="12700" cap="flat" cmpd="sng" algn="ctr">
+                      <a:solidFill>
+                        <a:schemeClr val="tx1"/>
+                      </a:solidFill>
+                      <a:prstDash val="solid"/>
+                      <a:round/>
+                      <a:headEnd type="none" w="med" len="med"/>
+                      <a:tailEnd type="none" w="med" len="med"/>
+                    </a:lnL>
+                    <a:lnR w="12700" cap="flat" cmpd="sng" algn="ctr">
+                      <a:solidFill>
+                        <a:schemeClr val="tx1"/>
+                      </a:solidFill>
+                      <a:prstDash val="solid"/>
+                      <a:round/>
+                      <a:headEnd type="none" w="med" len="med"/>
+                      <a:tailEnd type="none" w="med" len="med"/>
+                    </a:lnR>
+                    <a:lnT w="12700" cap="flat" cmpd="sng" algn="ctr">
+                      <a:solidFill>
+                        <a:schemeClr val="tx1"/>
+                      </a:solidFill>
+                      <a:prstDash val="solid"/>
+                      <a:round/>
+                      <a:headEnd type="none" w="med" len="med"/>
+                      <a:tailEnd type="none" w="med" len="med"/>
+                    </a:lnT>
+                    <a:lnB w="12700" cap="flat" cmpd="sng" algn="ctr">
+                      <a:solidFill>
+                        <a:schemeClr val="tx1"/>
+                      </a:solidFill>
+                      <a:prstDash val="solid"/>
+                      <a:round/>
+                      <a:headEnd type="none" w="med" len="med"/>
+                      <a:tailEnd type="none" w="med" len="med"/>
+                    </a:lnB>
+                    <a:lnTlToBr w="12700" cmpd="sng">
+                      <a:noFill/>
+                      <a:prstDash val="solid"/>
+                    </a:lnTlToBr>
+                    <a:lnBlToTr w="12700" cmpd="sng">
+                      <a:noFill/>
+                      <a:prstDash val="solid"/>
+                    </a:lnBlToTr>
+                  </a:tcPr>
+                </a:tc>
+                <a:tc>
+                  <a:txBody>
+                    <a:bodyPr/>
+                    <a:lstStyle/>
+                    <a:p>
+                      <a:pPr algn="ctr"/>
+                      <a:r>
+                        <a:rPr lang="en-US" sz="1200" b="1" dirty="0" smtClean="0"/>
+                        <a:t>Transport and Security</a:t>
+                      </a:r>
+                      <a:endParaRPr lang="en-US" sz="1200" b="1" dirty="0"/>
+                    </a:p>
+                  </a:txBody>
+                  <a:tcPr anchor="ctr">
+                    <a:lnL w="12700" cap="flat" cmpd="sng" algn="ctr">
+                      <a:solidFill>
+                        <a:schemeClr val="tx1"/>
+                      </a:solidFill>
+                      <a:prstDash val="solid"/>
+                      <a:round/>
+                      <a:headEnd type="none" w="med" len="med"/>
+                      <a:tailEnd type="none" w="med" len="med"/>
+                    </a:lnL>
+                    <a:lnR w="12700" cap="flat" cmpd="sng" algn="ctr">
+                      <a:solidFill>
+                        <a:schemeClr val="tx1"/>
+                      </a:solidFill>
+                      <a:prstDash val="solid"/>
+                      <a:round/>
+                      <a:headEnd type="none" w="med" len="med"/>
+                      <a:tailEnd type="none" w="med" len="med"/>
+                    </a:lnR>
+                    <a:lnT w="12700" cap="flat" cmpd="sng" algn="ctr">
+                      <a:solidFill>
+                        <a:schemeClr val="tx1"/>
+                      </a:solidFill>
+                      <a:prstDash val="solid"/>
+                      <a:round/>
+                      <a:headEnd type="none" w="med" len="med"/>
+                      <a:tailEnd type="none" w="med" len="med"/>
+                    </a:lnT>
+                    <a:lnB w="12700" cap="flat" cmpd="sng" algn="ctr">
+                      <a:solidFill>
+                        <a:schemeClr val="tx1"/>
+                      </a:solidFill>
+                      <a:prstDash val="solid"/>
+                      <a:round/>
+                      <a:headEnd type="none" w="med" len="med"/>
+                      <a:tailEnd type="none" w="med" len="med"/>
+                    </a:lnB>
+                    <a:lnTlToBr w="12700" cmpd="sng">
+                      <a:noFill/>
+                      <a:prstDash val="solid"/>
+                    </a:lnTlToBr>
+                    <a:lnBlToTr w="12700" cmpd="sng">
+                      <a:noFill/>
+                      <a:prstDash val="solid"/>
+                    </a:lnBlToTr>
+                  </a:tcPr>
+                </a:tc>
+                <a:tc>
+                  <a:txBody>
+                    <a:bodyPr/>
+                    <a:lstStyle/>
+                    <a:p>
+                      <a:pPr algn="ctr"/>
+                      <a:r>
+                        <a:rPr lang="en-US" sz="1200" b="1" dirty="0" smtClean="0"/>
+                        <a:t>Cross-Category</a:t>
+                      </a:r>
+                      <a:endParaRPr lang="en-US" sz="1200" b="1" dirty="0"/>
+                    </a:p>
+                  </a:txBody>
+                  <a:tcPr anchor="ctr">
+                    <a:lnL w="12700" cap="flat" cmpd="sng" algn="ctr">
+                      <a:solidFill>
+                        <a:schemeClr val="tx1"/>
+                      </a:solidFill>
+                      <a:prstDash val="solid"/>
+                      <a:round/>
+                      <a:headEnd type="none" w="med" len="med"/>
+                      <a:tailEnd type="none" w="med" len="med"/>
+                    </a:lnL>
+                    <a:lnR w="12700" cap="flat" cmpd="sng" algn="ctr">
+                      <a:solidFill>
+                        <a:schemeClr val="tx1"/>
+                      </a:solidFill>
+                      <a:prstDash val="solid"/>
+                      <a:round/>
+                      <a:headEnd type="none" w="med" len="med"/>
+                      <a:tailEnd type="none" w="med" len="med"/>
+                    </a:lnR>
+                    <a:lnT w="12700" cap="flat" cmpd="sng" algn="ctr">
+                      <a:solidFill>
+                        <a:schemeClr val="tx1"/>
+                      </a:solidFill>
+                      <a:prstDash val="solid"/>
+                      <a:round/>
+                      <a:headEnd type="none" w="med" len="med"/>
+                      <a:tailEnd type="none" w="med" len="med"/>
+                    </a:lnT>
+                    <a:lnB w="12700" cap="flat" cmpd="sng" algn="ctr">
+                      <a:solidFill>
+                        <a:schemeClr val="tx1"/>
+                      </a:solidFill>
+                      <a:prstDash val="solid"/>
+                      <a:round/>
+                      <a:headEnd type="none" w="med" len="med"/>
+                      <a:tailEnd type="none" w="med" len="med"/>
+                    </a:lnB>
+                    <a:lnTlToBr w="12700" cmpd="sng">
+                      <a:noFill/>
+                      <a:prstDash val="solid"/>
+                    </a:lnTlToBr>
+                    <a:lnBlToTr w="12700" cmpd="sng">
+                      <a:noFill/>
+                      <a:prstDash val="solid"/>
+                    </a:lnBlToTr>
+                  </a:tcPr>
+                </a:tc>
+              </a:tr>
+              <a:tr h="1334465">
+                <a:tc>
+                  <a:txBody>
+                    <a:bodyPr/>
+                    <a:lstStyle/>
+                    <a:p>
+                      <a:pPr algn="ctr"/>
+                      <a:r>
+                        <a:rPr lang="en-US" sz="1200" kern="1200" dirty="0" smtClean="0">
+                          <a:solidFill>
+                            <a:schemeClr val="tx1"/>
+                          </a:solidFill>
+                          <a:latin typeface="+mn-lt"/>
+                          <a:ea typeface="+mn-ea"/>
+                          <a:cs typeface="+mn-cs"/>
+                        </a:rPr>
+                        <a:t>1</a:t>
+                      </a:r>
+                    </a:p>
+                  </a:txBody>
+                  <a:tcPr anchor="ctr">
+                    <a:lnL w="12700" cap="flat" cmpd="sng" algn="ctr">
+                      <a:solidFill>
+                        <a:schemeClr val="tx1"/>
+                      </a:solidFill>
+                      <a:prstDash val="solid"/>
+                      <a:round/>
+                      <a:headEnd type="none" w="med" len="med"/>
+                      <a:tailEnd type="none" w="med" len="med"/>
+                    </a:lnL>
+                    <a:lnR w="12700" cap="flat" cmpd="sng" algn="ctr">
+                      <a:solidFill>
+                        <a:schemeClr val="tx1"/>
+                      </a:solidFill>
+                      <a:prstDash val="solid"/>
+                      <a:round/>
+                      <a:headEnd type="none" w="med" len="med"/>
+                      <a:tailEnd type="none" w="med" len="med"/>
+                    </a:lnR>
+                    <a:lnT w="12700" cap="flat" cmpd="sng" algn="ctr">
+                      <a:solidFill>
+                        <a:schemeClr val="tx1"/>
+                      </a:solidFill>
+                      <a:prstDash val="solid"/>
+                      <a:round/>
+                      <a:headEnd type="none" w="med" len="med"/>
+                      <a:tailEnd type="none" w="med" len="med"/>
+                    </a:lnT>
+                    <a:lnB w="12700" cap="flat" cmpd="sng" algn="ctr">
+                      <a:solidFill>
+                        <a:schemeClr val="tx1"/>
+                      </a:solidFill>
+                      <a:prstDash val="solid"/>
+                      <a:round/>
+                      <a:headEnd type="none" w="med" len="med"/>
+                      <a:tailEnd type="none" w="med" len="med"/>
+                    </a:lnB>
+                    <a:lnTlToBr w="12700" cmpd="sng">
+                      <a:noFill/>
+                      <a:prstDash val="solid"/>
+                    </a:lnTlToBr>
+                    <a:lnBlToTr w="12700" cmpd="sng">
+                      <a:noFill/>
+                      <a:prstDash val="solid"/>
+                    </a:lnBlToTr>
+                  </a:tcPr>
+                </a:tc>
+                <a:tc>
+                  <a:txBody>
+                    <a:bodyPr/>
+                    <a:lstStyle/>
+                    <a:p>
+                      <a:r>
+                        <a:rPr lang="en-US" sz="1200" dirty="0" smtClean="0">
+                          <a:solidFill>
+                            <a:schemeClr val="tx1"/>
+                          </a:solidFill>
+                        </a:rPr>
+                        <a:t>Request for</a:t>
+                      </a:r>
+                      <a:r>
+                        <a:rPr lang="en-US" sz="1200" baseline="0" dirty="0" smtClean="0">
+                          <a:solidFill>
+                            <a:schemeClr val="tx1"/>
+                          </a:solidFill>
+                        </a:rPr>
+                        <a:t> form/template</a:t>
+                      </a:r>
+                    </a:p>
+                  </a:txBody>
+                  <a:tcPr anchor="ctr">
+                    <a:lnL w="12700" cap="flat" cmpd="sng" algn="ctr">
+                      <a:solidFill>
+                        <a:schemeClr val="tx1"/>
+                      </a:solidFill>
+                      <a:prstDash val="solid"/>
+                      <a:round/>
+                      <a:headEnd type="none" w="med" len="med"/>
+                      <a:tailEnd type="none" w="med" len="med"/>
+                    </a:lnL>
+                    <a:lnR w="12700" cap="flat" cmpd="sng" algn="ctr">
+                      <a:solidFill>
+                        <a:schemeClr val="tx1"/>
+                      </a:solidFill>
+                      <a:prstDash val="solid"/>
+                      <a:round/>
+                      <a:headEnd type="none" w="med" len="med"/>
+                      <a:tailEnd type="none" w="med" len="med"/>
+                    </a:lnR>
+                    <a:lnT w="12700" cap="flat" cmpd="sng" algn="ctr">
+                      <a:solidFill>
+                        <a:schemeClr val="tx1"/>
+                      </a:solidFill>
+                      <a:prstDash val="solid"/>
+                      <a:round/>
+                      <a:headEnd type="none" w="med" len="med"/>
+                      <a:tailEnd type="none" w="med" len="med"/>
+                    </a:lnT>
+                    <a:lnB w="12700" cap="flat" cmpd="sng" algn="ctr">
+                      <a:solidFill>
+                        <a:schemeClr val="tx1"/>
+                      </a:solidFill>
+                      <a:prstDash val="solid"/>
+                      <a:round/>
+                      <a:headEnd type="none" w="med" len="med"/>
+                      <a:tailEnd type="none" w="med" len="med"/>
+                    </a:lnB>
+                    <a:lnTlToBr w="12700" cmpd="sng">
+                      <a:noFill/>
+                      <a:prstDash val="solid"/>
+                    </a:lnTlToBr>
+                    <a:lnBlToTr w="12700" cmpd="sng">
+                      <a:noFill/>
+                      <a:prstDash val="solid"/>
+                    </a:lnBlToTr>
+                  </a:tcPr>
+                </a:tc>
+                <a:tc>
+                  <a:txBody>
+                    <a:bodyPr/>
+                    <a:lstStyle/>
+                    <a:p>
+                      <a:pPr marL="171450" indent="-171450" algn="l">
+                        <a:buFont typeface="Arial" pitchFamily="34" charset="0"/>
+                        <a:buChar char="•"/>
+                      </a:pPr>
+                      <a:r>
+                        <a:rPr lang="en-US" sz="1200" baseline="0" dirty="0" smtClean="0"/>
+                        <a:t>CDA R2</a:t>
+                      </a:r>
+                    </a:p>
+                    <a:p>
+                      <a:pPr marL="171450" indent="-171450" algn="l">
+                        <a:buFont typeface="Arial" pitchFamily="34" charset="0"/>
+                        <a:buChar char="•"/>
+                      </a:pPr>
+                      <a:r>
+                        <a:rPr lang="en-US" sz="1200" baseline="0" dirty="0" smtClean="0"/>
+                        <a:t>C-CDA</a:t>
+                      </a:r>
+                    </a:p>
+                    <a:p>
+                      <a:pPr marL="171450" indent="-171450" algn="l">
+                        <a:buFont typeface="Arial" pitchFamily="34" charset="0"/>
+                        <a:buChar char="•"/>
+                      </a:pPr>
+                      <a:r>
+                        <a:rPr lang="en-US" sz="1200" baseline="0" dirty="0" smtClean="0"/>
+                        <a:t>ICSR</a:t>
+                      </a:r>
+                    </a:p>
+                    <a:p>
+                      <a:pPr marL="171450" marR="0" indent="-171450" algn="l" defTabSz="457200" rtl="0" eaLnBrk="1" fontAlgn="auto" latinLnBrk="0" hangingPunct="1">
+                        <a:lnSpc>
+                          <a:spcPct val="100000"/>
+                        </a:lnSpc>
+                        <a:spcBef>
+                          <a:spcPts val="0"/>
+                        </a:spcBef>
+                        <a:spcAft>
+                          <a:spcPts val="0"/>
+                        </a:spcAft>
+                        <a:buClrTx/>
+                        <a:buSzTx/>
+                        <a:buFont typeface="Arial" pitchFamily="34" charset="0"/>
+                        <a:buChar char="•"/>
+                        <a:tabLst/>
+                        <a:defRPr/>
+                      </a:pPr>
+                      <a:r>
+                        <a:rPr lang="en-US" sz="1200" baseline="0" dirty="0" smtClean="0"/>
+                        <a:t>RFD</a:t>
+                      </a:r>
+                    </a:p>
+                    <a:p>
+                      <a:pPr marL="171450" marR="0" indent="-171450" algn="l" defTabSz="457200" rtl="0" eaLnBrk="1" fontAlgn="auto" latinLnBrk="0" hangingPunct="1">
+                        <a:lnSpc>
+                          <a:spcPct val="100000"/>
+                        </a:lnSpc>
+                        <a:spcBef>
+                          <a:spcPts val="0"/>
+                        </a:spcBef>
+                        <a:spcAft>
+                          <a:spcPts val="0"/>
+                        </a:spcAft>
+                        <a:buClrTx/>
+                        <a:buSzTx/>
+                        <a:buFont typeface="Arial" pitchFamily="34" charset="0"/>
+                        <a:buChar char="•"/>
+                        <a:tabLst/>
+                        <a:defRPr/>
+                      </a:pPr>
+                      <a:r>
+                        <a:rPr lang="en-US" sz="1200" baseline="0" dirty="0" smtClean="0"/>
+                        <a:t>XUA</a:t>
+                      </a:r>
+                    </a:p>
+                    <a:p>
+                      <a:pPr marL="171450" marR="0" indent="-171450" algn="l" defTabSz="457200" rtl="0" eaLnBrk="1" fontAlgn="auto" latinLnBrk="0" hangingPunct="1">
+                        <a:lnSpc>
+                          <a:spcPct val="100000"/>
+                        </a:lnSpc>
+                        <a:spcBef>
+                          <a:spcPts val="0"/>
+                        </a:spcBef>
+                        <a:spcAft>
+                          <a:spcPts val="0"/>
+                        </a:spcAft>
+                        <a:buClrTx/>
+                        <a:buSzTx/>
+                        <a:buFont typeface="Arial" pitchFamily="34" charset="0"/>
+                        <a:buChar char="•"/>
+                        <a:tabLst/>
+                        <a:defRPr/>
+                      </a:pPr>
+                      <a:r>
+                        <a:rPr lang="en-US" sz="1200" baseline="0" dirty="0" smtClean="0"/>
+                        <a:t>RPE</a:t>
+                      </a:r>
+                    </a:p>
+                  </a:txBody>
+                  <a:tcPr anchor="ctr">
+                    <a:lnL w="12700" cap="flat" cmpd="sng" algn="ctr">
+                      <a:solidFill>
+                        <a:schemeClr val="tx1"/>
+                      </a:solidFill>
+                      <a:prstDash val="solid"/>
+                      <a:round/>
+                      <a:headEnd type="none" w="med" len="med"/>
+                      <a:tailEnd type="none" w="med" len="med"/>
+                    </a:lnL>
+                    <a:lnR w="12700" cap="flat" cmpd="sng" algn="ctr">
+                      <a:solidFill>
+                        <a:srgbClr val="D0D8E8"/>
+                      </a:solidFill>
+                      <a:prstDash val="solid"/>
+                      <a:round/>
+                      <a:headEnd type="none" w="med" len="med"/>
+                      <a:tailEnd type="none" w="med" len="med"/>
+                    </a:lnR>
+                    <a:lnT w="12700" cap="flat" cmpd="sng" algn="ctr">
+                      <a:solidFill>
+                        <a:schemeClr val="tx1"/>
+                      </a:solidFill>
+                      <a:prstDash val="solid"/>
+                      <a:round/>
+                      <a:headEnd type="none" w="med" len="med"/>
+                      <a:tailEnd type="none" w="med" len="med"/>
+                    </a:lnT>
+                    <a:lnB w="12700" cap="flat" cmpd="sng" algn="ctr">
+                      <a:solidFill>
+                        <a:schemeClr val="tx1"/>
+                      </a:solidFill>
+                      <a:prstDash val="solid"/>
+                      <a:round/>
+                      <a:headEnd type="none" w="med" len="med"/>
+                      <a:tailEnd type="none" w="med" len="med"/>
+                    </a:lnB>
+                    <a:lnTlToBr w="12700" cmpd="sng">
+                      <a:noFill/>
+                      <a:prstDash val="solid"/>
+                    </a:lnTlToBr>
+                    <a:lnBlToTr w="12700" cmpd="sng">
+                      <a:noFill/>
+                      <a:prstDash val="solid"/>
+                    </a:lnBlToTr>
+                  </a:tcPr>
+                </a:tc>
+                <a:tc>
+                  <a:txBody>
+                    <a:bodyPr/>
+                    <a:lstStyle/>
+                    <a:p>
+                      <a:pPr marL="171450" indent="-171450" algn="l">
+                        <a:buFont typeface="Arial" pitchFamily="34" charset="0"/>
+                        <a:buChar char="•"/>
+                      </a:pPr>
+                      <a:r>
+                        <a:rPr lang="en-US" sz="1200" baseline="0" dirty="0" smtClean="0"/>
+                        <a:t>CAP 135</a:t>
+                      </a:r>
+                    </a:p>
+                    <a:p>
+                      <a:pPr marL="171450" indent="-171450" algn="l">
+                        <a:buFont typeface="Arial" pitchFamily="34" charset="0"/>
+                        <a:buChar char="•"/>
+                      </a:pPr>
+                      <a:r>
+                        <a:rPr lang="en-US" sz="1200" baseline="0" dirty="0" smtClean="0"/>
+                        <a:t>CTS2</a:t>
+                      </a:r>
+                    </a:p>
+                    <a:p>
+                      <a:pPr marL="171450" indent="-171450" algn="l">
+                        <a:buFont typeface="Arial" pitchFamily="34" charset="0"/>
+                        <a:buChar char="•"/>
+                      </a:pPr>
+                      <a:r>
+                        <a:rPr lang="en-US" sz="1200" baseline="0" dirty="0" smtClean="0"/>
+                        <a:t>ODM</a:t>
+                      </a:r>
+                    </a:p>
+                    <a:p>
+                      <a:pPr marL="171450" indent="-171450" algn="l">
+                        <a:buFont typeface="Arial" pitchFamily="34" charset="0"/>
+                        <a:buChar char="•"/>
+                      </a:pPr>
+                      <a:r>
+                        <a:rPr lang="en-US" sz="1200" baseline="0" dirty="0" smtClean="0"/>
+                        <a:t>XD*</a:t>
+                      </a:r>
+                    </a:p>
+                    <a:p>
+                      <a:pPr marL="171450" marR="0" indent="-171450" algn="l" defTabSz="457200" rtl="0" eaLnBrk="1" fontAlgn="auto" latinLnBrk="0" hangingPunct="1">
+                        <a:lnSpc>
+                          <a:spcPct val="100000"/>
+                        </a:lnSpc>
+                        <a:spcBef>
+                          <a:spcPts val="0"/>
+                        </a:spcBef>
+                        <a:spcAft>
+                          <a:spcPts val="0"/>
+                        </a:spcAft>
+                        <a:buClrTx/>
+                        <a:buSzTx/>
+                        <a:buFont typeface="Arial" pitchFamily="34" charset="0"/>
+                        <a:buChar char="•"/>
+                        <a:tabLst/>
+                        <a:defRPr/>
+                      </a:pPr>
+                      <a:r>
+                        <a:rPr lang="en-US" sz="1200" baseline="0" dirty="0" smtClean="0"/>
+                        <a:t>ISO/IEC 11179</a:t>
+                      </a:r>
+                    </a:p>
+                  </a:txBody>
+                  <a:tcPr anchor="ctr">
+                    <a:lnL w="12700" cap="flat" cmpd="sng" algn="ctr">
+                      <a:solidFill>
+                        <a:srgbClr val="D0D8E8"/>
+                      </a:solidFill>
+                      <a:prstDash val="solid"/>
+                      <a:round/>
+                      <a:headEnd type="none" w="med" len="med"/>
+                      <a:tailEnd type="none" w="med" len="med"/>
+                    </a:lnL>
+                    <a:lnR w="12700" cap="flat" cmpd="sng" algn="ctr">
+                      <a:solidFill>
+                        <a:schemeClr val="tx1"/>
+                      </a:solidFill>
+                      <a:prstDash val="solid"/>
+                      <a:round/>
+                      <a:headEnd type="none" w="med" len="med"/>
+                      <a:tailEnd type="none" w="med" len="med"/>
+                    </a:lnR>
+                    <a:lnT w="12700" cap="flat" cmpd="sng" algn="ctr">
+                      <a:solidFill>
+                        <a:schemeClr val="tx1"/>
+                      </a:solidFill>
+                      <a:prstDash val="solid"/>
+                      <a:round/>
+                      <a:headEnd type="none" w="med" len="med"/>
+                      <a:tailEnd type="none" w="med" len="med"/>
+                    </a:lnT>
+                    <a:lnB w="12700" cap="flat" cmpd="sng" algn="ctr">
+                      <a:solidFill>
+                        <a:schemeClr val="tx1"/>
+                      </a:solidFill>
+                      <a:prstDash val="solid"/>
+                      <a:round/>
+                      <a:headEnd type="none" w="med" len="med"/>
+                      <a:tailEnd type="none" w="med" len="med"/>
+                    </a:lnB>
+                    <a:lnTlToBr w="12700" cmpd="sng">
+                      <a:noFill/>
+                      <a:prstDash val="solid"/>
+                    </a:lnTlToBr>
+                    <a:lnBlToTr w="12700" cmpd="sng">
+                      <a:noFill/>
+                      <a:prstDash val="solid"/>
+                    </a:lnBlToTr>
+                  </a:tcPr>
+                </a:tc>
+                <a:tc rowSpan="4">
+                  <a:txBody>
+                    <a:bodyPr/>
+                    <a:lstStyle/>
+                    <a:p>
+                      <a:pPr marL="171450" marR="0" indent="-171450" algn="l" defTabSz="457200" rtl="0" eaLnBrk="1" fontAlgn="auto" latinLnBrk="0" hangingPunct="1">
+                        <a:lnSpc>
+                          <a:spcPct val="100000"/>
+                        </a:lnSpc>
+                        <a:spcBef>
+                          <a:spcPts val="0"/>
+                        </a:spcBef>
+                        <a:spcAft>
+                          <a:spcPts val="0"/>
+                        </a:spcAft>
+                        <a:buClrTx/>
+                        <a:buSzTx/>
+                        <a:buFont typeface="Arial" pitchFamily="34" charset="0"/>
+                        <a:buChar char="•"/>
+                        <a:tabLst/>
+                        <a:defRPr/>
+                      </a:pPr>
+                      <a:r>
+                        <a:rPr lang="en-US" sz="1200" baseline="0" dirty="0" smtClean="0"/>
+                        <a:t>Common Formats</a:t>
+                      </a:r>
+                    </a:p>
+                    <a:p>
+                      <a:pPr marL="171450" marR="0" indent="-171450" algn="l" defTabSz="457200" rtl="0" eaLnBrk="1" fontAlgn="auto" latinLnBrk="0" hangingPunct="1">
+                        <a:lnSpc>
+                          <a:spcPct val="100000"/>
+                        </a:lnSpc>
+                        <a:spcBef>
+                          <a:spcPts val="0"/>
+                        </a:spcBef>
+                        <a:spcAft>
+                          <a:spcPts val="0"/>
+                        </a:spcAft>
+                        <a:buClrTx/>
+                        <a:buSzTx/>
+                        <a:buFont typeface="Arial" pitchFamily="34" charset="0"/>
+                        <a:buChar char="•"/>
+                        <a:tabLst/>
+                        <a:defRPr/>
+                      </a:pPr>
+                      <a:r>
+                        <a:rPr lang="en-US" sz="1200" baseline="0" dirty="0" smtClean="0"/>
+                        <a:t>CPT</a:t>
+                      </a:r>
+                    </a:p>
+                    <a:p>
+                      <a:pPr marL="171450" marR="0" indent="-171450" algn="l" defTabSz="457200" rtl="0" eaLnBrk="1" fontAlgn="auto" latinLnBrk="0" hangingPunct="1">
+                        <a:lnSpc>
+                          <a:spcPct val="100000"/>
+                        </a:lnSpc>
+                        <a:spcBef>
+                          <a:spcPts val="0"/>
+                        </a:spcBef>
+                        <a:spcAft>
+                          <a:spcPts val="0"/>
+                        </a:spcAft>
+                        <a:buClrTx/>
+                        <a:buSzTx/>
+                        <a:buFont typeface="Arial" pitchFamily="34" charset="0"/>
+                        <a:buChar char="•"/>
+                        <a:tabLst/>
+                        <a:defRPr/>
+                      </a:pPr>
+                      <a:r>
+                        <a:rPr lang="en-US" sz="1200" baseline="0" dirty="0" smtClean="0"/>
+                        <a:t>CVX</a:t>
+                      </a:r>
+                    </a:p>
+                    <a:p>
+                      <a:pPr marL="171450" marR="0" indent="-171450" algn="l" defTabSz="457200" rtl="0" eaLnBrk="1" fontAlgn="auto" latinLnBrk="0" hangingPunct="1">
+                        <a:lnSpc>
+                          <a:spcPct val="100000"/>
+                        </a:lnSpc>
+                        <a:spcBef>
+                          <a:spcPts val="0"/>
+                        </a:spcBef>
+                        <a:spcAft>
+                          <a:spcPts val="0"/>
+                        </a:spcAft>
+                        <a:buClrTx/>
+                        <a:buSzTx/>
+                        <a:buFont typeface="Arial" pitchFamily="34" charset="0"/>
+                        <a:buChar char="•"/>
+                        <a:tabLst/>
+                        <a:defRPr/>
+                      </a:pPr>
+                      <a:r>
+                        <a:rPr lang="en-US" sz="1200" baseline="0" dirty="0" smtClean="0"/>
+                        <a:t>MVX</a:t>
+                      </a:r>
+                    </a:p>
+                    <a:p>
+                      <a:pPr marL="171450" marR="0" indent="-171450" algn="l" defTabSz="457200" rtl="0" eaLnBrk="1" fontAlgn="auto" latinLnBrk="0" hangingPunct="1">
+                        <a:lnSpc>
+                          <a:spcPct val="100000"/>
+                        </a:lnSpc>
+                        <a:spcBef>
+                          <a:spcPts val="0"/>
+                        </a:spcBef>
+                        <a:spcAft>
+                          <a:spcPts val="0"/>
+                        </a:spcAft>
+                        <a:buClrTx/>
+                        <a:buSzTx/>
+                        <a:buFont typeface="Arial" pitchFamily="34" charset="0"/>
+                        <a:buChar char="•"/>
+                        <a:tabLst/>
+                        <a:defRPr/>
+                      </a:pPr>
+                      <a:r>
+                        <a:rPr lang="en-US" sz="1200" baseline="0" dirty="0" smtClean="0"/>
+                        <a:t>PHIN-VADS</a:t>
+                      </a:r>
+                    </a:p>
+                    <a:p>
+                      <a:pPr marL="171450" marR="0" indent="-171450" algn="l" defTabSz="457200" rtl="0" eaLnBrk="1" fontAlgn="auto" latinLnBrk="0" hangingPunct="1">
+                        <a:lnSpc>
+                          <a:spcPct val="100000"/>
+                        </a:lnSpc>
+                        <a:spcBef>
+                          <a:spcPts val="0"/>
+                        </a:spcBef>
+                        <a:spcAft>
+                          <a:spcPts val="0"/>
+                        </a:spcAft>
+                        <a:buClrTx/>
+                        <a:buSzTx/>
+                        <a:buFont typeface="Arial" pitchFamily="34" charset="0"/>
+                        <a:buChar char="•"/>
+                        <a:tabLst/>
+                        <a:defRPr/>
+                      </a:pPr>
+                      <a:r>
+                        <a:rPr lang="en-US" sz="1200" baseline="0" dirty="0" smtClean="0"/>
+                        <a:t>HCPCS</a:t>
+                      </a:r>
+                    </a:p>
+                    <a:p>
+                      <a:pPr marL="171450" marR="0" indent="-171450" algn="l" defTabSz="457200" rtl="0" eaLnBrk="1" fontAlgn="auto" latinLnBrk="0" hangingPunct="1">
+                        <a:lnSpc>
+                          <a:spcPct val="100000"/>
+                        </a:lnSpc>
+                        <a:spcBef>
+                          <a:spcPts val="0"/>
+                        </a:spcBef>
+                        <a:spcAft>
+                          <a:spcPts val="0"/>
+                        </a:spcAft>
+                        <a:buClrTx/>
+                        <a:buSzTx/>
+                        <a:buFont typeface="Arial" pitchFamily="34" charset="0"/>
+                        <a:buChar char="•"/>
+                        <a:tabLst/>
+                        <a:defRPr/>
+                      </a:pPr>
+                      <a:r>
+                        <a:rPr lang="en-US" sz="1200" baseline="0" dirty="0" smtClean="0"/>
+                        <a:t>ICD-9-CM</a:t>
+                      </a:r>
+                    </a:p>
+                    <a:p>
+                      <a:pPr marL="171450" marR="0" indent="-171450" algn="l" defTabSz="457200" rtl="0" eaLnBrk="1" fontAlgn="auto" latinLnBrk="0" hangingPunct="1">
+                        <a:lnSpc>
+                          <a:spcPct val="100000"/>
+                        </a:lnSpc>
+                        <a:spcBef>
+                          <a:spcPts val="0"/>
+                        </a:spcBef>
+                        <a:spcAft>
+                          <a:spcPts val="0"/>
+                        </a:spcAft>
+                        <a:buClrTx/>
+                        <a:buSzTx/>
+                        <a:buFont typeface="Arial" pitchFamily="34" charset="0"/>
+                        <a:buChar char="•"/>
+                        <a:tabLst/>
+                        <a:defRPr/>
+                      </a:pPr>
+                      <a:r>
+                        <a:rPr lang="en-US" sz="1200" baseline="0" dirty="0" smtClean="0"/>
+                        <a:t>ICD-10-CM</a:t>
+                      </a:r>
+                    </a:p>
+                    <a:p>
+                      <a:pPr marL="171450" marR="0" indent="-171450" algn="l" defTabSz="457200" rtl="0" eaLnBrk="1" fontAlgn="auto" latinLnBrk="0" hangingPunct="1">
+                        <a:lnSpc>
+                          <a:spcPct val="100000"/>
+                        </a:lnSpc>
+                        <a:spcBef>
+                          <a:spcPts val="0"/>
+                        </a:spcBef>
+                        <a:spcAft>
+                          <a:spcPts val="0"/>
+                        </a:spcAft>
+                        <a:buClrTx/>
+                        <a:buSzTx/>
+                        <a:buFont typeface="Arial" pitchFamily="34" charset="0"/>
+                        <a:buChar char="•"/>
+                        <a:tabLst/>
+                        <a:defRPr/>
+                      </a:pPr>
+                      <a:r>
+                        <a:rPr lang="en-US" sz="1200" baseline="0" dirty="0" smtClean="0"/>
+                        <a:t>ICD-10-PCS</a:t>
+                      </a:r>
+                    </a:p>
+                    <a:p>
+                      <a:pPr marL="171450" marR="0" indent="-171450" algn="l" defTabSz="457200" rtl="0" eaLnBrk="1" fontAlgn="auto" latinLnBrk="0" hangingPunct="1">
+                        <a:lnSpc>
+                          <a:spcPct val="100000"/>
+                        </a:lnSpc>
+                        <a:spcBef>
+                          <a:spcPts val="0"/>
+                        </a:spcBef>
+                        <a:spcAft>
+                          <a:spcPts val="0"/>
+                        </a:spcAft>
+                        <a:buClrTx/>
+                        <a:buSzTx/>
+                        <a:buFont typeface="Arial" pitchFamily="34" charset="0"/>
+                        <a:buChar char="•"/>
+                        <a:tabLst/>
+                        <a:defRPr/>
+                      </a:pPr>
+                      <a:r>
+                        <a:rPr lang="en-US" sz="1200" baseline="0" dirty="0" smtClean="0"/>
+                        <a:t>LOINC</a:t>
+                      </a:r>
+                    </a:p>
+                    <a:p>
+                      <a:pPr marL="171450" marR="0" indent="-171450" algn="l" defTabSz="457200" rtl="0" eaLnBrk="1" fontAlgn="auto" latinLnBrk="0" hangingPunct="1">
+                        <a:lnSpc>
+                          <a:spcPct val="100000"/>
+                        </a:lnSpc>
+                        <a:spcBef>
+                          <a:spcPts val="0"/>
+                        </a:spcBef>
+                        <a:spcAft>
+                          <a:spcPts val="0"/>
+                        </a:spcAft>
+                        <a:buClrTx/>
+                        <a:buSzTx/>
+                        <a:buFont typeface="Arial" pitchFamily="34" charset="0"/>
+                        <a:buChar char="•"/>
+                        <a:tabLst/>
+                        <a:defRPr/>
+                      </a:pPr>
+                      <a:r>
+                        <a:rPr lang="en-US" sz="1200" baseline="0" dirty="0" smtClean="0"/>
+                        <a:t>UCUM</a:t>
+                      </a:r>
+                    </a:p>
+                    <a:p>
+                      <a:pPr marL="171450" marR="0" indent="-171450" algn="l" defTabSz="457200" rtl="0" eaLnBrk="1" fontAlgn="auto" latinLnBrk="0" hangingPunct="1">
+                        <a:lnSpc>
+                          <a:spcPct val="100000"/>
+                        </a:lnSpc>
+                        <a:spcBef>
+                          <a:spcPts val="0"/>
+                        </a:spcBef>
+                        <a:spcAft>
+                          <a:spcPts val="0"/>
+                        </a:spcAft>
+                        <a:buClrTx/>
+                        <a:buSzTx/>
+                        <a:buFont typeface="Arial" pitchFamily="34" charset="0"/>
+                        <a:buChar char="•"/>
+                        <a:tabLst/>
+                        <a:defRPr/>
+                      </a:pPr>
+                      <a:r>
+                        <a:rPr lang="en-US" sz="1200" baseline="0" dirty="0" smtClean="0"/>
+                        <a:t>Multilex DDF</a:t>
+                      </a:r>
+                    </a:p>
+                    <a:p>
+                      <a:pPr marL="171450" marR="0" indent="-171450" algn="l" defTabSz="457200" rtl="0" eaLnBrk="1" fontAlgn="auto" latinLnBrk="0" hangingPunct="1">
+                        <a:lnSpc>
+                          <a:spcPct val="100000"/>
+                        </a:lnSpc>
+                        <a:spcBef>
+                          <a:spcPts val="0"/>
+                        </a:spcBef>
+                        <a:spcAft>
+                          <a:spcPts val="0"/>
+                        </a:spcAft>
+                        <a:buClrTx/>
+                        <a:buSzTx/>
+                        <a:buFont typeface="Arial" pitchFamily="34" charset="0"/>
+                        <a:buChar char="•"/>
+                        <a:tabLst/>
+                        <a:defRPr/>
+                      </a:pPr>
+                      <a:r>
+                        <a:rPr lang="en-US" sz="1200" baseline="0" dirty="0" smtClean="0"/>
+                        <a:t>NDC</a:t>
+                      </a:r>
+                    </a:p>
+                    <a:p>
+                      <a:pPr marL="171450" marR="0" indent="-171450" algn="l" defTabSz="457200" rtl="0" eaLnBrk="1" fontAlgn="auto" latinLnBrk="0" hangingPunct="1">
+                        <a:lnSpc>
+                          <a:spcPct val="100000"/>
+                        </a:lnSpc>
+                        <a:spcBef>
+                          <a:spcPts val="0"/>
+                        </a:spcBef>
+                        <a:spcAft>
+                          <a:spcPts val="0"/>
+                        </a:spcAft>
+                        <a:buClrTx/>
+                        <a:buSzTx/>
+                        <a:buFont typeface="Arial" pitchFamily="34" charset="0"/>
+                        <a:buChar char="•"/>
+                        <a:tabLst/>
+                        <a:defRPr/>
+                      </a:pPr>
+                      <a:r>
+                        <a:rPr lang="en-US" sz="1200" baseline="0" dirty="0" smtClean="0"/>
+                        <a:t>C80</a:t>
+                      </a:r>
+                    </a:p>
+                    <a:p>
+                      <a:pPr marL="171450" marR="0" indent="-171450" algn="l" defTabSz="457200" rtl="0" eaLnBrk="1" fontAlgn="auto" latinLnBrk="0" hangingPunct="1">
+                        <a:lnSpc>
+                          <a:spcPct val="100000"/>
+                        </a:lnSpc>
+                        <a:spcBef>
+                          <a:spcPts val="0"/>
+                        </a:spcBef>
+                        <a:spcAft>
+                          <a:spcPts val="0"/>
+                        </a:spcAft>
+                        <a:buClrTx/>
+                        <a:buSzTx/>
+                        <a:buFont typeface="Arial" pitchFamily="34" charset="0"/>
+                        <a:buChar char="•"/>
+                        <a:tabLst/>
+                        <a:defRPr/>
+                      </a:pPr>
+                      <a:r>
+                        <a:rPr lang="en-US" sz="1200" baseline="0" dirty="0" smtClean="0"/>
+                        <a:t>C154</a:t>
+                      </a:r>
+                    </a:p>
+                    <a:p>
+                      <a:pPr marL="171450" marR="0" indent="-171450" algn="l" defTabSz="457200" rtl="0" eaLnBrk="1" fontAlgn="auto" latinLnBrk="0" hangingPunct="1">
+                        <a:lnSpc>
+                          <a:spcPct val="100000"/>
+                        </a:lnSpc>
+                        <a:spcBef>
+                          <a:spcPts val="0"/>
+                        </a:spcBef>
+                        <a:spcAft>
+                          <a:spcPts val="0"/>
+                        </a:spcAft>
+                        <a:buClrTx/>
+                        <a:buSzTx/>
+                        <a:buFont typeface="Arial" pitchFamily="34" charset="0"/>
+                        <a:buChar char="•"/>
+                        <a:tabLst/>
+                        <a:defRPr/>
+                      </a:pPr>
+                      <a:r>
+                        <a:rPr lang="en-US" sz="1200" baseline="0" dirty="0" smtClean="0"/>
+                        <a:t>SNOMED-CT</a:t>
+                      </a:r>
+                    </a:p>
+                    <a:p>
+                      <a:pPr marL="171450" marR="0" indent="-171450" algn="l" defTabSz="457200" rtl="0" eaLnBrk="1" fontAlgn="auto" latinLnBrk="0" hangingPunct="1">
+                        <a:lnSpc>
+                          <a:spcPct val="100000"/>
+                        </a:lnSpc>
+                        <a:spcBef>
+                          <a:spcPts val="0"/>
+                        </a:spcBef>
+                        <a:spcAft>
+                          <a:spcPts val="0"/>
+                        </a:spcAft>
+                        <a:buClrTx/>
+                        <a:buSzTx/>
+                        <a:buFont typeface="Arial" pitchFamily="34" charset="0"/>
+                        <a:buChar char="•"/>
+                        <a:tabLst/>
+                        <a:defRPr/>
+                      </a:pPr>
+                      <a:r>
+                        <a:rPr lang="en-US" sz="1200" baseline="0" dirty="0" smtClean="0"/>
+                        <a:t>MEDCIN</a:t>
+                      </a:r>
+                    </a:p>
+                    <a:p>
+                      <a:pPr marL="171450" marR="0" indent="-171450" algn="l" defTabSz="457200" rtl="0" eaLnBrk="1" fontAlgn="auto" latinLnBrk="0" hangingPunct="1">
+                        <a:lnSpc>
+                          <a:spcPct val="100000"/>
+                        </a:lnSpc>
+                        <a:spcBef>
+                          <a:spcPts val="0"/>
+                        </a:spcBef>
+                        <a:spcAft>
+                          <a:spcPts val="0"/>
+                        </a:spcAft>
+                        <a:buClrTx/>
+                        <a:buSzTx/>
+                        <a:buFont typeface="Arial" pitchFamily="34" charset="0"/>
+                        <a:buChar char="•"/>
+                        <a:tabLst/>
+                        <a:defRPr/>
+                      </a:pPr>
+                      <a:r>
+                        <a:rPr lang="en-US" sz="1200" baseline="0" dirty="0" smtClean="0"/>
+                        <a:t>UMLS</a:t>
+                      </a:r>
+                    </a:p>
+                    <a:p>
+                      <a:pPr marL="171450" marR="0" indent="-171450" algn="l" defTabSz="457200" rtl="0" eaLnBrk="1" fontAlgn="auto" latinLnBrk="0" hangingPunct="1">
+                        <a:lnSpc>
+                          <a:spcPct val="100000"/>
+                        </a:lnSpc>
+                        <a:spcBef>
+                          <a:spcPts val="0"/>
+                        </a:spcBef>
+                        <a:spcAft>
+                          <a:spcPts val="0"/>
+                        </a:spcAft>
+                        <a:buClrTx/>
+                        <a:buSzTx/>
+                        <a:buFont typeface="Arial" pitchFamily="34" charset="0"/>
+                        <a:buChar char="•"/>
+                        <a:tabLst/>
+                        <a:defRPr/>
+                      </a:pPr>
+                      <a:r>
+                        <a:rPr lang="en-US" sz="1200" baseline="0" dirty="0" err="1" smtClean="0"/>
+                        <a:t>RxNORM</a:t>
+                      </a:r>
+                      <a:endParaRPr lang="en-US" sz="1200" baseline="0" dirty="0" smtClean="0"/>
+                    </a:p>
+                    <a:p>
+                      <a:pPr marL="171450" marR="0" indent="-171450" algn="l" defTabSz="457200" rtl="0" eaLnBrk="1" fontAlgn="auto" latinLnBrk="0" hangingPunct="1">
+                        <a:lnSpc>
+                          <a:spcPct val="100000"/>
+                        </a:lnSpc>
+                        <a:spcBef>
+                          <a:spcPts val="0"/>
+                        </a:spcBef>
+                        <a:spcAft>
+                          <a:spcPts val="0"/>
+                        </a:spcAft>
+                        <a:buClrTx/>
+                        <a:buSzTx/>
+                        <a:buFont typeface="Arial" pitchFamily="34" charset="0"/>
+                        <a:buChar char="•"/>
+                        <a:tabLst/>
+                        <a:defRPr/>
+                      </a:pPr>
+                      <a:r>
+                        <a:rPr lang="en-US" sz="1200" baseline="0" dirty="0" smtClean="0"/>
+                        <a:t>MedDRA</a:t>
+                      </a:r>
+                    </a:p>
+                    <a:p>
+                      <a:pPr marL="171450" marR="0" indent="-171450" algn="l" defTabSz="457200" rtl="0" eaLnBrk="1" fontAlgn="auto" latinLnBrk="0" hangingPunct="1">
+                        <a:lnSpc>
+                          <a:spcPct val="100000"/>
+                        </a:lnSpc>
+                        <a:spcBef>
+                          <a:spcPts val="0"/>
+                        </a:spcBef>
+                        <a:spcAft>
+                          <a:spcPts val="0"/>
+                        </a:spcAft>
+                        <a:buClrTx/>
+                        <a:buSzTx/>
+                        <a:buFont typeface="Arial" pitchFamily="34" charset="0"/>
+                        <a:buChar char="•"/>
+                        <a:tabLst/>
+                        <a:defRPr/>
+                      </a:pPr>
+                      <a:r>
+                        <a:rPr lang="en-US" sz="1200" baseline="0" dirty="0" smtClean="0"/>
+                        <a:t>VSAC</a:t>
+                      </a:r>
+                    </a:p>
+                  </a:txBody>
+                  <a:tcPr anchor="ctr">
+                    <a:lnL w="12700" cap="flat" cmpd="sng" algn="ctr">
+                      <a:solidFill>
+                        <a:schemeClr val="tx1"/>
+                      </a:solidFill>
+                      <a:prstDash val="solid"/>
+                      <a:round/>
+                      <a:headEnd type="none" w="med" len="med"/>
+                      <a:tailEnd type="none" w="med" len="med"/>
+                    </a:lnL>
+                    <a:lnR w="12700" cap="flat" cmpd="sng" algn="ctr">
+                      <a:solidFill>
+                        <a:schemeClr val="tx1"/>
+                      </a:solidFill>
+                      <a:prstDash val="solid"/>
+                      <a:round/>
+                      <a:headEnd type="none" w="med" len="med"/>
+                      <a:tailEnd type="none" w="med" len="med"/>
+                    </a:lnR>
+                    <a:lnT w="12700" cap="flat" cmpd="sng" algn="ctr">
+                      <a:solidFill>
+                        <a:schemeClr val="tx1"/>
+                      </a:solidFill>
+                      <a:prstDash val="solid"/>
+                      <a:round/>
+                      <a:headEnd type="none" w="med" len="med"/>
+                      <a:tailEnd type="none" w="med" len="med"/>
+                    </a:lnT>
+                    <a:lnB w="12700" cap="flat" cmpd="sng" algn="ctr">
+                      <a:solidFill>
+                        <a:schemeClr val="tx1"/>
+                      </a:solidFill>
+                      <a:prstDash val="solid"/>
+                      <a:round/>
+                      <a:headEnd type="none" w="med" len="med"/>
+                      <a:tailEnd type="none" w="med" len="med"/>
+                    </a:lnB>
+                    <a:lnTlToBr w="12700" cmpd="sng">
+                      <a:noFill/>
+                      <a:prstDash val="solid"/>
+                    </a:lnTlToBr>
+                    <a:lnBlToTr w="12700" cmpd="sng">
+                      <a:noFill/>
+                      <a:prstDash val="solid"/>
+                    </a:lnBlToTr>
+                  </a:tcPr>
+                </a:tc>
+                <a:tc rowSpan="4">
+                  <a:txBody>
+                    <a:bodyPr/>
+                    <a:lstStyle/>
+                    <a:p>
+                      <a:pPr marL="0" indent="0" algn="l">
+                        <a:buFont typeface="Arial" pitchFamily="34" charset="0"/>
+                        <a:buNone/>
+                      </a:pPr>
+                      <a:endParaRPr lang="en-US" sz="1200" baseline="0" dirty="0" smtClean="0"/>
+                    </a:p>
+                    <a:p>
+                      <a:pPr marL="171450" indent="-171450" algn="l">
+                        <a:buFont typeface="Arial" pitchFamily="34" charset="0"/>
+                        <a:buChar char="•"/>
+                      </a:pPr>
+                      <a:r>
+                        <a:rPr lang="en-US" sz="1200" baseline="0" dirty="0" smtClean="0"/>
+                        <a:t>ODM (T)</a:t>
+                      </a:r>
+                    </a:p>
+                    <a:p>
+                      <a:pPr marL="171450" indent="-171450" algn="l">
+                        <a:buFont typeface="Arial" pitchFamily="34" charset="0"/>
+                        <a:buChar char="•"/>
+                      </a:pPr>
+                      <a:r>
+                        <a:rPr lang="en-US" sz="1200" baseline="0" dirty="0" smtClean="0"/>
+                        <a:t>XD* (T)</a:t>
+                      </a:r>
+                    </a:p>
+                    <a:p>
+                      <a:pPr marL="171450" indent="-171450" algn="l">
+                        <a:buFont typeface="Arial" pitchFamily="34" charset="0"/>
+                        <a:buChar char="•"/>
+                      </a:pPr>
+                      <a:r>
+                        <a:rPr lang="en-US" sz="1200" baseline="0" dirty="0" smtClean="0"/>
+                        <a:t>SOAP (T)</a:t>
+                      </a:r>
+                    </a:p>
+                    <a:p>
+                      <a:pPr marL="171450" marR="0" indent="-171450" algn="l" defTabSz="457200" rtl="0" eaLnBrk="1" fontAlgn="auto" latinLnBrk="0" hangingPunct="1">
+                        <a:lnSpc>
+                          <a:spcPct val="100000"/>
+                        </a:lnSpc>
+                        <a:spcBef>
+                          <a:spcPts val="0"/>
+                        </a:spcBef>
+                        <a:spcAft>
+                          <a:spcPts val="0"/>
+                        </a:spcAft>
+                        <a:buClrTx/>
+                        <a:buSzTx/>
+                        <a:buFont typeface="Arial" pitchFamily="34" charset="0"/>
+                        <a:buChar char="•"/>
+                        <a:tabLst/>
+                        <a:defRPr/>
+                      </a:pPr>
+                      <a:r>
+                        <a:rPr lang="en-US" sz="1200" baseline="0" dirty="0" smtClean="0"/>
+                        <a:t>REST (T)</a:t>
+                      </a:r>
+                    </a:p>
+                    <a:p>
+                      <a:pPr marL="171450" marR="0" indent="-171450" algn="l" defTabSz="457200" rtl="0" eaLnBrk="1" fontAlgn="auto" latinLnBrk="0" hangingPunct="1">
+                        <a:lnSpc>
+                          <a:spcPct val="100000"/>
+                        </a:lnSpc>
+                        <a:spcBef>
+                          <a:spcPts val="0"/>
+                        </a:spcBef>
+                        <a:spcAft>
+                          <a:spcPts val="0"/>
+                        </a:spcAft>
+                        <a:buClrTx/>
+                        <a:buSzTx/>
+                        <a:buFont typeface="Arial" pitchFamily="34" charset="0"/>
+                        <a:buChar char="•"/>
+                        <a:tabLst/>
+                        <a:defRPr/>
+                      </a:pPr>
+                      <a:r>
+                        <a:rPr lang="en-US" sz="1200" baseline="0" dirty="0" smtClean="0"/>
+                        <a:t>Direct  (T)</a:t>
+                      </a:r>
+                    </a:p>
+                    <a:p>
+                      <a:pPr marL="171450" indent="-171450" algn="l">
+                        <a:buFont typeface="Arial" pitchFamily="34" charset="0"/>
+                        <a:buChar char="•"/>
+                      </a:pPr>
+                      <a:r>
+                        <a:rPr lang="en-US" sz="1200" baseline="0" dirty="0" smtClean="0"/>
+                        <a:t>HTTPS (S)</a:t>
+                      </a:r>
+                    </a:p>
+                    <a:p>
+                      <a:pPr marL="171450" indent="-171450" algn="l">
+                        <a:buFont typeface="Arial" pitchFamily="34" charset="0"/>
+                        <a:buChar char="•"/>
+                      </a:pPr>
+                      <a:r>
+                        <a:rPr lang="en-US" sz="1200" baseline="0" dirty="0" smtClean="0"/>
+                        <a:t>TLS (S)</a:t>
+                      </a:r>
+                    </a:p>
+                    <a:p>
+                      <a:pPr marL="171450" indent="-171450" algn="l">
+                        <a:buFont typeface="Arial" pitchFamily="34" charset="0"/>
+                        <a:buChar char="•"/>
+                      </a:pPr>
+                      <a:r>
+                        <a:rPr lang="en-US" sz="1200" baseline="0" dirty="0" smtClean="0"/>
+                        <a:t>ATNA (S)</a:t>
+                      </a:r>
+                    </a:p>
+                    <a:p>
+                      <a:pPr marL="171450" indent="-171450" algn="l">
+                        <a:buFont typeface="Arial" pitchFamily="34" charset="0"/>
+                        <a:buChar char="•"/>
+                      </a:pPr>
+                      <a:r>
+                        <a:rPr lang="en-US" sz="1200" baseline="0" dirty="0" smtClean="0"/>
+                        <a:t>XUA (S)</a:t>
+                      </a:r>
+                    </a:p>
+                    <a:p>
+                      <a:pPr marL="171450" indent="-171450" algn="l">
+                        <a:buFont typeface="Arial" pitchFamily="34" charset="0"/>
+                        <a:buChar char="•"/>
+                      </a:pPr>
+                      <a:r>
+                        <a:rPr lang="en-US" sz="1200" baseline="0" dirty="0" smtClean="0"/>
+                        <a:t>BPPC (S)</a:t>
+                      </a:r>
+                    </a:p>
+                    <a:p>
+                      <a:pPr marL="171450" indent="-171450" algn="l">
+                        <a:buFont typeface="Arial" pitchFamily="34" charset="0"/>
+                        <a:buChar char="•"/>
+                      </a:pPr>
+                      <a:r>
+                        <a:rPr lang="en-US" sz="1200" baseline="0" dirty="0" smtClean="0"/>
+                        <a:t>SAML (S)</a:t>
+                      </a:r>
+                    </a:p>
+                    <a:p>
+                      <a:pPr marL="171450" indent="-171450" algn="l">
+                        <a:buFont typeface="Arial" pitchFamily="34" charset="0"/>
+                        <a:buChar char="•"/>
+                      </a:pPr>
+                      <a:r>
+                        <a:rPr lang="en-US" sz="1200" baseline="0" dirty="0" smtClean="0"/>
+                        <a:t>XACML (S)</a:t>
+                      </a:r>
+                    </a:p>
+                    <a:p>
+                      <a:pPr marL="171450" indent="-171450" algn="l">
+                        <a:buFont typeface="Arial" pitchFamily="34" charset="0"/>
+                        <a:buChar char="•"/>
+                      </a:pPr>
+                      <a:r>
+                        <a:rPr lang="en-US" sz="1200" baseline="0" dirty="0" smtClean="0"/>
+                        <a:t>HL7 IG for CDA, R2: Consent Directives, R1</a:t>
+                      </a:r>
+                    </a:p>
+                    <a:p>
+                      <a:pPr marL="171450" indent="-171450" algn="l">
+                        <a:buFont typeface="Arial" pitchFamily="34" charset="0"/>
+                        <a:buChar char="•"/>
+                      </a:pPr>
+                      <a:r>
+                        <a:rPr lang="en-US" sz="1200" baseline="0" smtClean="0"/>
+                        <a:t>Healthcare </a:t>
+                      </a:r>
+                      <a:r>
+                        <a:rPr lang="en-US" sz="1200" baseline="0" dirty="0" smtClean="0"/>
+                        <a:t>Privacy and Security Classification System</a:t>
+                      </a:r>
+                    </a:p>
+                    <a:p>
+                      <a:pPr marL="171450" indent="-171450" algn="l">
+                        <a:buFont typeface="Arial" pitchFamily="34" charset="0"/>
+                        <a:buChar char="•"/>
+                      </a:pPr>
+                      <a:r>
+                        <a:rPr lang="en-US" sz="1200" baseline="0" dirty="0" smtClean="0"/>
+                        <a:t>esMD Author of Record Level 1 IG</a:t>
+                      </a:r>
+                    </a:p>
+                    <a:p>
+                      <a:pPr marL="171450" indent="-171450" algn="l">
+                        <a:buFont typeface="Arial" pitchFamily="34" charset="0"/>
+                        <a:buChar char="•"/>
+                      </a:pPr>
+                      <a:r>
+                        <a:rPr lang="en-US" sz="1200" baseline="0" dirty="0" err="1" smtClean="0"/>
+                        <a:t>XAdES</a:t>
+                      </a:r>
+                      <a:endParaRPr lang="en-US" sz="1200" baseline="0" dirty="0" smtClean="0"/>
+                    </a:p>
+                  </a:txBody>
+                  <a:tcPr>
+                    <a:lnL w="12700" cap="flat" cmpd="sng" algn="ctr">
+                      <a:solidFill>
+                        <a:schemeClr val="tx1"/>
+                      </a:solidFill>
+                      <a:prstDash val="solid"/>
+                      <a:round/>
+                      <a:headEnd type="none" w="med" len="med"/>
+                      <a:tailEnd type="none" w="med" len="med"/>
+                    </a:lnL>
+                    <a:lnR w="12700" cap="flat" cmpd="sng" algn="ctr">
+                      <a:solidFill>
+                        <a:schemeClr val="tx1"/>
+                      </a:solidFill>
+                      <a:prstDash val="solid"/>
+                      <a:round/>
+                      <a:headEnd type="none" w="med" len="med"/>
+                      <a:tailEnd type="none" w="med" len="med"/>
+                    </a:lnR>
+                    <a:lnT w="12700" cap="flat" cmpd="sng" algn="ctr">
+                      <a:solidFill>
+                        <a:schemeClr val="tx1"/>
+                      </a:solidFill>
+                      <a:prstDash val="solid"/>
+                      <a:round/>
+                      <a:headEnd type="none" w="med" len="med"/>
+                      <a:tailEnd type="none" w="med" len="med"/>
+                    </a:lnT>
+                    <a:lnB w="12700" cap="flat" cmpd="sng" algn="ctr">
+                      <a:solidFill>
+                        <a:schemeClr val="tx1"/>
+                      </a:solidFill>
+                      <a:prstDash val="solid"/>
+                      <a:round/>
+                      <a:headEnd type="none" w="med" len="med"/>
+                      <a:tailEnd type="none" w="med" len="med"/>
+                    </a:lnB>
+                    <a:lnTlToBr w="12700" cmpd="sng">
+                      <a:noFill/>
+                      <a:prstDash val="solid"/>
+                    </a:lnTlToBr>
+                    <a:lnBlToTr w="12700" cmpd="sng">
+                      <a:noFill/>
+                      <a:prstDash val="solid"/>
+                    </a:lnBlToTr>
+                  </a:tcPr>
+                </a:tc>
+                <a:tc rowSpan="4">
+                  <a:txBody>
+                    <a:bodyPr/>
+                    <a:lstStyle/>
+                    <a:p>
+                      <a:pPr marL="0" indent="0" algn="l">
+                        <a:buFont typeface="Arial" pitchFamily="34" charset="0"/>
+                        <a:buNone/>
+                      </a:pPr>
+                      <a:endParaRPr lang="en-US" sz="1200" kern="1200" baseline="0" dirty="0" smtClean="0">
+                        <a:solidFill>
+                          <a:schemeClr val="dk1"/>
+                        </a:solidFill>
+                        <a:latin typeface="+mn-lt"/>
+                        <a:ea typeface="+mn-ea"/>
+                        <a:cs typeface="+mn-cs"/>
+                      </a:endParaRPr>
+                    </a:p>
+                    <a:p>
+                      <a:pPr marL="0" indent="0" algn="l">
+                        <a:buFont typeface="Arial" pitchFamily="34" charset="0"/>
+                        <a:buNone/>
+                      </a:pPr>
+                      <a:endParaRPr lang="en-US" sz="1200" kern="1200" baseline="0" dirty="0" smtClean="0">
+                        <a:solidFill>
+                          <a:schemeClr val="dk1"/>
+                        </a:solidFill>
+                        <a:latin typeface="+mn-lt"/>
+                        <a:ea typeface="+mn-ea"/>
+                        <a:cs typeface="+mn-cs"/>
+                      </a:endParaRPr>
+                    </a:p>
+                    <a:p>
+                      <a:pPr marL="171450" indent="-171450" algn="l">
+                        <a:buFont typeface="Arial" pitchFamily="34" charset="0"/>
+                        <a:buChar char="•"/>
+                      </a:pPr>
+                      <a:r>
+                        <a:rPr lang="en-US" sz="1200" kern="1200" baseline="0" dirty="0" smtClean="0">
+                          <a:solidFill>
+                            <a:schemeClr val="dk1"/>
+                          </a:solidFill>
+                          <a:latin typeface="+mn-lt"/>
+                          <a:ea typeface="+mn-ea"/>
+                          <a:cs typeface="+mn-cs"/>
+                        </a:rPr>
+                        <a:t>CDEs</a:t>
+                      </a:r>
+                    </a:p>
+                    <a:p>
+                      <a:pPr marL="171450" indent="-171450" algn="l">
+                        <a:buFont typeface="Arial" pitchFamily="34" charset="0"/>
+                        <a:buChar char="•"/>
+                      </a:pPr>
+                      <a:r>
+                        <a:rPr lang="en-US" sz="1200" kern="1200" baseline="0" dirty="0" smtClean="0">
+                          <a:solidFill>
+                            <a:schemeClr val="dk1"/>
+                          </a:solidFill>
+                          <a:latin typeface="+mn-lt"/>
+                          <a:ea typeface="+mn-ea"/>
+                          <a:cs typeface="+mn-cs"/>
+                        </a:rPr>
+                        <a:t>CDASH</a:t>
+                      </a:r>
+                    </a:p>
+                    <a:p>
+                      <a:pPr marL="171450" indent="-171450" algn="l">
+                        <a:buFont typeface="Arial" pitchFamily="34" charset="0"/>
+                        <a:buChar char="•"/>
+                      </a:pPr>
+                      <a:r>
+                        <a:rPr lang="en-US" sz="1200" kern="1200" baseline="0" dirty="0" smtClean="0">
+                          <a:solidFill>
+                            <a:schemeClr val="dk1"/>
+                          </a:solidFill>
+                          <a:latin typeface="+mn-lt"/>
+                          <a:ea typeface="+mn-ea"/>
+                          <a:cs typeface="+mn-cs"/>
+                        </a:rPr>
+                        <a:t>USHIK</a:t>
+                      </a:r>
+                    </a:p>
+                    <a:p>
+                      <a:pPr marL="171450" indent="-171450" algn="l">
+                        <a:buFont typeface="Arial" pitchFamily="34" charset="0"/>
+                        <a:buChar char="•"/>
+                      </a:pPr>
+                      <a:r>
+                        <a:rPr lang="en-US" sz="1200" kern="1200" baseline="0" dirty="0" smtClean="0">
+                          <a:solidFill>
+                            <a:schemeClr val="dk1"/>
+                          </a:solidFill>
+                          <a:latin typeface="+mn-lt"/>
+                          <a:ea typeface="+mn-ea"/>
+                          <a:cs typeface="+mn-cs"/>
+                        </a:rPr>
+                        <a:t>SHARE</a:t>
+                      </a:r>
+                    </a:p>
+                    <a:p>
+                      <a:pPr marL="171450" indent="-171450" algn="l">
+                        <a:buFont typeface="Arial" pitchFamily="34" charset="0"/>
+                        <a:buChar char="•"/>
+                      </a:pPr>
+                      <a:r>
+                        <a:rPr lang="en-US" sz="1200" kern="1200" baseline="0" dirty="0" smtClean="0">
+                          <a:solidFill>
+                            <a:schemeClr val="dk1"/>
+                          </a:solidFill>
+                          <a:latin typeface="+mn-lt"/>
+                          <a:ea typeface="+mn-ea"/>
+                          <a:cs typeface="+mn-cs"/>
+                        </a:rPr>
+                        <a:t>CIMI</a:t>
+                      </a:r>
+                    </a:p>
+                    <a:p>
+                      <a:pPr marL="171450" indent="-171450" algn="l">
+                        <a:buFont typeface="Arial" pitchFamily="34" charset="0"/>
+                        <a:buChar char="•"/>
+                      </a:pPr>
+                      <a:r>
+                        <a:rPr lang="en-US" sz="1200" kern="1200" baseline="0" dirty="0" smtClean="0">
+                          <a:solidFill>
+                            <a:schemeClr val="dk1"/>
+                          </a:solidFill>
+                          <a:latin typeface="+mn-lt"/>
+                          <a:ea typeface="+mn-ea"/>
+                          <a:cs typeface="+mn-cs"/>
+                        </a:rPr>
+                        <a:t>FHIM</a:t>
+                      </a:r>
+                    </a:p>
+                    <a:p>
+                      <a:pPr marL="171450" indent="-171450" algn="l">
+                        <a:buFont typeface="Arial" pitchFamily="34" charset="0"/>
+                        <a:buChar char="•"/>
+                      </a:pPr>
+                      <a:r>
+                        <a:rPr lang="en-US" sz="1200" kern="1200" baseline="0" dirty="0" err="1" smtClean="0">
+                          <a:solidFill>
+                            <a:schemeClr val="dk1"/>
+                          </a:solidFill>
+                          <a:latin typeface="+mn-lt"/>
+                          <a:ea typeface="+mn-ea"/>
+                          <a:cs typeface="+mn-cs"/>
+                        </a:rPr>
+                        <a:t>vMR</a:t>
+                      </a:r>
+                      <a:endParaRPr lang="en-US" sz="1200" kern="1200" baseline="0" dirty="0" smtClean="0">
+                        <a:solidFill>
+                          <a:schemeClr val="dk1"/>
+                        </a:solidFill>
+                        <a:latin typeface="+mn-lt"/>
+                        <a:ea typeface="+mn-ea"/>
+                        <a:cs typeface="+mn-cs"/>
+                      </a:endParaRPr>
+                    </a:p>
+                    <a:p>
+                      <a:pPr marL="171450" indent="-171450" algn="l">
+                        <a:buFont typeface="Arial" pitchFamily="34" charset="0"/>
+                        <a:buChar char="•"/>
+                      </a:pPr>
+                      <a:r>
+                        <a:rPr lang="en-US" sz="1200" kern="1200" baseline="0" dirty="0" err="1" smtClean="0">
+                          <a:solidFill>
+                            <a:schemeClr val="dk1"/>
+                          </a:solidFill>
+                          <a:latin typeface="+mn-lt"/>
+                          <a:ea typeface="+mn-ea"/>
+                          <a:cs typeface="+mn-cs"/>
+                        </a:rPr>
+                        <a:t>caDSR</a:t>
+                      </a:r>
+                      <a:endParaRPr lang="en-US" sz="1200" kern="1200" baseline="0" dirty="0" smtClean="0">
+                        <a:solidFill>
+                          <a:schemeClr val="dk1"/>
+                        </a:solidFill>
+                        <a:latin typeface="+mn-lt"/>
+                        <a:ea typeface="+mn-ea"/>
+                        <a:cs typeface="+mn-cs"/>
+                      </a:endParaRPr>
+                    </a:p>
+                    <a:p>
+                      <a:pPr marL="171450" indent="-171450" algn="l">
+                        <a:buFont typeface="Arial" pitchFamily="34" charset="0"/>
+                        <a:buChar char="•"/>
+                      </a:pPr>
+                      <a:r>
+                        <a:rPr lang="en-US" sz="1200" kern="1200" baseline="0" dirty="0" smtClean="0">
+                          <a:solidFill>
+                            <a:schemeClr val="dk1"/>
+                          </a:solidFill>
+                          <a:latin typeface="+mn-lt"/>
+                          <a:ea typeface="+mn-ea"/>
+                          <a:cs typeface="+mn-cs"/>
+                        </a:rPr>
+                        <a:t>XMI</a:t>
+                      </a:r>
+                    </a:p>
+                    <a:p>
+                      <a:pPr marL="171450" indent="-171450" algn="l">
+                        <a:buFont typeface="Arial" pitchFamily="34" charset="0"/>
+                        <a:buChar char="•"/>
+                      </a:pPr>
+                      <a:r>
+                        <a:rPr lang="en-US" sz="1200" kern="1200" baseline="0" dirty="0" smtClean="0">
+                          <a:solidFill>
+                            <a:schemeClr val="dk1"/>
+                          </a:solidFill>
+                          <a:latin typeface="+mn-lt"/>
+                          <a:ea typeface="+mn-ea"/>
+                          <a:cs typeface="+mn-cs"/>
+                        </a:rPr>
+                        <a:t>MDMI</a:t>
+                      </a:r>
+                    </a:p>
+                    <a:p>
+                      <a:pPr marL="171450" indent="-171450" algn="l">
+                        <a:buFont typeface="Arial" pitchFamily="34" charset="0"/>
+                        <a:buChar char="•"/>
+                      </a:pPr>
+                      <a:r>
+                        <a:rPr lang="en-US" sz="1200" kern="1200" baseline="0" dirty="0" smtClean="0">
+                          <a:solidFill>
+                            <a:schemeClr val="dk1"/>
+                          </a:solidFill>
+                          <a:latin typeface="+mn-lt"/>
+                          <a:ea typeface="+mn-ea"/>
+                          <a:cs typeface="+mn-cs"/>
+                        </a:rPr>
+                        <a:t>FHIR</a:t>
+                      </a:r>
+                    </a:p>
+                    <a:p>
+                      <a:pPr marL="171450" indent="-171450" algn="l">
+                        <a:buFont typeface="Arial" pitchFamily="34" charset="0"/>
+                        <a:buChar char="•"/>
+                      </a:pPr>
+                      <a:r>
+                        <a:rPr lang="en-US" sz="1200" kern="1200" baseline="0" dirty="0" smtClean="0">
+                          <a:solidFill>
+                            <a:schemeClr val="dk1"/>
+                          </a:solidFill>
+                          <a:latin typeface="+mn-lt"/>
+                          <a:ea typeface="+mn-ea"/>
+                          <a:cs typeface="+mn-cs"/>
+                        </a:rPr>
+                        <a:t>HL7 IG for CDA R2: Form Definition Document, R1</a:t>
+                      </a:r>
+                    </a:p>
+                    <a:p>
+                      <a:pPr marL="171450" indent="-171450" algn="l">
+                        <a:buFont typeface="Arial" pitchFamily="34" charset="0"/>
+                        <a:buChar char="•"/>
+                      </a:pPr>
+                      <a:r>
+                        <a:rPr lang="en-US" sz="1200" kern="1200" baseline="0" dirty="0" smtClean="0">
+                          <a:solidFill>
+                            <a:schemeClr val="dk1"/>
+                          </a:solidFill>
+                          <a:latin typeface="+mn-lt"/>
+                          <a:ea typeface="+mn-ea"/>
+                          <a:cs typeface="+mn-cs"/>
+                        </a:rPr>
+                        <a:t>HL7 IG for CDA R2: Questionnaire Response</a:t>
+                      </a:r>
+                    </a:p>
+                  </a:txBody>
+                  <a:tcPr>
+                    <a:lnL w="12700" cap="flat" cmpd="sng" algn="ctr">
+                      <a:solidFill>
+                        <a:schemeClr val="tx1"/>
+                      </a:solidFill>
+                      <a:prstDash val="solid"/>
+                      <a:round/>
+                      <a:headEnd type="none" w="med" len="med"/>
+                      <a:tailEnd type="none" w="med" len="med"/>
+                    </a:lnL>
+                    <a:lnR w="12700" cap="flat" cmpd="sng" algn="ctr">
+                      <a:solidFill>
+                        <a:schemeClr val="tx1"/>
+                      </a:solidFill>
+                      <a:prstDash val="solid"/>
+                      <a:round/>
+                      <a:headEnd type="none" w="med" len="med"/>
+                      <a:tailEnd type="none" w="med" len="med"/>
+                    </a:lnR>
+                    <a:lnT w="12700" cap="flat" cmpd="sng" algn="ctr">
+                      <a:solidFill>
+                        <a:schemeClr val="tx1"/>
+                      </a:solidFill>
+                      <a:prstDash val="solid"/>
+                      <a:round/>
+                      <a:headEnd type="none" w="med" len="med"/>
+                      <a:tailEnd type="none" w="med" len="med"/>
+                    </a:lnT>
+                    <a:lnB w="12700" cap="flat" cmpd="sng" algn="ctr">
+                      <a:solidFill>
+                        <a:schemeClr val="tx1"/>
+                      </a:solidFill>
+                      <a:prstDash val="solid"/>
+                      <a:round/>
+                      <a:headEnd type="none" w="med" len="med"/>
+                      <a:tailEnd type="none" w="med" len="med"/>
+                    </a:lnB>
+                    <a:lnTlToBr w="12700" cmpd="sng">
+                      <a:noFill/>
+                      <a:prstDash val="solid"/>
+                    </a:lnTlToBr>
+                    <a:lnBlToTr w="12700" cmpd="sng">
+                      <a:noFill/>
+                      <a:prstDash val="solid"/>
+                    </a:lnBlToTr>
+                  </a:tcPr>
+                </a:tc>
+              </a:tr>
+              <a:tr h="1156536">
+                <a:tc>
+                  <a:txBody>
+                    <a:bodyPr/>
+                    <a:lstStyle/>
+                    <a:p>
+                      <a:pPr algn="ctr"/>
+                      <a:r>
+                        <a:rPr lang="en-US" sz="1200" kern="1200" dirty="0" smtClean="0">
+                          <a:solidFill>
+                            <a:schemeClr val="tx1"/>
+                          </a:solidFill>
+                          <a:latin typeface="+mn-lt"/>
+                          <a:ea typeface="+mn-ea"/>
+                          <a:cs typeface="+mn-cs"/>
+                        </a:rPr>
+                        <a:t>1(a)</a:t>
+                      </a:r>
+                    </a:p>
+                  </a:txBody>
+                  <a:tcPr anchor="ctr">
+                    <a:lnL w="12700" cap="flat" cmpd="sng" algn="ctr">
+                      <a:solidFill>
+                        <a:schemeClr val="tx1"/>
+                      </a:solidFill>
+                      <a:prstDash val="solid"/>
+                      <a:round/>
+                      <a:headEnd type="none" w="med" len="med"/>
+                      <a:tailEnd type="none" w="med" len="med"/>
+                    </a:lnL>
+                    <a:lnR w="12700" cap="flat" cmpd="sng" algn="ctr">
+                      <a:solidFill>
+                        <a:schemeClr val="tx1"/>
+                      </a:solidFill>
+                      <a:prstDash val="solid"/>
+                      <a:round/>
+                      <a:headEnd type="none" w="med" len="med"/>
+                      <a:tailEnd type="none" w="med" len="med"/>
+                    </a:lnR>
+                    <a:lnT w="12700" cap="flat" cmpd="sng" algn="ctr">
+                      <a:solidFill>
+                        <a:schemeClr val="tx1"/>
+                      </a:solidFill>
+                      <a:prstDash val="solid"/>
+                      <a:round/>
+                      <a:headEnd type="none" w="med" len="med"/>
+                      <a:tailEnd type="none" w="med" len="med"/>
+                    </a:lnT>
+                    <a:lnB w="12700" cap="flat" cmpd="sng" algn="ctr">
+                      <a:solidFill>
+                        <a:schemeClr val="tx1"/>
+                      </a:solidFill>
+                      <a:prstDash val="solid"/>
+                      <a:round/>
+                      <a:headEnd type="none" w="med" len="med"/>
+                      <a:tailEnd type="none" w="med" len="med"/>
+                    </a:lnB>
+                    <a:lnTlToBr w="12700" cmpd="sng">
+                      <a:noFill/>
+                      <a:prstDash val="solid"/>
+                    </a:lnTlToBr>
+                    <a:lnBlToTr w="12700" cmpd="sng">
+                      <a:noFill/>
+                      <a:prstDash val="solid"/>
+                    </a:lnBlToTr>
+                  </a:tcPr>
+                </a:tc>
+                <a:tc>
+                  <a:txBody>
+                    <a:bodyPr/>
+                    <a:lstStyle/>
+                    <a:p>
+                      <a:r>
+                        <a:rPr lang="en-US" sz="1200" baseline="0" dirty="0" smtClean="0">
+                          <a:solidFill>
+                            <a:schemeClr val="tx1"/>
+                          </a:solidFill>
+                        </a:rPr>
+                        <a:t>Optionally with Patient Data</a:t>
+                      </a:r>
+                    </a:p>
+                  </a:txBody>
+                  <a:tcPr anchor="ctr">
+                    <a:lnL w="12700" cap="flat" cmpd="sng" algn="ctr">
+                      <a:solidFill>
+                        <a:schemeClr val="tx1"/>
+                      </a:solidFill>
+                      <a:prstDash val="solid"/>
+                      <a:round/>
+                      <a:headEnd type="none" w="med" len="med"/>
+                      <a:tailEnd type="none" w="med" len="med"/>
+                    </a:lnL>
+                    <a:lnR w="12700" cap="flat" cmpd="sng" algn="ctr">
+                      <a:solidFill>
+                        <a:schemeClr val="tx1"/>
+                      </a:solidFill>
+                      <a:prstDash val="solid"/>
+                      <a:round/>
+                      <a:headEnd type="none" w="med" len="med"/>
+                      <a:tailEnd type="none" w="med" len="med"/>
+                    </a:lnR>
+                    <a:lnT w="12700" cap="flat" cmpd="sng" algn="ctr">
+                      <a:solidFill>
+                        <a:schemeClr val="tx1"/>
+                      </a:solidFill>
+                      <a:prstDash val="solid"/>
+                      <a:round/>
+                      <a:headEnd type="none" w="med" len="med"/>
+                      <a:tailEnd type="none" w="med" len="med"/>
+                    </a:lnT>
+                    <a:lnB w="12700" cap="flat" cmpd="sng" algn="ctr">
+                      <a:solidFill>
+                        <a:schemeClr val="tx1"/>
+                      </a:solidFill>
+                      <a:prstDash val="solid"/>
+                      <a:round/>
+                      <a:headEnd type="none" w="med" len="med"/>
+                      <a:tailEnd type="none" w="med" len="med"/>
+                    </a:lnB>
+                    <a:lnTlToBr w="12700" cmpd="sng">
+                      <a:noFill/>
+                      <a:prstDash val="solid"/>
+                    </a:lnTlToBr>
+                    <a:lnBlToTr w="12700" cmpd="sng">
+                      <a:noFill/>
+                      <a:prstDash val="solid"/>
+                    </a:lnBlToTr>
+                  </a:tcPr>
+                </a:tc>
+                <a:tc>
+                  <a:txBody>
+                    <a:bodyPr/>
+                    <a:lstStyle/>
+                    <a:p>
+                      <a:pPr marL="171450" indent="-171450" algn="l">
+                        <a:buFont typeface="Arial" pitchFamily="34" charset="0"/>
+                        <a:buChar char="•"/>
+                      </a:pPr>
+                      <a:r>
+                        <a:rPr lang="en-US" sz="1200" baseline="0" dirty="0" smtClean="0"/>
+                        <a:t>CDA R2</a:t>
+                      </a:r>
+                    </a:p>
+                    <a:p>
+                      <a:pPr marL="171450" indent="-171450" algn="l">
+                        <a:buFont typeface="Arial" pitchFamily="34" charset="0"/>
+                        <a:buChar char="•"/>
+                      </a:pPr>
+                      <a:r>
+                        <a:rPr lang="en-US" sz="1200" baseline="0" dirty="0" smtClean="0"/>
+                        <a:t>C-CDA</a:t>
+                      </a:r>
+                    </a:p>
+                    <a:p>
+                      <a:pPr marL="171450" indent="-171450" algn="l">
+                        <a:buFont typeface="Arial" pitchFamily="34" charset="0"/>
+                        <a:buChar char="•"/>
+                      </a:pPr>
+                      <a:r>
+                        <a:rPr lang="en-US" sz="1200" baseline="0" dirty="0" smtClean="0"/>
+                        <a:t>ICSR</a:t>
+                      </a:r>
+                    </a:p>
+                    <a:p>
+                      <a:pPr marL="171450" marR="0" indent="-171450" algn="l" defTabSz="457200" rtl="0" eaLnBrk="1" fontAlgn="auto" latinLnBrk="0" hangingPunct="1">
+                        <a:lnSpc>
+                          <a:spcPct val="100000"/>
+                        </a:lnSpc>
+                        <a:spcBef>
+                          <a:spcPts val="0"/>
+                        </a:spcBef>
+                        <a:spcAft>
+                          <a:spcPts val="0"/>
+                        </a:spcAft>
+                        <a:buClrTx/>
+                        <a:buSzTx/>
+                        <a:buFont typeface="Arial" pitchFamily="34" charset="0"/>
+                        <a:buChar char="•"/>
+                        <a:tabLst/>
+                        <a:defRPr/>
+                      </a:pPr>
+                      <a:r>
+                        <a:rPr lang="en-US" sz="1200" baseline="0" dirty="0" smtClean="0"/>
+                        <a:t>RFD</a:t>
+                      </a:r>
+                    </a:p>
+                    <a:p>
+                      <a:pPr marL="171450" marR="0" indent="-171450" algn="l" defTabSz="457200" rtl="0" eaLnBrk="1" fontAlgn="auto" latinLnBrk="0" hangingPunct="1">
+                        <a:lnSpc>
+                          <a:spcPct val="100000"/>
+                        </a:lnSpc>
+                        <a:spcBef>
+                          <a:spcPts val="0"/>
+                        </a:spcBef>
+                        <a:spcAft>
+                          <a:spcPts val="0"/>
+                        </a:spcAft>
+                        <a:buClrTx/>
+                        <a:buSzTx/>
+                        <a:buFont typeface="Arial" pitchFamily="34" charset="0"/>
+                        <a:buChar char="•"/>
+                        <a:tabLst/>
+                        <a:defRPr/>
+                      </a:pPr>
+                      <a:r>
+                        <a:rPr lang="en-US" sz="1200" baseline="0" dirty="0" smtClean="0"/>
+                        <a:t>ISO/IEC 11179</a:t>
+                      </a:r>
+                    </a:p>
+                  </a:txBody>
+                  <a:tcPr anchor="ctr">
+                    <a:lnL w="12700" cap="flat" cmpd="sng" algn="ctr">
+                      <a:solidFill>
+                        <a:schemeClr val="tx1"/>
+                      </a:solidFill>
+                      <a:prstDash val="solid"/>
+                      <a:round/>
+                      <a:headEnd type="none" w="med" len="med"/>
+                      <a:tailEnd type="none" w="med" len="med"/>
+                    </a:lnL>
+                    <a:lnR w="12700" cap="flat" cmpd="sng" algn="ctr">
+                      <a:solidFill>
+                        <a:srgbClr val="E9EDF4"/>
+                      </a:solidFill>
+                      <a:prstDash val="solid"/>
+                      <a:round/>
+                      <a:headEnd type="none" w="med" len="med"/>
+                      <a:tailEnd type="none" w="med" len="med"/>
+                    </a:lnR>
+                    <a:lnT w="12700" cap="flat" cmpd="sng" algn="ctr">
+                      <a:solidFill>
+                        <a:schemeClr val="tx1"/>
+                      </a:solidFill>
+                      <a:prstDash val="solid"/>
+                      <a:round/>
+                      <a:headEnd type="none" w="med" len="med"/>
+                      <a:tailEnd type="none" w="med" len="med"/>
+                    </a:lnT>
+                    <a:lnB w="12700" cap="flat" cmpd="sng" algn="ctr">
+                      <a:solidFill>
+                        <a:schemeClr val="tx1"/>
+                      </a:solidFill>
+                      <a:prstDash val="solid"/>
+                      <a:round/>
+                      <a:headEnd type="none" w="med" len="med"/>
+                      <a:tailEnd type="none" w="med" len="med"/>
+                    </a:lnB>
+                    <a:lnTlToBr w="12700" cmpd="sng">
+                      <a:noFill/>
+                      <a:prstDash val="solid"/>
+                    </a:lnTlToBr>
+                    <a:lnBlToTr w="12700" cmpd="sng">
+                      <a:noFill/>
+                      <a:prstDash val="solid"/>
+                    </a:lnBlToTr>
+                  </a:tcPr>
+                </a:tc>
+                <a:tc>
+                  <a:txBody>
+                    <a:bodyPr/>
+                    <a:lstStyle/>
+                    <a:p>
+                      <a:pPr marL="171450" indent="-171450" algn="l">
+                        <a:buFont typeface="Arial" pitchFamily="34" charset="0"/>
+                        <a:buChar char="•"/>
+                      </a:pPr>
+                      <a:r>
+                        <a:rPr lang="en-US" sz="1200" baseline="0" dirty="0" smtClean="0"/>
+                        <a:t>RPE</a:t>
+                      </a:r>
+                    </a:p>
+                    <a:p>
+                      <a:pPr marL="171450" indent="-171450" algn="l">
+                        <a:buFont typeface="Arial" pitchFamily="34" charset="0"/>
+                        <a:buChar char="•"/>
+                      </a:pPr>
+                      <a:r>
+                        <a:rPr lang="en-US" sz="1200" baseline="0" dirty="0" smtClean="0"/>
+                        <a:t>CAP 135</a:t>
+                      </a:r>
+                    </a:p>
+                    <a:p>
+                      <a:pPr marL="171450" indent="-171450" algn="l">
+                        <a:buFont typeface="Arial" pitchFamily="34" charset="0"/>
+                        <a:buChar char="•"/>
+                      </a:pPr>
+                      <a:r>
+                        <a:rPr lang="en-US" sz="1200" baseline="0" dirty="0" smtClean="0"/>
+                        <a:t>CTS2</a:t>
+                      </a:r>
+                    </a:p>
+                    <a:p>
+                      <a:pPr marL="171450" indent="-171450" algn="l">
+                        <a:buFont typeface="Arial" pitchFamily="34" charset="0"/>
+                        <a:buChar char="•"/>
+                      </a:pPr>
+                      <a:r>
+                        <a:rPr lang="en-US" sz="1200" baseline="0" dirty="0" smtClean="0"/>
+                        <a:t>CDASH</a:t>
+                      </a:r>
+                    </a:p>
+                    <a:p>
+                      <a:pPr marL="171450" indent="-171450" algn="l">
+                        <a:buFont typeface="Arial" pitchFamily="34" charset="0"/>
+                        <a:buChar char="•"/>
+                      </a:pPr>
+                      <a:r>
+                        <a:rPr lang="en-US" sz="1200" baseline="0" dirty="0" err="1" smtClean="0"/>
+                        <a:t>vMR</a:t>
+                      </a:r>
+                      <a:endParaRPr lang="en-US" sz="1200" baseline="0" dirty="0" smtClean="0"/>
+                    </a:p>
+                  </a:txBody>
+                  <a:tcPr anchor="ctr">
+                    <a:lnL w="12700" cap="flat" cmpd="sng" algn="ctr">
+                      <a:solidFill>
+                        <a:srgbClr val="E9EDF4"/>
+                      </a:solidFill>
+                      <a:prstDash val="solid"/>
+                      <a:round/>
+                      <a:headEnd type="none" w="med" len="med"/>
+                      <a:tailEnd type="none" w="med" len="med"/>
+                    </a:lnL>
+                    <a:lnR w="12700" cap="flat" cmpd="sng" algn="ctr">
+                      <a:solidFill>
+                        <a:schemeClr val="tx1"/>
+                      </a:solidFill>
+                      <a:prstDash val="solid"/>
+                      <a:round/>
+                      <a:headEnd type="none" w="med" len="med"/>
+                      <a:tailEnd type="none" w="med" len="med"/>
+                    </a:lnR>
+                    <a:lnT w="12700" cap="flat" cmpd="sng" algn="ctr">
+                      <a:solidFill>
+                        <a:schemeClr val="tx1"/>
+                      </a:solidFill>
+                      <a:prstDash val="solid"/>
+                      <a:round/>
+                      <a:headEnd type="none" w="med" len="med"/>
+                      <a:tailEnd type="none" w="med" len="med"/>
+                    </a:lnT>
+                    <a:lnB w="12700" cap="flat" cmpd="sng" algn="ctr">
+                      <a:solidFill>
+                        <a:schemeClr val="tx1"/>
+                      </a:solidFill>
+                      <a:prstDash val="solid"/>
+                      <a:round/>
+                      <a:headEnd type="none" w="med" len="med"/>
+                      <a:tailEnd type="none" w="med" len="med"/>
+                    </a:lnB>
+                    <a:lnTlToBr w="12700" cmpd="sng">
+                      <a:noFill/>
+                      <a:prstDash val="solid"/>
+                    </a:lnTlToBr>
+                    <a:lnBlToTr w="12700" cmpd="sng">
+                      <a:noFill/>
+                      <a:prstDash val="solid"/>
+                    </a:lnBlToTr>
+                  </a:tcPr>
+                </a:tc>
+                <a:tc vMerge="1">
+                  <a:txBody>
+                    <a:bodyPr/>
+                    <a:lstStyle/>
+                    <a:p>
+                      <a:endParaRPr lang="en-US"/>
+                    </a:p>
+                  </a:txBody>
+                  <a:tcPr/>
+                </a:tc>
+                <a:tc vMerge="1">
+                  <a:txBody>
+                    <a:bodyPr/>
+                    <a:lstStyle/>
+                    <a:p>
+                      <a:endParaRPr lang="en-US" sz="1100" dirty="0"/>
+                    </a:p>
+                  </a:txBody>
+                  <a:tcPr>
+                    <a:lnL w="12700" cap="flat" cmpd="sng" algn="ctr">
+                      <a:solidFill>
+                        <a:schemeClr val="tx1"/>
+                      </a:solidFill>
+                      <a:prstDash val="solid"/>
+                      <a:round/>
+                      <a:headEnd type="none" w="med" len="med"/>
+                      <a:tailEnd type="none" w="med" len="med"/>
+                    </a:lnL>
+                    <a:lnR w="12700" cap="flat" cmpd="sng" algn="ctr">
+                      <a:solidFill>
+                        <a:schemeClr val="tx1"/>
+                      </a:solidFill>
+                      <a:prstDash val="solid"/>
+                      <a:round/>
+                      <a:headEnd type="none" w="med" len="med"/>
+                      <a:tailEnd type="none" w="med" len="med"/>
+                    </a:lnR>
+                    <a:lnT w="12700" cap="flat" cmpd="sng" algn="ctr">
+                      <a:solidFill>
+                        <a:schemeClr val="tx1"/>
+                      </a:solidFill>
+                      <a:prstDash val="solid"/>
+                      <a:round/>
+                      <a:headEnd type="none" w="med" len="med"/>
+                      <a:tailEnd type="none" w="med" len="med"/>
+                    </a:lnT>
+                    <a:lnB w="12700" cap="flat" cmpd="sng" algn="ctr">
+                      <a:solidFill>
+                        <a:schemeClr val="tx1"/>
+                      </a:solidFill>
+                      <a:prstDash val="solid"/>
+                      <a:round/>
+                      <a:headEnd type="none" w="med" len="med"/>
+                      <a:tailEnd type="none" w="med" len="med"/>
+                    </a:lnB>
+                    <a:lnTlToBr w="12700" cmpd="sng">
+                      <a:noFill/>
+                      <a:prstDash val="solid"/>
+                    </a:lnTlToBr>
+                    <a:lnBlToTr w="12700" cmpd="sng">
+                      <a:noFill/>
+                      <a:prstDash val="solid"/>
+                    </a:lnBlToTr>
+                  </a:tcPr>
+                </a:tc>
+                <a:tc vMerge="1">
+                  <a:txBody>
+                    <a:bodyPr/>
+                    <a:lstStyle/>
+                    <a:p>
+                      <a:endParaRPr lang="en-US"/>
+                    </a:p>
+                  </a:txBody>
+                  <a:tcPr/>
+                </a:tc>
+              </a:tr>
+              <a:tr h="1410337">
+                <a:tc>
+                  <a:txBody>
+                    <a:bodyPr/>
+                    <a:lstStyle/>
+                    <a:p>
+                      <a:pPr algn="ctr"/>
+                      <a:r>
+                        <a:rPr lang="en-US" sz="1200" kern="1200" dirty="0" smtClean="0">
+                          <a:solidFill>
+                            <a:schemeClr val="tx1"/>
+                          </a:solidFill>
+                          <a:latin typeface="+mn-lt"/>
+                          <a:ea typeface="+mn-ea"/>
+                          <a:cs typeface="+mn-cs"/>
+                        </a:rPr>
+                        <a:t>3</a:t>
+                      </a:r>
+                    </a:p>
+                  </a:txBody>
+                  <a:tcPr anchor="ctr">
+                    <a:lnL w="12700" cap="flat" cmpd="sng" algn="ctr">
+                      <a:solidFill>
+                        <a:schemeClr val="tx1"/>
+                      </a:solidFill>
+                      <a:prstDash val="solid"/>
+                      <a:round/>
+                      <a:headEnd type="none" w="med" len="med"/>
+                      <a:tailEnd type="none" w="med" len="med"/>
+                    </a:lnL>
+                    <a:lnR w="12700" cap="flat" cmpd="sng" algn="ctr">
+                      <a:solidFill>
+                        <a:schemeClr val="tx1"/>
+                      </a:solidFill>
+                      <a:prstDash val="solid"/>
+                      <a:round/>
+                      <a:headEnd type="none" w="med" len="med"/>
+                      <a:tailEnd type="none" w="med" len="med"/>
+                    </a:lnR>
+                    <a:lnT w="12700" cap="flat" cmpd="sng" algn="ctr">
+                      <a:solidFill>
+                        <a:schemeClr val="tx1"/>
+                      </a:solidFill>
+                      <a:prstDash val="solid"/>
+                      <a:round/>
+                      <a:headEnd type="none" w="med" len="med"/>
+                      <a:tailEnd type="none" w="med" len="med"/>
+                    </a:lnT>
+                    <a:lnB w="12700" cap="flat" cmpd="sng" algn="ctr">
+                      <a:solidFill>
+                        <a:schemeClr val="tx1"/>
+                      </a:solidFill>
+                      <a:prstDash val="solid"/>
+                      <a:round/>
+                      <a:headEnd type="none" w="med" len="med"/>
+                      <a:tailEnd type="none" w="med" len="med"/>
+                    </a:lnB>
+                    <a:lnTlToBr w="12700" cmpd="sng">
+                      <a:noFill/>
+                      <a:prstDash val="solid"/>
+                    </a:lnTlToBr>
+                    <a:lnBlToTr w="12700" cmpd="sng">
+                      <a:noFill/>
+                      <a:prstDash val="solid"/>
+                    </a:lnBlToTr>
+                  </a:tcPr>
+                </a:tc>
+                <a:tc>
+                  <a:txBody>
+                    <a:bodyPr/>
+                    <a:lstStyle/>
+                    <a:p>
+                      <a:pPr marL="0" marR="0" indent="0" algn="l" defTabSz="457200" rtl="0" eaLnBrk="1" fontAlgn="auto" latinLnBrk="0" hangingPunct="1">
+                        <a:lnSpc>
+                          <a:spcPct val="100000"/>
+                        </a:lnSpc>
+                        <a:spcBef>
+                          <a:spcPts val="0"/>
+                        </a:spcBef>
+                        <a:spcAft>
+                          <a:spcPts val="0"/>
+                        </a:spcAft>
+                        <a:buClrTx/>
+                        <a:buSzTx/>
+                        <a:buFontTx/>
+                        <a:buNone/>
+                        <a:tabLst/>
+                        <a:defRPr/>
+                      </a:pPr>
+                      <a:r>
+                        <a:rPr lang="en-US" sz="1200" kern="1200" dirty="0" smtClean="0">
+                          <a:solidFill>
+                            <a:schemeClr val="tx1"/>
+                          </a:solidFill>
+                          <a:latin typeface="+mn-lt"/>
+                          <a:ea typeface="+mn-ea"/>
+                          <a:cs typeface="+mn-cs"/>
+                        </a:rPr>
+                        <a:t>Sends requested form/template</a:t>
+                      </a:r>
+                    </a:p>
+                  </a:txBody>
+                  <a:tcPr anchor="ctr">
+                    <a:lnL w="12700" cap="flat" cmpd="sng" algn="ctr">
+                      <a:solidFill>
+                        <a:schemeClr val="tx1"/>
+                      </a:solidFill>
+                      <a:prstDash val="solid"/>
+                      <a:round/>
+                      <a:headEnd type="none" w="med" len="med"/>
+                      <a:tailEnd type="none" w="med" len="med"/>
+                    </a:lnL>
+                    <a:lnR w="12700" cap="flat" cmpd="sng" algn="ctr">
+                      <a:solidFill>
+                        <a:schemeClr val="tx1"/>
+                      </a:solidFill>
+                      <a:prstDash val="solid"/>
+                      <a:round/>
+                      <a:headEnd type="none" w="med" len="med"/>
+                      <a:tailEnd type="none" w="med" len="med"/>
+                    </a:lnR>
+                    <a:lnT w="12700" cap="flat" cmpd="sng" algn="ctr">
+                      <a:solidFill>
+                        <a:schemeClr val="tx1"/>
+                      </a:solidFill>
+                      <a:prstDash val="solid"/>
+                      <a:round/>
+                      <a:headEnd type="none" w="med" len="med"/>
+                      <a:tailEnd type="none" w="med" len="med"/>
+                    </a:lnT>
+                    <a:lnB w="12700" cap="flat" cmpd="sng" algn="ctr">
+                      <a:solidFill>
+                        <a:schemeClr val="tx1"/>
+                      </a:solidFill>
+                      <a:prstDash val="solid"/>
+                      <a:round/>
+                      <a:headEnd type="none" w="med" len="med"/>
+                      <a:tailEnd type="none" w="med" len="med"/>
+                    </a:lnB>
+                    <a:lnTlToBr w="12700" cmpd="sng">
+                      <a:noFill/>
+                      <a:prstDash val="solid"/>
+                    </a:lnTlToBr>
+                    <a:lnBlToTr w="12700" cmpd="sng">
+                      <a:noFill/>
+                      <a:prstDash val="solid"/>
+                    </a:lnBlToTr>
+                  </a:tcPr>
+                </a:tc>
+                <a:tc>
+                  <a:txBody>
+                    <a:bodyPr/>
+                    <a:lstStyle/>
+                    <a:p>
+                      <a:pPr marL="171450" indent="-171450" algn="l">
+                        <a:buFont typeface="Arial" pitchFamily="34" charset="0"/>
+                        <a:buChar char="•"/>
+                      </a:pPr>
+                      <a:r>
+                        <a:rPr lang="en-US" sz="1200" baseline="0" dirty="0" smtClean="0"/>
+                        <a:t>CDA R2</a:t>
+                      </a:r>
+                    </a:p>
+                    <a:p>
+                      <a:pPr marL="171450" indent="-171450" algn="l">
+                        <a:buFont typeface="Arial" pitchFamily="34" charset="0"/>
+                        <a:buChar char="•"/>
+                      </a:pPr>
+                      <a:r>
+                        <a:rPr lang="en-US" sz="1200" baseline="0" dirty="0" smtClean="0"/>
+                        <a:t>C-CDA</a:t>
+                      </a:r>
+                    </a:p>
+                    <a:p>
+                      <a:pPr marL="171450" indent="-171450" algn="l">
+                        <a:buFont typeface="Arial" pitchFamily="34" charset="0"/>
+                        <a:buChar char="•"/>
+                      </a:pPr>
+                      <a:r>
+                        <a:rPr lang="en-US" sz="1200" baseline="0" dirty="0" smtClean="0"/>
+                        <a:t>ICSR</a:t>
+                      </a:r>
+                    </a:p>
+                    <a:p>
+                      <a:pPr marL="171450" indent="-171450" algn="l">
+                        <a:buFont typeface="Arial" pitchFamily="34" charset="0"/>
+                        <a:buChar char="•"/>
+                      </a:pPr>
+                      <a:r>
+                        <a:rPr lang="en-US" sz="1200" baseline="0" dirty="0" smtClean="0"/>
+                        <a:t>ISO/IEC 19763-13</a:t>
+                      </a:r>
+                    </a:p>
+                    <a:p>
+                      <a:pPr marL="171450" indent="-171450" algn="l">
+                        <a:buFont typeface="Arial" pitchFamily="34" charset="0"/>
+                        <a:buChar char="•"/>
+                      </a:pPr>
+                      <a:r>
+                        <a:rPr lang="en-US" sz="1200" baseline="0" dirty="0" smtClean="0"/>
+                        <a:t>ISO/IEC 11179</a:t>
+                      </a:r>
+                    </a:p>
+                    <a:p>
+                      <a:pPr marL="171450" indent="-171450" algn="l">
+                        <a:buFont typeface="Arial" pitchFamily="34" charset="0"/>
+                        <a:buChar char="•"/>
+                      </a:pPr>
+                      <a:r>
+                        <a:rPr lang="en-US" sz="1200" baseline="0" dirty="0" smtClean="0"/>
+                        <a:t>XHTML</a:t>
+                      </a:r>
+                    </a:p>
+                    <a:p>
+                      <a:pPr marL="171450" indent="-171450" algn="l">
+                        <a:buFont typeface="Arial" pitchFamily="34" charset="0"/>
+                        <a:buChar char="•"/>
+                      </a:pPr>
+                      <a:r>
+                        <a:rPr lang="en-US" sz="1200" baseline="0" dirty="0" err="1" smtClean="0"/>
+                        <a:t>Javascript</a:t>
+                      </a:r>
+                      <a:endParaRPr lang="en-US" sz="1200" baseline="0" dirty="0" smtClean="0"/>
+                    </a:p>
+                  </a:txBody>
+                  <a:tcPr anchor="ctr">
+                    <a:lnL w="12700" cap="flat" cmpd="sng" algn="ctr">
+                      <a:solidFill>
+                        <a:schemeClr val="tx1"/>
+                      </a:solidFill>
+                      <a:prstDash val="solid"/>
+                      <a:round/>
+                      <a:headEnd type="none" w="med" len="med"/>
+                      <a:tailEnd type="none" w="med" len="med"/>
+                    </a:lnL>
+                    <a:lnR w="12700" cap="flat" cmpd="sng" algn="ctr">
+                      <a:solidFill>
+                        <a:srgbClr val="D0D8E8"/>
+                      </a:solidFill>
+                      <a:prstDash val="solid"/>
+                      <a:round/>
+                      <a:headEnd type="none" w="med" len="med"/>
+                      <a:tailEnd type="none" w="med" len="med"/>
+                    </a:lnR>
+                    <a:lnT w="12700" cap="flat" cmpd="sng" algn="ctr">
+                      <a:solidFill>
+                        <a:schemeClr val="tx1"/>
+                      </a:solidFill>
+                      <a:prstDash val="solid"/>
+                      <a:round/>
+                      <a:headEnd type="none" w="med" len="med"/>
+                      <a:tailEnd type="none" w="med" len="med"/>
+                    </a:lnT>
+                    <a:lnB w="12700" cap="flat" cmpd="sng" algn="ctr">
+                      <a:solidFill>
+                        <a:schemeClr val="tx1"/>
+                      </a:solidFill>
+                      <a:prstDash val="solid"/>
+                      <a:round/>
+                      <a:headEnd type="none" w="med" len="med"/>
+                      <a:tailEnd type="none" w="med" len="med"/>
+                    </a:lnB>
+                    <a:lnTlToBr w="12700" cmpd="sng">
+                      <a:noFill/>
+                      <a:prstDash val="solid"/>
+                    </a:lnTlToBr>
+                    <a:lnBlToTr w="12700" cmpd="sng">
+                      <a:noFill/>
+                      <a:prstDash val="solid"/>
+                    </a:lnBlToTr>
+                  </a:tcPr>
+                </a:tc>
+                <a:tc>
+                  <a:txBody>
+                    <a:bodyPr/>
+                    <a:lstStyle/>
+                    <a:p>
+                      <a:pPr marL="171450" indent="-171450" algn="l">
+                        <a:buFont typeface="Arial" pitchFamily="34" charset="0"/>
+                        <a:buChar char="•"/>
+                      </a:pPr>
+                      <a:r>
+                        <a:rPr lang="en-US" sz="1200" baseline="0" dirty="0" smtClean="0"/>
+                        <a:t>RFD</a:t>
+                      </a:r>
+                    </a:p>
+                    <a:p>
+                      <a:pPr marL="171450" indent="-171450" algn="l">
+                        <a:buFont typeface="Arial" pitchFamily="34" charset="0"/>
+                        <a:buChar char="•"/>
+                      </a:pPr>
+                      <a:r>
+                        <a:rPr lang="en-US" sz="1200" baseline="0" dirty="0" smtClean="0"/>
+                        <a:t>RPE</a:t>
+                      </a:r>
+                    </a:p>
+                    <a:p>
+                      <a:pPr marL="171450" indent="-171450" algn="l">
+                        <a:buFont typeface="Arial" pitchFamily="34" charset="0"/>
+                        <a:buChar char="•"/>
+                      </a:pPr>
+                      <a:r>
+                        <a:rPr lang="en-US" sz="1200" baseline="0" dirty="0" smtClean="0"/>
+                        <a:t>CAP 135</a:t>
+                      </a:r>
+                    </a:p>
+                    <a:p>
+                      <a:pPr marL="171450" indent="-171450" algn="l">
+                        <a:buFont typeface="Arial" pitchFamily="34" charset="0"/>
+                        <a:buChar char="•"/>
+                      </a:pPr>
+                      <a:r>
+                        <a:rPr lang="en-US" sz="1200" baseline="0" dirty="0" smtClean="0"/>
+                        <a:t>CTS2</a:t>
+                      </a:r>
+                    </a:p>
+                    <a:p>
+                      <a:pPr marL="171450" indent="-171450" algn="l">
+                        <a:buFont typeface="Arial" pitchFamily="34" charset="0"/>
+                        <a:buChar char="•"/>
+                      </a:pPr>
+                      <a:r>
+                        <a:rPr lang="en-US" sz="1200" baseline="0" dirty="0" smtClean="0"/>
+                        <a:t>CDS Knowledge Sharing IG</a:t>
+                      </a:r>
+                    </a:p>
+                  </a:txBody>
+                  <a:tcPr anchor="ctr">
+                    <a:lnL w="12700" cap="flat" cmpd="sng" algn="ctr">
+                      <a:solidFill>
+                        <a:srgbClr val="D0D8E8"/>
+                      </a:solidFill>
+                      <a:prstDash val="solid"/>
+                      <a:round/>
+                      <a:headEnd type="none" w="med" len="med"/>
+                      <a:tailEnd type="none" w="med" len="med"/>
+                    </a:lnL>
+                    <a:lnR w="12700" cap="flat" cmpd="sng" algn="ctr">
+                      <a:solidFill>
+                        <a:schemeClr val="tx1"/>
+                      </a:solidFill>
+                      <a:prstDash val="solid"/>
+                      <a:round/>
+                      <a:headEnd type="none" w="med" len="med"/>
+                      <a:tailEnd type="none" w="med" len="med"/>
+                    </a:lnR>
+                    <a:lnT w="12700" cap="flat" cmpd="sng" algn="ctr">
+                      <a:solidFill>
+                        <a:schemeClr val="tx1"/>
+                      </a:solidFill>
+                      <a:prstDash val="solid"/>
+                      <a:round/>
+                      <a:headEnd type="none" w="med" len="med"/>
+                      <a:tailEnd type="none" w="med" len="med"/>
+                    </a:lnT>
+                    <a:lnB w="12700" cap="flat" cmpd="sng" algn="ctr">
+                      <a:solidFill>
+                        <a:schemeClr val="tx1"/>
+                      </a:solidFill>
+                      <a:prstDash val="solid"/>
+                      <a:round/>
+                      <a:headEnd type="none" w="med" len="med"/>
+                      <a:tailEnd type="none" w="med" len="med"/>
+                    </a:lnB>
+                    <a:lnTlToBr w="12700" cmpd="sng">
+                      <a:noFill/>
+                      <a:prstDash val="solid"/>
+                    </a:lnTlToBr>
+                    <a:lnBlToTr w="12700" cmpd="sng">
+                      <a:noFill/>
+                      <a:prstDash val="solid"/>
+                    </a:lnBlToTr>
+                  </a:tcPr>
+                </a:tc>
+                <a:tc vMerge="1">
+                  <a:txBody>
+                    <a:bodyPr/>
+                    <a:lstStyle/>
+                    <a:p>
+                      <a:endParaRPr lang="en-US"/>
+                    </a:p>
+                  </a:txBody>
+                  <a:tcPr/>
+                </a:tc>
+                <a:tc vMerge="1">
+                  <a:txBody>
+                    <a:bodyPr/>
+                    <a:lstStyle/>
+                    <a:p>
+                      <a:endParaRPr lang="en-US" sz="1100" dirty="0"/>
+                    </a:p>
+                  </a:txBody>
+                  <a:tcPr>
+                    <a:lnL w="12700" cap="flat" cmpd="sng" algn="ctr">
+                      <a:solidFill>
+                        <a:schemeClr val="tx1"/>
+                      </a:solidFill>
+                      <a:prstDash val="solid"/>
+                      <a:round/>
+                      <a:headEnd type="none" w="med" len="med"/>
+                      <a:tailEnd type="none" w="med" len="med"/>
+                    </a:lnL>
+                    <a:lnR w="12700" cap="flat" cmpd="sng" algn="ctr">
+                      <a:solidFill>
+                        <a:schemeClr val="tx1"/>
+                      </a:solidFill>
+                      <a:prstDash val="solid"/>
+                      <a:round/>
+                      <a:headEnd type="none" w="med" len="med"/>
+                      <a:tailEnd type="none" w="med" len="med"/>
+                    </a:lnR>
+                    <a:lnT w="12700" cap="flat" cmpd="sng" algn="ctr">
+                      <a:solidFill>
+                        <a:schemeClr val="tx1"/>
+                      </a:solidFill>
+                      <a:prstDash val="solid"/>
+                      <a:round/>
+                      <a:headEnd type="none" w="med" len="med"/>
+                      <a:tailEnd type="none" w="med" len="med"/>
+                    </a:lnT>
+                    <a:lnB w="12700" cap="flat" cmpd="sng" algn="ctr">
+                      <a:solidFill>
+                        <a:schemeClr val="tx1"/>
+                      </a:solidFill>
+                      <a:prstDash val="solid"/>
+                      <a:round/>
+                      <a:headEnd type="none" w="med" len="med"/>
+                      <a:tailEnd type="none" w="med" len="med"/>
+                    </a:lnB>
+                    <a:lnTlToBr w="12700" cmpd="sng">
+                      <a:noFill/>
+                      <a:prstDash val="solid"/>
+                    </a:lnTlToBr>
+                    <a:lnBlToTr w="12700" cmpd="sng">
+                      <a:noFill/>
+                      <a:prstDash val="solid"/>
+                    </a:lnBlToTr>
+                  </a:tcPr>
+                </a:tc>
+                <a:tc vMerge="1">
+                  <a:txBody>
+                    <a:bodyPr/>
+                    <a:lstStyle/>
+                    <a:p>
+                      <a:endParaRPr lang="en-US"/>
+                    </a:p>
+                  </a:txBody>
+                  <a:tcPr/>
+                </a:tc>
+              </a:tr>
+              <a:tr h="800679">
+                <a:tc>
+                  <a:txBody>
+                    <a:bodyPr/>
+                    <a:lstStyle/>
+                    <a:p>
+                      <a:pPr algn="ctr"/>
+                      <a:r>
+                        <a:rPr lang="en-US" sz="1200" kern="1200" dirty="0" smtClean="0">
+                          <a:solidFill>
+                            <a:schemeClr val="tx1"/>
+                          </a:solidFill>
+                          <a:latin typeface="+mn-lt"/>
+                          <a:ea typeface="+mn-ea"/>
+                          <a:cs typeface="+mn-cs"/>
+                        </a:rPr>
+                        <a:t>7</a:t>
+                      </a:r>
+                    </a:p>
+                  </a:txBody>
+                  <a:tcPr anchor="ctr">
+                    <a:lnL w="12700" cap="flat" cmpd="sng" algn="ctr">
+                      <a:solidFill>
+                        <a:schemeClr val="tx1"/>
+                      </a:solidFill>
+                      <a:prstDash val="solid"/>
+                      <a:round/>
+                      <a:headEnd type="none" w="med" len="med"/>
+                      <a:tailEnd type="none" w="med" len="med"/>
+                    </a:lnL>
+                    <a:lnR w="12700" cap="flat" cmpd="sng" algn="ctr">
+                      <a:solidFill>
+                        <a:schemeClr val="tx1"/>
+                      </a:solidFill>
+                      <a:prstDash val="solid"/>
+                      <a:round/>
+                      <a:headEnd type="none" w="med" len="med"/>
+                      <a:tailEnd type="none" w="med" len="med"/>
+                    </a:lnR>
+                    <a:lnT w="12700" cap="flat" cmpd="sng" algn="ctr">
+                      <a:solidFill>
+                        <a:schemeClr val="tx1"/>
+                      </a:solidFill>
+                      <a:prstDash val="solid"/>
+                      <a:round/>
+                      <a:headEnd type="none" w="med" len="med"/>
+                      <a:tailEnd type="none" w="med" len="med"/>
+                    </a:lnT>
+                    <a:lnB w="12700" cap="flat" cmpd="sng" algn="ctr">
+                      <a:solidFill>
+                        <a:schemeClr val="tx1"/>
+                      </a:solidFill>
+                      <a:prstDash val="solid"/>
+                      <a:round/>
+                      <a:headEnd type="none" w="med" len="med"/>
+                      <a:tailEnd type="none" w="med" len="med"/>
+                    </a:lnB>
+                    <a:lnTlToBr w="12700" cmpd="sng">
+                      <a:noFill/>
+                      <a:prstDash val="solid"/>
+                    </a:lnTlToBr>
+                    <a:lnBlToTr w="12700" cmpd="sng">
+                      <a:noFill/>
+                      <a:prstDash val="solid"/>
+                    </a:lnBlToTr>
+                  </a:tcPr>
+                </a:tc>
+                <a:tc>
+                  <a:txBody>
+                    <a:bodyPr/>
+                    <a:lstStyle/>
+                    <a:p>
+                      <a:pPr marL="0" marR="0" indent="0" algn="l" defTabSz="457200" rtl="0" eaLnBrk="1" fontAlgn="auto" latinLnBrk="0" hangingPunct="1">
+                        <a:lnSpc>
+                          <a:spcPct val="100000"/>
+                        </a:lnSpc>
+                        <a:spcBef>
+                          <a:spcPts val="0"/>
+                        </a:spcBef>
+                        <a:spcAft>
+                          <a:spcPts val="0"/>
+                        </a:spcAft>
+                        <a:buClrTx/>
+                        <a:buSzTx/>
+                        <a:buFontTx/>
+                        <a:buNone/>
+                        <a:tabLst/>
+                        <a:defRPr/>
+                      </a:pPr>
+                      <a:r>
+                        <a:rPr lang="en-US" sz="1200" kern="1200" dirty="0" smtClean="0">
+                          <a:solidFill>
+                            <a:schemeClr val="tx1"/>
+                          </a:solidFill>
+                          <a:latin typeface="+mn-lt"/>
+                          <a:ea typeface="+mn-ea"/>
+                          <a:cs typeface="+mn-cs"/>
+                        </a:rPr>
+                        <a:t>Sends completed form/template structured</a:t>
+                      </a:r>
+                      <a:r>
+                        <a:rPr lang="en-US" sz="1200" kern="1200" baseline="0" dirty="0" smtClean="0">
+                          <a:solidFill>
+                            <a:schemeClr val="tx1"/>
+                          </a:solidFill>
+                          <a:latin typeface="+mn-lt"/>
+                          <a:ea typeface="+mn-ea"/>
+                          <a:cs typeface="+mn-cs"/>
+                        </a:rPr>
+                        <a:t> data</a:t>
+                      </a:r>
+                      <a:endParaRPr lang="en-US" sz="1200" kern="1200" dirty="0" smtClean="0">
+                        <a:solidFill>
+                          <a:schemeClr val="tx1"/>
+                        </a:solidFill>
+                        <a:latin typeface="+mn-lt"/>
+                        <a:ea typeface="+mn-ea"/>
+                        <a:cs typeface="+mn-cs"/>
+                      </a:endParaRPr>
+                    </a:p>
+                  </a:txBody>
+                  <a:tcPr anchor="ctr">
+                    <a:lnL w="12700" cap="flat" cmpd="sng" algn="ctr">
+                      <a:solidFill>
+                        <a:schemeClr val="tx1"/>
+                      </a:solidFill>
+                      <a:prstDash val="solid"/>
+                      <a:round/>
+                      <a:headEnd type="none" w="med" len="med"/>
+                      <a:tailEnd type="none" w="med" len="med"/>
+                    </a:lnL>
+                    <a:lnR w="12700" cap="flat" cmpd="sng" algn="ctr">
+                      <a:solidFill>
+                        <a:schemeClr val="tx1"/>
+                      </a:solidFill>
+                      <a:prstDash val="solid"/>
+                      <a:round/>
+                      <a:headEnd type="none" w="med" len="med"/>
+                      <a:tailEnd type="none" w="med" len="med"/>
+                    </a:lnR>
+                    <a:lnT w="12700" cap="flat" cmpd="sng" algn="ctr">
+                      <a:solidFill>
+                        <a:schemeClr val="tx1"/>
+                      </a:solidFill>
+                      <a:prstDash val="solid"/>
+                      <a:round/>
+                      <a:headEnd type="none" w="med" len="med"/>
+                      <a:tailEnd type="none" w="med" len="med"/>
+                    </a:lnT>
+                    <a:lnB w="12700" cap="flat" cmpd="sng" algn="ctr">
+                      <a:solidFill>
+                        <a:schemeClr val="tx1"/>
+                      </a:solidFill>
+                      <a:prstDash val="solid"/>
+                      <a:round/>
+                      <a:headEnd type="none" w="med" len="med"/>
+                      <a:tailEnd type="none" w="med" len="med"/>
+                    </a:lnB>
+                    <a:lnTlToBr w="12700" cmpd="sng">
+                      <a:noFill/>
+                      <a:prstDash val="solid"/>
+                    </a:lnTlToBr>
+                    <a:lnBlToTr w="12700" cmpd="sng">
+                      <a:noFill/>
+                      <a:prstDash val="solid"/>
+                    </a:lnBlToTr>
+                  </a:tcPr>
+                </a:tc>
+                <a:tc>
+                  <a:txBody>
+                    <a:bodyPr/>
+                    <a:lstStyle/>
+                    <a:p>
+                      <a:pPr marL="171450" indent="-171450" algn="l">
+                        <a:buFont typeface="Arial" pitchFamily="34" charset="0"/>
+                        <a:buChar char="•"/>
+                      </a:pPr>
+                      <a:r>
+                        <a:rPr lang="en-US" sz="1200" baseline="0" dirty="0" smtClean="0"/>
+                        <a:t>CDA R2</a:t>
+                      </a:r>
+                    </a:p>
+                    <a:p>
+                      <a:pPr marL="171450" indent="-171450" algn="l">
+                        <a:buFont typeface="Arial" pitchFamily="34" charset="0"/>
+                        <a:buChar char="•"/>
+                      </a:pPr>
+                      <a:r>
+                        <a:rPr lang="en-US" sz="1200" baseline="0" dirty="0" smtClean="0"/>
+                        <a:t>C-CDA</a:t>
+                      </a:r>
+                    </a:p>
+                    <a:p>
+                      <a:pPr marL="171450" indent="-171450" algn="l">
+                        <a:buFont typeface="Arial" pitchFamily="34" charset="0"/>
+                        <a:buChar char="•"/>
+                      </a:pPr>
+                      <a:r>
+                        <a:rPr lang="en-US" sz="1200" baseline="0" dirty="0" smtClean="0"/>
+                        <a:t>HL7 V2.x</a:t>
+                      </a:r>
+                    </a:p>
+                    <a:p>
+                      <a:pPr marL="171450" indent="-171450" algn="l">
+                        <a:buFont typeface="Arial" pitchFamily="34" charset="0"/>
+                        <a:buChar char="•"/>
+                      </a:pPr>
+                      <a:r>
+                        <a:rPr lang="en-US" sz="1200" baseline="0" dirty="0" smtClean="0"/>
+                        <a:t>HL7 V3</a:t>
+                      </a:r>
+                    </a:p>
+                  </a:txBody>
+                  <a:tcPr anchor="ctr">
+                    <a:lnL w="12700" cap="flat" cmpd="sng" algn="ctr">
+                      <a:solidFill>
+                        <a:schemeClr val="tx1"/>
+                      </a:solidFill>
+                      <a:prstDash val="solid"/>
+                      <a:round/>
+                      <a:headEnd type="none" w="med" len="med"/>
+                      <a:tailEnd type="none" w="med" len="med"/>
+                    </a:lnL>
+                    <a:lnR w="12700" cap="flat" cmpd="sng" algn="ctr">
+                      <a:solidFill>
+                        <a:srgbClr val="E9EDF4"/>
+                      </a:solidFill>
+                      <a:prstDash val="solid"/>
+                      <a:round/>
+                      <a:headEnd type="none" w="med" len="med"/>
+                      <a:tailEnd type="none" w="med" len="med"/>
+                    </a:lnR>
+                    <a:lnT w="12700" cap="flat" cmpd="sng" algn="ctr">
+                      <a:solidFill>
+                        <a:schemeClr val="tx1"/>
+                      </a:solidFill>
+                      <a:prstDash val="solid"/>
+                      <a:round/>
+                      <a:headEnd type="none" w="med" len="med"/>
+                      <a:tailEnd type="none" w="med" len="med"/>
+                    </a:lnT>
+                    <a:lnB w="12700" cap="flat" cmpd="sng" algn="ctr">
+                      <a:solidFill>
+                        <a:schemeClr val="tx1"/>
+                      </a:solidFill>
+                      <a:prstDash val="solid"/>
+                      <a:round/>
+                      <a:headEnd type="none" w="med" len="med"/>
+                      <a:tailEnd type="none" w="med" len="med"/>
+                    </a:lnB>
+                    <a:lnTlToBr w="12700" cmpd="sng">
+                      <a:noFill/>
+                      <a:prstDash val="solid"/>
+                    </a:lnTlToBr>
+                    <a:lnBlToTr w="12700" cmpd="sng">
+                      <a:noFill/>
+                      <a:prstDash val="solid"/>
+                    </a:lnBlToTr>
+                  </a:tcPr>
+                </a:tc>
+                <a:tc>
+                  <a:txBody>
+                    <a:bodyPr/>
+                    <a:lstStyle/>
+                    <a:p>
+                      <a:pPr marL="171450" indent="-171450" algn="l">
+                        <a:buFont typeface="Arial" pitchFamily="34" charset="0"/>
+                        <a:buChar char="•"/>
+                      </a:pPr>
+                      <a:r>
+                        <a:rPr lang="en-US" sz="1200" baseline="0" dirty="0" smtClean="0"/>
+                        <a:t>ICSR</a:t>
+                      </a:r>
+                    </a:p>
+                    <a:p>
+                      <a:pPr marL="171450" marR="0" indent="-171450" algn="l" defTabSz="457200" rtl="0" eaLnBrk="1" fontAlgn="auto" latinLnBrk="0" hangingPunct="1">
+                        <a:lnSpc>
+                          <a:spcPct val="100000"/>
+                        </a:lnSpc>
+                        <a:spcBef>
+                          <a:spcPts val="0"/>
+                        </a:spcBef>
+                        <a:spcAft>
+                          <a:spcPts val="0"/>
+                        </a:spcAft>
+                        <a:buClrTx/>
+                        <a:buSzTx/>
+                        <a:buFont typeface="Arial" pitchFamily="34" charset="0"/>
+                        <a:buChar char="•"/>
+                        <a:tabLst/>
+                        <a:defRPr/>
+                      </a:pPr>
+                      <a:r>
+                        <a:rPr lang="en-US" sz="1200" baseline="0" dirty="0" smtClean="0"/>
+                        <a:t>ISO/IEC 19763-13</a:t>
+                      </a:r>
+                    </a:p>
+                    <a:p>
+                      <a:pPr marL="171450" marR="0" indent="-171450" algn="l" defTabSz="457200" rtl="0" eaLnBrk="1" fontAlgn="auto" latinLnBrk="0" hangingPunct="1">
+                        <a:lnSpc>
+                          <a:spcPct val="100000"/>
+                        </a:lnSpc>
+                        <a:spcBef>
+                          <a:spcPts val="0"/>
+                        </a:spcBef>
+                        <a:spcAft>
+                          <a:spcPts val="0"/>
+                        </a:spcAft>
+                        <a:buClrTx/>
+                        <a:buSzTx/>
+                        <a:buFont typeface="Arial" pitchFamily="34" charset="0"/>
+                        <a:buChar char="•"/>
+                        <a:tabLst/>
+                        <a:defRPr/>
+                      </a:pPr>
+                      <a:r>
+                        <a:rPr lang="en-US" sz="1200" baseline="0" dirty="0" smtClean="0"/>
+                        <a:t>RFD</a:t>
+                      </a:r>
+                    </a:p>
+                  </a:txBody>
+                  <a:tcPr anchor="ctr">
+                    <a:lnL w="12700" cap="flat" cmpd="sng" algn="ctr">
+                      <a:solidFill>
+                        <a:srgbClr val="E9EDF4"/>
+                      </a:solidFill>
+                      <a:prstDash val="solid"/>
+                      <a:round/>
+                      <a:headEnd type="none" w="med" len="med"/>
+                      <a:tailEnd type="none" w="med" len="med"/>
+                    </a:lnL>
+                    <a:lnR w="12700" cap="flat" cmpd="sng" algn="ctr">
+                      <a:solidFill>
+                        <a:schemeClr val="tx1"/>
+                      </a:solidFill>
+                      <a:prstDash val="solid"/>
+                      <a:round/>
+                      <a:headEnd type="none" w="med" len="med"/>
+                      <a:tailEnd type="none" w="med" len="med"/>
+                    </a:lnR>
+                    <a:lnT w="12700" cap="flat" cmpd="sng" algn="ctr">
+                      <a:solidFill>
+                        <a:schemeClr val="tx1"/>
+                      </a:solidFill>
+                      <a:prstDash val="solid"/>
+                      <a:round/>
+                      <a:headEnd type="none" w="med" len="med"/>
+                      <a:tailEnd type="none" w="med" len="med"/>
+                    </a:lnT>
+                    <a:lnB w="12700" cap="flat" cmpd="sng" algn="ctr">
+                      <a:solidFill>
+                        <a:schemeClr val="tx1"/>
+                      </a:solidFill>
+                      <a:prstDash val="solid"/>
+                      <a:round/>
+                      <a:headEnd type="none" w="med" len="med"/>
+                      <a:tailEnd type="none" w="med" len="med"/>
+                    </a:lnB>
+                    <a:lnTlToBr w="12700" cmpd="sng">
+                      <a:noFill/>
+                      <a:prstDash val="solid"/>
+                    </a:lnTlToBr>
+                    <a:lnBlToTr w="12700" cmpd="sng">
+                      <a:noFill/>
+                      <a:prstDash val="solid"/>
+                    </a:lnBlToTr>
+                  </a:tcPr>
+                </a:tc>
+                <a:tc vMerge="1">
+                  <a:txBody>
+                    <a:bodyPr/>
+                    <a:lstStyle/>
+                    <a:p>
+                      <a:endParaRPr lang="en-US"/>
+                    </a:p>
+                  </a:txBody>
+                  <a:tcPr/>
+                </a:tc>
+                <a:tc vMerge="1">
+                  <a:txBody>
+                    <a:bodyPr/>
+                    <a:lstStyle/>
+                    <a:p>
+                      <a:endParaRPr lang="en-US" sz="1100" dirty="0"/>
+                    </a:p>
+                  </a:txBody>
+                  <a:tcPr>
+                    <a:lnL w="12700" cap="flat" cmpd="sng" algn="ctr">
+                      <a:solidFill>
+                        <a:schemeClr val="tx1"/>
+                      </a:solidFill>
+                      <a:prstDash val="solid"/>
+                      <a:round/>
+                      <a:headEnd type="none" w="med" len="med"/>
+                      <a:tailEnd type="none" w="med" len="med"/>
+                    </a:lnL>
+                    <a:lnR w="12700" cap="flat" cmpd="sng" algn="ctr">
+                      <a:solidFill>
+                        <a:schemeClr val="tx1"/>
+                      </a:solidFill>
+                      <a:prstDash val="solid"/>
+                      <a:round/>
+                      <a:headEnd type="none" w="med" len="med"/>
+                      <a:tailEnd type="none" w="med" len="med"/>
+                    </a:lnR>
+                    <a:lnT w="12700" cap="flat" cmpd="sng" algn="ctr">
+                      <a:solidFill>
+                        <a:schemeClr val="tx1"/>
+                      </a:solidFill>
+                      <a:prstDash val="solid"/>
+                      <a:round/>
+                      <a:headEnd type="none" w="med" len="med"/>
+                      <a:tailEnd type="none" w="med" len="med"/>
+                    </a:lnT>
+                    <a:lnB w="12700" cap="flat" cmpd="sng" algn="ctr">
+                      <a:solidFill>
+                        <a:schemeClr val="tx1"/>
+                      </a:solidFill>
+                      <a:prstDash val="solid"/>
+                      <a:round/>
+                      <a:headEnd type="none" w="med" len="med"/>
+                      <a:tailEnd type="none" w="med" len="med"/>
+                    </a:lnB>
+                    <a:lnTlToBr w="12700" cmpd="sng">
+                      <a:noFill/>
+                      <a:prstDash val="solid"/>
+                    </a:lnTlToBr>
+                    <a:lnBlToTr w="12700" cmpd="sng">
+                      <a:noFill/>
+                      <a:prstDash val="solid"/>
+                    </a:lnBlToTr>
+                  </a:tcPr>
+                </a:tc>
+                <a:tc vMerge="1">
+                  <a:txBody>
+                    <a:bodyPr/>
+                    <a:lstStyle/>
+                    <a:p>
+                      <a:pPr marL="171450" indent="-171450" algn="l">
+                        <a:buFont typeface="Arial" pitchFamily="34" charset="0"/>
+                        <a:buChar char="•"/>
+                      </a:pPr>
+                      <a:endParaRPr lang="en-US" sz="1100" kern="1200" baseline="0" dirty="0" smtClean="0">
+                        <a:solidFill>
+                          <a:schemeClr val="dk1"/>
+                        </a:solidFill>
+                        <a:latin typeface="+mn-lt"/>
+                        <a:ea typeface="+mn-ea"/>
+                        <a:cs typeface="+mn-cs"/>
+                      </a:endParaRPr>
+                    </a:p>
+                  </a:txBody>
+                  <a:tcPr>
+                    <a:lnL w="12700" cap="flat" cmpd="sng" algn="ctr">
+                      <a:solidFill>
+                        <a:schemeClr val="tx1"/>
+                      </a:solidFill>
+                      <a:prstDash val="solid"/>
+                      <a:round/>
+                      <a:headEnd type="none" w="med" len="med"/>
+                      <a:tailEnd type="none" w="med" len="med"/>
+                    </a:lnL>
+                    <a:lnR w="12700" cap="flat" cmpd="sng" algn="ctr">
+                      <a:solidFill>
+                        <a:schemeClr val="tx1"/>
+                      </a:solidFill>
+                      <a:prstDash val="solid"/>
+                      <a:round/>
+                      <a:headEnd type="none" w="med" len="med"/>
+                      <a:tailEnd type="none" w="med" len="med"/>
+                    </a:lnR>
+                    <a:lnT w="12700" cap="flat" cmpd="sng" algn="ctr">
+                      <a:solidFill>
+                        <a:schemeClr val="tx1"/>
+                      </a:solidFill>
+                      <a:prstDash val="solid"/>
+                      <a:round/>
+                      <a:headEnd type="none" w="med" len="med"/>
+                      <a:tailEnd type="none" w="med" len="med"/>
+                    </a:lnT>
+                    <a:lnB w="12700" cap="flat" cmpd="sng" algn="ctr">
+                      <a:solidFill>
+                        <a:schemeClr val="tx1"/>
+                      </a:solidFill>
+                      <a:prstDash val="solid"/>
+                      <a:round/>
+                      <a:headEnd type="none" w="med" len="med"/>
+                      <a:tailEnd type="none" w="med" len="med"/>
+                    </a:lnB>
+                    <a:lnTlToBr w="12700" cmpd="sng">
+                      <a:noFill/>
+                      <a:prstDash val="solid"/>
+                    </a:lnTlToBr>
+                    <a:lnBlToTr w="12700" cmpd="sng">
+                      <a:noFill/>
+                      <a:prstDash val="solid"/>
+                    </a:lnBlToTr>
+                  </a:tcPr>
+                </a:tc>
+              </a:tr>
+            </a:tbl>
+          </a:graphicData>
+        </a:graphic>
+      </p:graphicFrame>
+      <p:sp>
+        <p:nvSpPr>
+          <p:cNvPr id="7" name="Title 1"/>
+          <p:cNvSpPr>
+            <a:spLocks noGrp="1"/>
+          </p:cNvSpPr>
+          <p:nvPr>
+            <p:ph type="title"/>
+          </p:nvPr>
+        </p:nvSpPr>
+        <p:spPr>
+          <a:xfrm>
+            <a:off x="262701" y="506223"/>
+            <a:ext cx="8229600" cy="1143000"/>
+          </a:xfrm>
+        </p:spPr>
+        <p:txBody>
+          <a:bodyPr>
+            <a:normAutofit/>
+          </a:bodyPr>
+          <a:lstStyle/>
+          <a:p>
+            <a:r>
+              <a:rPr lang="en-US" sz="2500" dirty="0" smtClean="0"/>
+              <a:t>SDC Use Case:</a:t>
+            </a:r>
+            <a:br>
+              <a:rPr lang="en-US" sz="2500" dirty="0" smtClean="0"/>
+            </a:br>
+            <a:r>
+              <a:rPr lang="en-US" sz="2500" dirty="0" smtClean="0"/>
+              <a:t>Interoperability Standards</a:t>
+            </a:r>
+            <a:endParaRPr lang="en-US" sz="2500" dirty="0"/>
+          </a:p>
+        </p:txBody>
+      </p:sp>
+      <p:graphicFrame>
+        <p:nvGraphicFramePr>
+          <p:cNvPr id="5" name="Object 4"/>
+          <p:cNvGraphicFramePr>
+            <a:graphicFrameLocks noChangeAspect="1"/>
+          </p:cNvGraphicFramePr>
+          <p:nvPr>
+            <p:extLst>
+              <p:ext uri="{D42A27DB-BD31-4B8C-83A1-F6EECF244321}">
+                <p14:modId xmlns:p14="http://schemas.microsoft.com/office/powerpoint/2010/main" val="4035675214"/>
+              </p:ext>
+            </p:extLst>
+          </p:nvPr>
+        </p:nvGraphicFramePr>
+        <p:xfrm>
+          <a:off x="6781800" y="617538"/>
+          <a:ext cx="914400" cy="771525"/>
+        </p:xfrm>
+        <a:graphic>
+          <a:graphicData uri="http://schemas.openxmlformats.org/presentationml/2006/ole">
+            <mc:AlternateContent xmlns:mc="http://schemas.openxmlformats.org/markup-compatibility/2006">
+              <mc:Choice xmlns:v="urn:schemas-microsoft-com:vml" Requires="v">
+                <p:oleObj spid="_x0000_s2059" name="Worksheet" showAsIcon="1" r:id="rId5" imgW="914400" imgH="771480" progId="Excel.Sheet.12">
+                  <p:embed/>
+                </p:oleObj>
+              </mc:Choice>
+              <mc:Fallback>
+                <p:oleObj name="Worksheet" showAsIcon="1" r:id="rId5" imgW="914400" imgH="771480" progId="Excel.Sheet.12">
+                  <p:embed/>
+                  <p:pic>
+                    <p:nvPicPr>
+                      <p:cNvPr id="0" name=""/>
+                      <p:cNvPicPr/>
+                      <p:nvPr/>
+                    </p:nvPicPr>
+                    <p:blipFill>
+                      <a:blip r:embed="rId6"/>
+                      <a:stretch>
+                        <a:fillRect/>
+                      </a:stretch>
+                    </p:blipFill>
+                    <p:spPr>
+                      <a:xfrm>
+                        <a:off x="6781800" y="617538"/>
+                        <a:ext cx="914400" cy="771525"/>
+                      </a:xfrm>
+                      <a:prstGeom prst="rect">
+                        <a:avLst/>
+                      </a:prstGeom>
+                    </p:spPr>
+                  </p:pic>
+                </p:oleObj>
+              </mc:Fallback>
+            </mc:AlternateContent>
+          </a:graphicData>
+        </a:graphic>
+      </p:graphicFrame>
+    </p:spTree>
+    <p:extLst>
+      <p:ext uri="{BB962C8B-B14F-4D97-AF65-F5344CB8AC3E}">
+        <p14:creationId xmlns:p14="http://schemas.microsoft.com/office/powerpoint/2010/main" val="2755398285"/>
+      </p:ext>
+    </p:extLst>
+  </p:cSld>
+  <p:clrMapOvr>
+    <a:masterClrMapping/>
+  </p:clrMapOvr>
+  <p:timing>
+    <p:tnLst>
+      <p:par>
+        <p:cTn id="1" dur="indefinite" restart="never" nodeType="tmRoot"/>
+      </p:par>
+    </p:tnLst>
+  </p:timing>
+</p:sld>
+</file>
+
+<file path=ppt/slides/slide11.xml><?xml version="1.0" encoding="utf-8"?>
 <p:sld xmlns:a="http://schemas.openxmlformats.org/drawingml/2006/main" xmlns:r="http://schemas.openxmlformats.org/officeDocument/2006/relationships" xmlns:p="http://schemas.openxmlformats.org/presentationml/2006/main">
   <p:cSld>
     <p:spTree>
@@ -36021,7 +39505,7 @@
         </p:nvGraphicFramePr>
         <p:xfrm>
           <a:off x="394854" y="1681021"/>
-          <a:ext cx="8291946" cy="4937760"/>
+          <a:ext cx="8291946" cy="5151120"/>
         </p:xfrm>
         <a:graphic>
           <a:graphicData uri="http://schemas.openxmlformats.org/drawingml/2006/table">
@@ -36856,7 +40340,7 @@
           <a:graphicData uri="http://schemas.openxmlformats.org/presentationml/2006/ole">
             <mc:AlternateContent xmlns:mc="http://schemas.openxmlformats.org/markup-compatibility/2006">
               <mc:Choice xmlns:v="urn:schemas-microsoft-com:vml" Requires="v">
-                <p:oleObj spid="_x0000_s1163" name="Visio" r:id="rId3" imgW="6091200" imgH="5828491" progId="Visio.Drawing.11">
+                <p:oleObj spid="_x0000_s1165" name="Visio" r:id="rId3" imgW="6091200" imgH="5828491" progId="Visio.Drawing.11">
                   <p:embed/>
                 </p:oleObj>
               </mc:Choice>
@@ -39071,7 +42555,7 @@
       </p:grpSpPr>
       <p:sp>
         <p:nvSpPr>
-          <p:cNvPr id="3" name="Slide Number Placeholder 2"/>
+          <p:cNvPr id="4" name="Slide Number Placeholder 3"/>
           <p:cNvSpPr>
             <a:spLocks noGrp="1"/>
           </p:cNvSpPr>
@@ -39100,21 +42584,124 @@
       </p:sp>
       <p:graphicFrame>
         <p:nvGraphicFramePr>
-          <p:cNvPr id="55" name="Table 54"/>
+          <p:cNvPr id="5" name="Object 4"/>
+          <p:cNvGraphicFramePr>
+            <a:graphicFrameLocks noChangeAspect="1"/>
+          </p:cNvGraphicFramePr>
+          <p:nvPr>
+            <p:extLst>
+              <p:ext uri="{D42A27DB-BD31-4B8C-83A1-F6EECF244321}">
+                <p14:modId xmlns:p14="http://schemas.microsoft.com/office/powerpoint/2010/main" val="3478498227"/>
+              </p:ext>
+            </p:extLst>
+          </p:nvPr>
+        </p:nvGraphicFramePr>
+        <p:xfrm>
+          <a:off x="2854418" y="1708429"/>
+          <a:ext cx="5316567" cy="5085103"/>
+        </p:xfrm>
+        <a:graphic>
+          <a:graphicData uri="http://schemas.openxmlformats.org/presentationml/2006/ole">
+            <mc:AlternateContent xmlns:mc="http://schemas.openxmlformats.org/markup-compatibility/2006">
+              <mc:Choice xmlns:v="urn:schemas-microsoft-com:vml" Requires="v">
+                <p:oleObj spid="_x0000_s3073" name="Visio" r:id="rId3" imgW="6091200" imgH="5828491" progId="Visio.Drawing.11">
+                  <p:embed/>
+                </p:oleObj>
+              </mc:Choice>
+              <mc:Fallback>
+                <p:oleObj name="Visio" r:id="rId3" imgW="6091200" imgH="5828491" progId="Visio.Drawing.11">
+                  <p:embed/>
+                  <p:pic>
+                    <p:nvPicPr>
+                      <p:cNvPr id="0" name=""/>
+                      <p:cNvPicPr>
+                        <a:picLocks noChangeAspect="1" noChangeArrowheads="1"/>
+                      </p:cNvPicPr>
+                      <p:nvPr/>
+                    </p:nvPicPr>
+                    <p:blipFill>
+                      <a:blip r:embed="rId4"/>
+                      <a:srcRect/>
+                      <a:stretch>
+                        <a:fillRect/>
+                      </a:stretch>
+                    </p:blipFill>
+                    <p:spPr bwMode="auto">
+                      <a:xfrm>
+                        <a:off x="2854418" y="1708429"/>
+                        <a:ext cx="5316567" cy="5085103"/>
+                      </a:xfrm>
+                      <a:prstGeom prst="rect">
+                        <a:avLst/>
+                      </a:prstGeom>
+                      <a:solidFill>
+                        <a:schemeClr val="bg1"/>
+                      </a:solidFill>
+                      <a:ln>
+                        <a:noFill/>
+                      </a:ln>
+                    </p:spPr>
+                  </p:pic>
+                </p:oleObj>
+              </mc:Fallback>
+            </mc:AlternateContent>
+          </a:graphicData>
+        </a:graphic>
+      </p:graphicFrame>
+      <p:sp>
+        <p:nvSpPr>
+          <p:cNvPr id="6" name="Title 1"/>
+          <p:cNvSpPr>
+            <a:spLocks noGrp="1"/>
+          </p:cNvSpPr>
+          <p:nvPr>
+            <p:ph type="title"/>
+          </p:nvPr>
+        </p:nvSpPr>
+        <p:spPr>
+          <a:xfrm>
+            <a:off x="262701" y="548412"/>
+            <a:ext cx="8229600" cy="1143000"/>
+          </a:xfrm>
+        </p:spPr>
+        <p:txBody>
+          <a:bodyPr>
+            <a:normAutofit/>
+          </a:bodyPr>
+          <a:lstStyle/>
+          <a:p>
+            <a:r>
+              <a:rPr lang="en-US" sz="2500" dirty="0" smtClean="0"/>
+              <a:t>SDC Sequence Diagram:</a:t>
+            </a:r>
+            <a:br>
+              <a:rPr lang="en-US" sz="2500" dirty="0" smtClean="0"/>
+            </a:br>
+            <a:r>
+              <a:rPr lang="en-US" sz="2500" dirty="0" smtClean="0"/>
+              <a:t>SDC’s 4 Components by Transaction</a:t>
+            </a:r>
+            <a:endParaRPr lang="en-US" sz="2500" dirty="0"/>
+          </a:p>
+        </p:txBody>
+      </p:sp>
+      <p:graphicFrame>
+        <p:nvGraphicFramePr>
+          <p:cNvPr id="8" name="Table 7"/>
           <p:cNvGraphicFramePr>
             <a:graphicFrameLocks noGrp="1"/>
           </p:cNvGraphicFramePr>
           <p:nvPr>
             <p:extLst>
               <p:ext uri="{D42A27DB-BD31-4B8C-83A1-F6EECF244321}">
-                <p14:modId xmlns:p14="http://schemas.microsoft.com/office/powerpoint/2010/main" val="530251983"/>
+                <p14:modId xmlns:p14="http://schemas.microsoft.com/office/powerpoint/2010/main" val="1899058025"/>
               </p:ext>
             </p:extLst>
           </p:nvPr>
         </p:nvGraphicFramePr>
         <p:xfrm>
-          <a:off x="199201" y="1574636"/>
-          <a:ext cx="8817799" cy="5181498"/>
+          <a:off x="153963" y="2296153"/>
+          <a:ext cx="2870591" cy="1207008"/>
         </p:xfrm>
         <a:graphic>
           <a:graphicData uri="http://schemas.openxmlformats.org/drawingml/2006/table">
@@ -39123,29 +42710,31 @@
                 <a:tableStyleId>{5C22544A-7EE6-4342-B048-85BDC9FD1C3A}</a:tableStyleId>
               </a:tblPr>
               <a:tblGrid>
-                <a:gridCol w="534992"/>
-                <a:gridCol w="1263863"/>
-                <a:gridCol w="1512917"/>
-                <a:gridCol w="1182194"/>
-                <a:gridCol w="1517133"/>
-                <a:gridCol w="1435100"/>
-                <a:gridCol w="1371600"/>
+                <a:gridCol w="303237"/>
+                <a:gridCol w="2567354"/>
               </a:tblGrid>
-              <a:tr h="444822">
+              <a:tr h="262805">
                 <a:tc>
                   <a:txBody>
                     <a:bodyPr/>
                     <a:lstStyle/>
                     <a:p>
-                      <a:pPr algn="ctr"/>
                       <a:r>
-                        <a:rPr lang="en-US" sz="1200" b="1" dirty="0" smtClean="0"/>
-                        <a:t>#</a:t>
+                        <a:rPr lang="en-US" sz="1200" b="1" dirty="0" smtClean="0">
+                          <a:solidFill>
+                            <a:schemeClr val="tx1"/>
+                          </a:solidFill>
+                        </a:rPr>
+                        <a:t>A</a:t>
                       </a:r>
-                      <a:endParaRPr lang="en-US" sz="1200" b="1" dirty="0"/>
+                      <a:endParaRPr lang="en-US" sz="1200" b="1" dirty="0">
+                        <a:solidFill>
+                          <a:schemeClr val="tx1"/>
+                        </a:solidFill>
+                      </a:endParaRPr>
                     </a:p>
                   </a:txBody>
-                  <a:tcPr anchor="ctr">
+                  <a:tcPr>
                     <a:lnL w="12700" cap="flat" cmpd="sng" algn="ctr">
                       <a:solidFill>
                         <a:schemeClr val="tx1"/>
@@ -39190,6 +42779,9 @@
                       <a:noFill/>
                       <a:prstDash val="solid"/>
                     </a:lnBlToTr>
+                    <a:solidFill>
+                      <a:schemeClr val="accent6"/>
+                    </a:solidFill>
                   </a:tcPr>
                 </a:tc>
                 <a:tc>
@@ -39197,15 +42789,43 @@
                     <a:bodyPr/>
                     <a:lstStyle/>
                     <a:p>
-                      <a:pPr algn="ctr"/>
+                      <a:pPr marL="0" marR="0" lvl="0" indent="0">
+                        <a:lnSpc>
+                          <a:spcPct val="115000"/>
+                        </a:lnSpc>
+                        <a:spcBef>
+                          <a:spcPts val="0"/>
+                        </a:spcBef>
+                        <a:spcAft>
+                          <a:spcPts val="0"/>
+                        </a:spcAft>
+                        <a:buFont typeface="+mj-lt"/>
+                        <a:buNone/>
+                      </a:pPr>
                       <a:r>
-                        <a:rPr lang="en-US" sz="1200" b="1" dirty="0" smtClean="0"/>
-                        <a:t>Transaction</a:t>
+                        <a:rPr lang="zh-CN" altLang="en-US" sz="1200" b="1" dirty="0" smtClean="0">
+                          <a:solidFill>
+                            <a:schemeClr val="tx1"/>
+                          </a:solidFill>
+                          <a:effectLst/>
+                          <a:latin typeface="Calibri"/>
+                          <a:ea typeface="Calibri"/>
+                          <a:cs typeface="Times New Roman"/>
+                        </a:rPr>
+                        <a:t>数据项数据元标准</a:t>
                       </a:r>
-                      <a:endParaRPr lang="en-US" sz="1200" b="1" dirty="0"/>
+                      <a:endParaRPr lang="en-US" sz="1200" b="1" dirty="0">
+                        <a:solidFill>
+                          <a:schemeClr val="tx1"/>
+                        </a:solidFill>
+                        <a:effectLst/>
+                        <a:latin typeface="Calibri"/>
+                        <a:ea typeface="Calibri"/>
+                        <a:cs typeface="Times New Roman"/>
+                      </a:endParaRPr>
                     </a:p>
                   </a:txBody>
-                  <a:tcPr anchor="ctr">
+                  <a:tcPr>
                     <a:lnL w="12700" cap="flat" cmpd="sng" algn="ctr">
                       <a:solidFill>
                         <a:schemeClr val="tx1"/>
@@ -39250,92 +42870,26 @@
                       <a:noFill/>
                       <a:prstDash val="solid"/>
                     </a:lnBlToTr>
+                    <a:solidFill>
+                      <a:schemeClr val="bg1"/>
+                    </a:solidFill>
                   </a:tcPr>
                 </a:tc>
-                <a:tc gridSpan="2">
-                  <a:txBody>
-                    <a:bodyPr/>
-                    <a:lstStyle/>
-                    <a:p>
-                      <a:pPr algn="ctr"/>
-                      <a:r>
-                        <a:rPr lang="en-US" sz="1200" b="1" dirty="0" smtClean="0"/>
-                        <a:t>Content and Structure</a:t>
-                      </a:r>
-                      <a:endParaRPr lang="en-US" sz="1200" b="1" dirty="0"/>
-                    </a:p>
-                  </a:txBody>
-                  <a:tcPr anchor="ctr">
-                    <a:lnL w="12700" cap="flat" cmpd="sng" algn="ctr">
-                      <a:solidFill>
-                        <a:schemeClr val="tx1"/>
-                      </a:solidFill>
-                      <a:prstDash val="solid"/>
-                      <a:round/>
-                      <a:headEnd type="none" w="med" len="med"/>
-                      <a:tailEnd type="none" w="med" len="med"/>
-                    </a:lnL>
-                    <a:lnR w="12700" cap="flat" cmpd="sng" algn="ctr">
-                      <a:solidFill>
-                        <a:schemeClr val="tx1"/>
-                      </a:solidFill>
-                      <a:prstDash val="solid"/>
-                      <a:round/>
-                      <a:headEnd type="none" w="med" len="med"/>
-                      <a:tailEnd type="none" w="med" len="med"/>
-                    </a:lnR>
-                    <a:lnT w="12700" cap="flat" cmpd="sng" algn="ctr">
-                      <a:solidFill>
-                        <a:schemeClr val="tx1"/>
-                      </a:solidFill>
-                      <a:prstDash val="solid"/>
-                      <a:round/>
-                      <a:headEnd type="none" w="med" len="med"/>
-                      <a:tailEnd type="none" w="med" len="med"/>
-                    </a:lnT>
-                    <a:lnB w="12700" cap="flat" cmpd="sng" algn="ctr">
-                      <a:solidFill>
-                        <a:schemeClr val="tx1"/>
-                      </a:solidFill>
-                      <a:prstDash val="solid"/>
-                      <a:round/>
-                      <a:headEnd type="none" w="med" len="med"/>
-                      <a:tailEnd type="none" w="med" len="med"/>
-                    </a:lnB>
-                    <a:lnTlToBr w="12700" cmpd="sng">
-                      <a:noFill/>
-                      <a:prstDash val="solid"/>
-                    </a:lnTlToBr>
-                    <a:lnBlToTr w="12700" cmpd="sng">
-                      <a:noFill/>
-                      <a:prstDash val="solid"/>
-                    </a:lnBlToTr>
-                  </a:tcPr>
-                </a:tc>
-                <a:tc hMerge="1">
-                  <a:txBody>
-                    <a:bodyPr/>
-                    <a:lstStyle/>
-                    <a:p>
-                      <a:endParaRPr lang="en-US"/>
-                    </a:p>
-                  </a:txBody>
-                  <a:tcPr/>
-                </a:tc>
+              </a:tr>
+              <a:tr h="262805">
                 <a:tc>
                   <a:txBody>
                     <a:bodyPr/>
                     <a:lstStyle/>
                     <a:p>
-                      <a:pPr algn="ctr"/>
                       <a:r>
                         <a:rPr lang="en-US" sz="1200" b="1" dirty="0" smtClean="0"/>
-                        <a:t>Vocabulary and Code Set</a:t>
+                        <a:t>B</a:t>
                       </a:r>
                       <a:endParaRPr lang="en-US" sz="1200" b="1" dirty="0"/>
                     </a:p>
                   </a:txBody>
-                  <a:tcPr anchor="ctr">
+                  <a:tcPr>
                     <a:lnL w="12700" cap="flat" cmpd="sng" algn="ctr">
                       <a:solidFill>
                         <a:schemeClr val="tx1"/>
@@ -39380,6 +42934,9 @@
                       <a:noFill/>
                       <a:prstDash val="solid"/>
                     </a:lnBlToTr>
+                    <a:solidFill>
+                      <a:srgbClr val="00B0F0"/>
+                    </a:solidFill>
                   </a:tcPr>
                 </a:tc>
                 <a:tc>
@@ -39387,15 +42944,101 @@
                     <a:bodyPr/>
                     <a:lstStyle/>
                     <a:p>
-                      <a:pPr algn="ctr"/>
+                      <a:pPr marL="0" marR="0" lvl="0" indent="0">
+                        <a:lnSpc>
+                          <a:spcPct val="115000"/>
+                        </a:lnSpc>
+                        <a:spcBef>
+                          <a:spcPts val="0"/>
+                        </a:spcBef>
+                        <a:spcAft>
+                          <a:spcPts val="0"/>
+                        </a:spcAft>
+                        <a:buFont typeface="+mj-lt"/>
+                        <a:buNone/>
+                      </a:pPr>
+                      <a:r>
+                        <a:rPr lang="zh-CN" altLang="en-US" sz="1200" b="1" dirty="0" smtClean="0">
+                          <a:effectLst/>
+                          <a:latin typeface="Calibri"/>
+                          <a:ea typeface="Calibri"/>
+                          <a:cs typeface="Times New Roman"/>
+                        </a:rPr>
+                        <a:t>表单结构和设计</a:t>
+                      </a:r>
+                      <a:endParaRPr lang="en-US" sz="1200" b="0" i="1" dirty="0" smtClean="0">
+                        <a:effectLst/>
+                        <a:latin typeface="Calibri"/>
+                        <a:ea typeface="Calibri"/>
+                        <a:cs typeface="Times New Roman"/>
+                      </a:endParaRPr>
+                    </a:p>
+                  </a:txBody>
+                  <a:tcPr>
+                    <a:lnL w="12700" cap="flat" cmpd="sng" algn="ctr">
+                      <a:solidFill>
+                        <a:schemeClr val="tx1"/>
+                      </a:solidFill>
+                      <a:prstDash val="solid"/>
+                      <a:round/>
+                      <a:headEnd type="none" w="med" len="med"/>
+                      <a:tailEnd type="none" w="med" len="med"/>
+                    </a:lnL>
+                    <a:lnR w="12700" cap="flat" cmpd="sng" algn="ctr">
+                      <a:solidFill>
+                        <a:schemeClr val="tx1"/>
+                      </a:solidFill>
+                      <a:prstDash val="solid"/>
+                      <a:round/>
+                      <a:headEnd type="none" w="med" len="med"/>
+                      <a:tailEnd type="none" w="med" len="med"/>
+                    </a:lnR>
+                    <a:lnT w="12700" cap="flat" cmpd="sng" algn="ctr">
+                      <a:solidFill>
+                        <a:schemeClr val="tx1"/>
+                      </a:solidFill>
+                      <a:prstDash val="solid"/>
+                      <a:round/>
+                      <a:headEnd type="none" w="med" len="med"/>
+                      <a:tailEnd type="none" w="med" len="med"/>
+                    </a:lnT>
+                    <a:lnB w="12700" cap="flat" cmpd="sng" algn="ctr">
+                      <a:solidFill>
+                        <a:schemeClr val="tx1"/>
+                      </a:solidFill>
+                      <a:prstDash val="solid"/>
+                      <a:round/>
+                      <a:headEnd type="none" w="med" len="med"/>
+                      <a:tailEnd type="none" w="med" len="med"/>
+                    </a:lnB>
+                    <a:lnTlToBr w="12700" cmpd="sng">
+                      <a:noFill/>
+                      <a:prstDash val="solid"/>
+                    </a:lnTlToBr>
+                    <a:lnBlToTr w="12700" cmpd="sng">
+                      <a:noFill/>
+                      <a:prstDash val="solid"/>
+                    </a:lnBlToTr>
+                    <a:solidFill>
+                      <a:schemeClr val="bg1"/>
+                    </a:solidFill>
+                  </a:tcPr>
+                </a:tc>
+              </a:tr>
+              <a:tr h="277297">
+                <a:tc>
+                  <a:txBody>
+                    <a:bodyPr/>
+                    <a:lstStyle/>
+                    <a:p>
                       <a:r>
                         <a:rPr lang="en-US" sz="1200" b="1" dirty="0" smtClean="0"/>
-                        <a:t>Transport and Security</a:t>
+                        <a:t>C</a:t>
                       </a:r>
                       <a:endParaRPr lang="en-US" sz="1200" b="1" dirty="0"/>
                     </a:p>
                   </a:txBody>
-                  <a:tcPr anchor="ctr">
+                  <a:tcPr>
                     <a:lnL w="12700" cap="flat" cmpd="sng" algn="ctr">
                       <a:solidFill>
                         <a:schemeClr val="tx1"/>
@@ -39440,6 +43083,9 @@
                       <a:noFill/>
                       <a:prstDash val="solid"/>
                     </a:lnBlToTr>
+                    <a:solidFill>
+                      <a:srgbClr val="00B050"/>
+                    </a:solidFill>
                   </a:tcPr>
                 </a:tc>
                 <a:tc>
@@ -39447,15 +43093,37 @@
                     <a:bodyPr/>
                     <a:lstStyle/>
                     <a:p>
-                      <a:pPr algn="ctr"/>
+                      <a:pPr marL="0" marR="0" lvl="0" indent="0">
+                        <a:lnSpc>
+                          <a:spcPct val="115000"/>
+                        </a:lnSpc>
+                        <a:spcBef>
+                          <a:spcPts val="0"/>
+                        </a:spcBef>
+                        <a:spcAft>
+                          <a:spcPts val="0"/>
+                        </a:spcAft>
+                        <a:buFont typeface="+mj-lt"/>
+                        <a:buNone/>
+                      </a:pPr>
                       <a:r>
-                        <a:rPr lang="en-US" sz="1200" b="1" dirty="0" smtClean="0"/>
-                        <a:t>Cross-Category</a:t>
+                        <a:rPr lang="zh-CN" altLang="en-US" sz="1200" b="1" dirty="0" smtClean="0">
+                          <a:effectLst/>
+                          <a:latin typeface="Calibri"/>
+                          <a:ea typeface="Calibri"/>
+                          <a:cs typeface="Times New Roman"/>
+                        </a:rPr>
+                        <a:t>系统交互</a:t>
                       </a:r>
-                      <a:endParaRPr lang="en-US" sz="1200" b="1" dirty="0"/>
+                      <a:endParaRPr lang="en-US" sz="1200" b="1" dirty="0" smtClean="0">
+                        <a:effectLst/>
+                        <a:latin typeface="Calibri"/>
+                        <a:ea typeface="Calibri"/>
+                        <a:cs typeface="Times New Roman"/>
+                      </a:endParaRPr>
                     </a:p>
                   </a:txBody>
-                  <a:tcPr anchor="ctr">
+                  <a:tcPr>
                     <a:lnL w="12700" cap="flat" cmpd="sng" algn="ctr">
                       <a:solidFill>
                         <a:schemeClr val="tx1"/>
@@ -39500,30 +43168,26 @@
                       <a:noFill/>
                       <a:prstDash val="solid"/>
                     </a:lnBlToTr>
+                    <a:solidFill>
+                      <a:schemeClr val="bg1"/>
+                    </a:solidFill>
                   </a:tcPr>
                 </a:tc>
               </a:tr>
-              <a:tr h="1334465">
+              <a:tr h="279955">
                 <a:tc>
                   <a:txBody>
                     <a:bodyPr/>
                     <a:lstStyle/>
                     <a:p>
-                      <a:pPr algn="ctr"/>
                       <a:r>
-                        <a:rPr lang="en-US" sz="1200" kern="1200" dirty="0" smtClean="0">
-                          <a:solidFill>
-                            <a:schemeClr val="tx1"/>
-                          </a:solidFill>
-                          <a:latin typeface="+mn-lt"/>
-                          <a:ea typeface="+mn-ea"/>
-                          <a:cs typeface="+mn-cs"/>
-                        </a:rPr>
-                        <a:t>1</a:t>
+                        <a:rPr lang="en-US" sz="1200" b="1" dirty="0" smtClean="0"/>
+                        <a:t>D</a:t>
                       </a:r>
+                      <a:endParaRPr lang="en-US" sz="1200" b="1" dirty="0"/>
                     </a:p>
                   </a:txBody>
-                  <a:tcPr anchor="ctr">
+                  <a:tcPr>
                     <a:lnL w="12700" cap="flat" cmpd="sng" algn="ctr">
                       <a:solidFill>
                         <a:schemeClr val="tx1"/>
@@ -39568,6 +43232,9 @@
                       <a:noFill/>
                       <a:prstDash val="solid"/>
                     </a:lnBlToTr>
+                    <a:solidFill>
+                      <a:srgbClr val="FFFF00"/>
+                    </a:solidFill>
                   </a:tcPr>
                 </a:tc>
                 <a:tc>
@@ -39575,109 +43242,9 @@
                     <a:bodyPr/>
                     <a:lstStyle/>
                     <a:p>
-                      <a:r>
-                        <a:rPr lang="en-US" sz="1200" dirty="0" smtClean="0">
-                          <a:solidFill>
-                            <a:schemeClr val="tx1"/>
-                          </a:solidFill>
-                        </a:rPr>
-                        <a:t>Request for</a:t>
-                      </a:r>
-                      <a:r>
-                        <a:rPr lang="en-US" sz="1200" baseline="0" dirty="0" smtClean="0">
-                          <a:solidFill>
-                            <a:schemeClr val="tx1"/>
-                          </a:solidFill>
-                        </a:rPr>
-                        <a:t> form/template</a:t>
-                      </a:r>
-                    </a:p>
-                  </a:txBody>
-                  <a:tcPr anchor="ctr">
-                    <a:lnL w="12700" cap="flat" cmpd="sng" algn="ctr">
-                      <a:solidFill>
-                        <a:schemeClr val="tx1"/>
-                      </a:solidFill>
-                      <a:prstDash val="solid"/>
-                      <a:round/>
-                      <a:headEnd type="none" w="med" len="med"/>
-                      <a:tailEnd type="none" w="med" len="med"/>
-                    </a:lnL>
-                    <a:lnR w="12700" cap="flat" cmpd="sng" algn="ctr">
-                      <a:solidFill>
-                        <a:schemeClr val="tx1"/>
-                      </a:solidFill>
-                      <a:prstDash val="solid"/>
-                      <a:round/>
-                      <a:headEnd type="none" w="med" len="med"/>
-                      <a:tailEnd type="none" w="med" len="med"/>
-                    </a:lnR>
-                    <a:lnT w="12700" cap="flat" cmpd="sng" algn="ctr">
-                      <a:solidFill>
-                        <a:schemeClr val="tx1"/>
-                      </a:solidFill>
-                      <a:prstDash val="solid"/>
-                      <a:round/>
-                      <a:headEnd type="none" w="med" len="med"/>
-                      <a:tailEnd type="none" w="med" len="med"/>
-                    </a:lnT>
-                    <a:lnB w="12700" cap="flat" cmpd="sng" algn="ctr">
-                      <a:solidFill>
-                        <a:schemeClr val="tx1"/>
-                      </a:solidFill>
-                      <a:prstDash val="solid"/>
-                      <a:round/>
-                      <a:headEnd type="none" w="med" len="med"/>
-                      <a:tailEnd type="none" w="med" len="med"/>
-                    </a:lnB>
-                    <a:lnTlToBr w="12700" cmpd="sng">
-                      <a:noFill/>
-                      <a:prstDash val="solid"/>
-                    </a:lnTlToBr>
-                    <a:lnBlToTr w="12700" cmpd="sng">
-                      <a:noFill/>
-                      <a:prstDash val="solid"/>
-                    </a:lnBlToTr>
-                  </a:tcPr>
-                </a:tc>
-                <a:tc>
-                  <a:txBody>
-                    <a:bodyPr/>
-                    <a:lstStyle/>
-                    <a:p>
-                      <a:pPr marL="171450" indent="-171450" algn="l">
-                        <a:buFont typeface="Arial" pitchFamily="34" charset="0"/>
-                        <a:buChar char="•"/>
-                      </a:pPr>
-                      <a:r>
-                        <a:rPr lang="en-US" sz="1200" baseline="0" dirty="0" smtClean="0"/>
-                        <a:t>CDA R2</a:t>
-                      </a:r>
-                    </a:p>
-                    <a:p>
-                      <a:pPr marL="171450" indent="-171450" algn="l">
-                        <a:buFont typeface="Arial" pitchFamily="34" charset="0"/>
-                        <a:buChar char="•"/>
-                      </a:pPr>
-                      <a:r>
-                        <a:rPr lang="en-US" sz="1200" baseline="0" dirty="0" smtClean="0"/>
-                        <a:t>C-CDA</a:t>
-                      </a:r>
-                    </a:p>
-                    <a:p>
-                      <a:pPr marL="171450" indent="-171450" algn="l">
-                        <a:buFont typeface="Arial" pitchFamily="34" charset="0"/>
-                        <a:buChar char="•"/>
-                      </a:pPr>
-                      <a:r>
-                        <a:rPr lang="en-US" sz="1200" baseline="0" dirty="0" smtClean="0"/>
-                        <a:t>ICSR</a:t>
-                      </a:r>
-                    </a:p>
-                    <a:p>
-                      <a:pPr marL="171450" marR="0" indent="-171450" algn="l" defTabSz="457200" rtl="0" eaLnBrk="1" fontAlgn="auto" latinLnBrk="0" hangingPunct="1">
+                      <a:pPr marL="0" marR="0" lvl="0" indent="0">
                         <a:lnSpc>
-                          <a:spcPct val="100000"/>
+                          <a:spcPct val="115000"/>
                         </a:lnSpc>
                         <a:spcBef>
                           <a:spcPts val="0"/>
@@ -39685,1293 +43252,23 @@
                         <a:spcAft>
                           <a:spcPts val="0"/>
                         </a:spcAft>
-                        <a:buClrTx/>
-                        <a:buSzTx/>
-                        <a:buFont typeface="Arial" pitchFamily="34" charset="0"/>
-                        <a:buChar char="•"/>
-                        <a:tabLst/>
-                        <a:defRPr/>
+                        <a:buFont typeface="+mj-lt"/>
+                        <a:buNone/>
                       </a:pPr>
                       <a:r>
-                        <a:rPr lang="en-US" sz="1200" baseline="0" dirty="0" smtClean="0"/>
-                        <a:t>RFD</a:t>
+                        <a:rPr lang="zh-CN" altLang="en-US" sz="1200" b="1" smtClean="0">
+                          <a:effectLst/>
+                          <a:latin typeface="Calibri"/>
+                          <a:ea typeface="Calibri"/>
+                          <a:cs typeface="Times New Roman"/>
+                        </a:rPr>
+                        <a:t>自动赋值</a:t>
                       </a:r>
-                    </a:p>
-                    <a:p>
-                      <a:pPr marL="171450" marR="0" indent="-171450" algn="l" defTabSz="457200" rtl="0" eaLnBrk="1" fontAlgn="auto" latinLnBrk="0" hangingPunct="1">
-                        <a:lnSpc>
-                          <a:spcPct val="100000"/>
-                        </a:lnSpc>
-                        <a:spcBef>
-                          <a:spcPts val="0"/>
-                        </a:spcBef>
-                        <a:spcAft>
-                          <a:spcPts val="0"/>
-                        </a:spcAft>
-                        <a:buClrTx/>
-                        <a:buSzTx/>
-                        <a:buFont typeface="Arial" pitchFamily="34" charset="0"/>
-                        <a:buChar char="•"/>
-                        <a:tabLst/>
-                        <a:defRPr/>
-                      </a:pPr>
-                      <a:r>
-                        <a:rPr lang="en-US" sz="1200" baseline="0" dirty="0" smtClean="0"/>
-                        <a:t>XUA</a:t>
-                      </a:r>
-                    </a:p>
-                    <a:p>
-                      <a:pPr marL="171450" marR="0" indent="-171450" algn="l" defTabSz="457200" rtl="0" eaLnBrk="1" fontAlgn="auto" latinLnBrk="0" hangingPunct="1">
-                        <a:lnSpc>
-                          <a:spcPct val="100000"/>
-                        </a:lnSpc>
-                        <a:spcBef>
-                          <a:spcPts val="0"/>
-                        </a:spcBef>
-                        <a:spcAft>
-                          <a:spcPts val="0"/>
-                        </a:spcAft>
-                        <a:buClrTx/>
-                        <a:buSzTx/>
-                        <a:buFont typeface="Arial" pitchFamily="34" charset="0"/>
-                        <a:buChar char="•"/>
-                        <a:tabLst/>
-                        <a:defRPr/>
-                      </a:pPr>
-                      <a:r>
-                        <a:rPr lang="en-US" sz="1200" baseline="0" dirty="0" smtClean="0"/>
-                        <a:t>RPE</a:t>
-                      </a:r>
-                    </a:p>
-                  </a:txBody>
-                  <a:tcPr anchor="ctr">
-                    <a:lnL w="12700" cap="flat" cmpd="sng" algn="ctr">
-                      <a:solidFill>
-                        <a:schemeClr val="tx1"/>
-                      </a:solidFill>
-                      <a:prstDash val="solid"/>
-                      <a:round/>
-                      <a:headEnd type="none" w="med" len="med"/>
-                      <a:tailEnd type="none" w="med" len="med"/>
-                    </a:lnL>
-                    <a:lnR w="12700" cap="flat" cmpd="sng" algn="ctr">
-                      <a:solidFill>
-                        <a:srgbClr val="D0D8E8"/>
-                      </a:solidFill>
-                      <a:prstDash val="solid"/>
-                      <a:round/>
-                      <a:headEnd type="none" w="med" len="med"/>
-                      <a:tailEnd type="none" w="med" len="med"/>
-                    </a:lnR>
-                    <a:lnT w="12700" cap="flat" cmpd="sng" algn="ctr">
-                      <a:solidFill>
-                        <a:schemeClr val="tx1"/>
-                      </a:solidFill>
-                      <a:prstDash val="solid"/>
-                      <a:round/>
-                      <a:headEnd type="none" w="med" len="med"/>
-                      <a:tailEnd type="none" w="med" len="med"/>
-                    </a:lnT>
-                    <a:lnB w="12700" cap="flat" cmpd="sng" algn="ctr">
-                      <a:solidFill>
-                        <a:schemeClr val="tx1"/>
-                      </a:solidFill>
-                      <a:prstDash val="solid"/>
-                      <a:round/>
-                      <a:headEnd type="none" w="med" len="med"/>
-                      <a:tailEnd type="none" w="med" len="med"/>
-                    </a:lnB>
-                    <a:lnTlToBr w="12700" cmpd="sng">
-                      <a:noFill/>
-                      <a:prstDash val="solid"/>
-                    </a:lnTlToBr>
-                    <a:lnBlToTr w="12700" cmpd="sng">
-                      <a:noFill/>
-                      <a:prstDash val="solid"/>
-                    </a:lnBlToTr>
-                  </a:tcPr>
-                </a:tc>
-                <a:tc>
-                  <a:txBody>
-                    <a:bodyPr/>
-                    <a:lstStyle/>
-                    <a:p>
-                      <a:pPr marL="171450" indent="-171450" algn="l">
-                        <a:buFont typeface="Arial" pitchFamily="34" charset="0"/>
-                        <a:buChar char="•"/>
-                      </a:pPr>
-                      <a:r>
-                        <a:rPr lang="en-US" sz="1200" baseline="0" dirty="0" smtClean="0"/>
-                        <a:t>CAP 135</a:t>
-                      </a:r>
-                    </a:p>
-                    <a:p>
-                      <a:pPr marL="171450" indent="-171450" algn="l">
-                        <a:buFont typeface="Arial" pitchFamily="34" charset="0"/>
-                        <a:buChar char="•"/>
-                      </a:pPr>
-                      <a:r>
-                        <a:rPr lang="en-US" sz="1200" baseline="0" dirty="0" smtClean="0"/>
-                        <a:t>CTS2</a:t>
-                      </a:r>
-                    </a:p>
-                    <a:p>
-                      <a:pPr marL="171450" indent="-171450" algn="l">
-                        <a:buFont typeface="Arial" pitchFamily="34" charset="0"/>
-                        <a:buChar char="•"/>
-                      </a:pPr>
-                      <a:r>
-                        <a:rPr lang="en-US" sz="1200" baseline="0" dirty="0" smtClean="0"/>
-                        <a:t>ODM</a:t>
-                      </a:r>
-                    </a:p>
-                    <a:p>
-                      <a:pPr marL="171450" indent="-171450" algn="l">
-                        <a:buFont typeface="Arial" pitchFamily="34" charset="0"/>
-                        <a:buChar char="•"/>
-                      </a:pPr>
-                      <a:r>
-                        <a:rPr lang="en-US" sz="1200" baseline="0" dirty="0" smtClean="0"/>
-                        <a:t>XD*</a:t>
-                      </a:r>
-                    </a:p>
-                    <a:p>
-                      <a:pPr marL="171450" marR="0" indent="-171450" algn="l" defTabSz="457200" rtl="0" eaLnBrk="1" fontAlgn="auto" latinLnBrk="0" hangingPunct="1">
-                        <a:lnSpc>
-                          <a:spcPct val="100000"/>
-                        </a:lnSpc>
-                        <a:spcBef>
-                          <a:spcPts val="0"/>
-                        </a:spcBef>
-                        <a:spcAft>
-                          <a:spcPts val="0"/>
-                        </a:spcAft>
-                        <a:buClrTx/>
-                        <a:buSzTx/>
-                        <a:buFont typeface="Arial" pitchFamily="34" charset="0"/>
-                        <a:buChar char="•"/>
-                        <a:tabLst/>
-                        <a:defRPr/>
-                      </a:pPr>
-                      <a:r>
-                        <a:rPr lang="en-US" sz="1200" baseline="0" dirty="0" smtClean="0"/>
-                        <a:t>ISO/IEC 11179</a:t>
-                      </a:r>
-                    </a:p>
-                  </a:txBody>
-                  <a:tcPr anchor="ctr">
-                    <a:lnL w="12700" cap="flat" cmpd="sng" algn="ctr">
-                      <a:solidFill>
-                        <a:srgbClr val="D0D8E8"/>
-                      </a:solidFill>
-                      <a:prstDash val="solid"/>
-                      <a:round/>
-                      <a:headEnd type="none" w="med" len="med"/>
-                      <a:tailEnd type="none" w="med" len="med"/>
-                    </a:lnL>
-                    <a:lnR w="12700" cap="flat" cmpd="sng" algn="ctr">
-                      <a:solidFill>
-                        <a:schemeClr val="tx1"/>
-                      </a:solidFill>
-                      <a:prstDash val="solid"/>
-                      <a:round/>
-                      <a:headEnd type="none" w="med" len="med"/>
-                      <a:tailEnd type="none" w="med" len="med"/>
-                    </a:lnR>
-                    <a:lnT w="12700" cap="flat" cmpd="sng" algn="ctr">
-                      <a:solidFill>
-                        <a:schemeClr val="tx1"/>
-                      </a:solidFill>
-                      <a:prstDash val="solid"/>
-                      <a:round/>
-                      <a:headEnd type="none" w="med" len="med"/>
-                      <a:tailEnd type="none" w="med" len="med"/>
-                    </a:lnT>
-                    <a:lnB w="12700" cap="flat" cmpd="sng" algn="ctr">
-                      <a:solidFill>
-                        <a:schemeClr val="tx1"/>
-                      </a:solidFill>
-                      <a:prstDash val="solid"/>
-                      <a:round/>
-                      <a:headEnd type="none" w="med" len="med"/>
-                      <a:tailEnd type="none" w="med" len="med"/>
-                    </a:lnB>
-                    <a:lnTlToBr w="12700" cmpd="sng">
-                      <a:noFill/>
-                      <a:prstDash val="solid"/>
-                    </a:lnTlToBr>
-                    <a:lnBlToTr w="12700" cmpd="sng">
-                      <a:noFill/>
-                      <a:prstDash val="solid"/>
-                    </a:lnBlToTr>
-                  </a:tcPr>
-                </a:tc>
-                <a:tc rowSpan="4">
-                  <a:txBody>
-                    <a:bodyPr/>
-                    <a:lstStyle/>
-                    <a:p>
-                      <a:pPr marL="171450" marR="0" indent="-171450" algn="l" defTabSz="457200" rtl="0" eaLnBrk="1" fontAlgn="auto" latinLnBrk="0" hangingPunct="1">
-                        <a:lnSpc>
-                          <a:spcPct val="100000"/>
-                        </a:lnSpc>
-                        <a:spcBef>
-                          <a:spcPts val="0"/>
-                        </a:spcBef>
-                        <a:spcAft>
-                          <a:spcPts val="0"/>
-                        </a:spcAft>
-                        <a:buClrTx/>
-                        <a:buSzTx/>
-                        <a:buFont typeface="Arial" pitchFamily="34" charset="0"/>
-                        <a:buChar char="•"/>
-                        <a:tabLst/>
-                        <a:defRPr/>
-                      </a:pPr>
-                      <a:r>
-                        <a:rPr lang="en-US" sz="1200" baseline="0" dirty="0" smtClean="0"/>
-                        <a:t>Common Formats</a:t>
-                      </a:r>
-                    </a:p>
-                    <a:p>
-                      <a:pPr marL="171450" marR="0" indent="-171450" algn="l" defTabSz="457200" rtl="0" eaLnBrk="1" fontAlgn="auto" latinLnBrk="0" hangingPunct="1">
-                        <a:lnSpc>
-                          <a:spcPct val="100000"/>
-                        </a:lnSpc>
-                        <a:spcBef>
-                          <a:spcPts val="0"/>
-                        </a:spcBef>
-                        <a:spcAft>
-                          <a:spcPts val="0"/>
-                        </a:spcAft>
-                        <a:buClrTx/>
-                        <a:buSzTx/>
-                        <a:buFont typeface="Arial" pitchFamily="34" charset="0"/>
-                        <a:buChar char="•"/>
-                        <a:tabLst/>
-                        <a:defRPr/>
-                      </a:pPr>
-                      <a:r>
-                        <a:rPr lang="en-US" sz="1200" baseline="0" dirty="0" smtClean="0"/>
-                        <a:t>CPT</a:t>
-                      </a:r>
-                    </a:p>
-                    <a:p>
-                      <a:pPr marL="171450" marR="0" indent="-171450" algn="l" defTabSz="457200" rtl="0" eaLnBrk="1" fontAlgn="auto" latinLnBrk="0" hangingPunct="1">
-                        <a:lnSpc>
-                          <a:spcPct val="100000"/>
-                        </a:lnSpc>
-                        <a:spcBef>
-                          <a:spcPts val="0"/>
-                        </a:spcBef>
-                        <a:spcAft>
-                          <a:spcPts val="0"/>
-                        </a:spcAft>
-                        <a:buClrTx/>
-                        <a:buSzTx/>
-                        <a:buFont typeface="Arial" pitchFamily="34" charset="0"/>
-                        <a:buChar char="•"/>
-                        <a:tabLst/>
-                        <a:defRPr/>
-                      </a:pPr>
-                      <a:r>
-                        <a:rPr lang="en-US" sz="1200" baseline="0" dirty="0" smtClean="0"/>
-                        <a:t>CVX</a:t>
-                      </a:r>
-                    </a:p>
-                    <a:p>
-                      <a:pPr marL="171450" marR="0" indent="-171450" algn="l" defTabSz="457200" rtl="0" eaLnBrk="1" fontAlgn="auto" latinLnBrk="0" hangingPunct="1">
-                        <a:lnSpc>
-                          <a:spcPct val="100000"/>
-                        </a:lnSpc>
-                        <a:spcBef>
-                          <a:spcPts val="0"/>
-                        </a:spcBef>
-                        <a:spcAft>
-                          <a:spcPts val="0"/>
-                        </a:spcAft>
-                        <a:buClrTx/>
-                        <a:buSzTx/>
-                        <a:buFont typeface="Arial" pitchFamily="34" charset="0"/>
-                        <a:buChar char="•"/>
-                        <a:tabLst/>
-                        <a:defRPr/>
-                      </a:pPr>
-                      <a:r>
-                        <a:rPr lang="en-US" sz="1200" baseline="0" dirty="0" smtClean="0"/>
-                        <a:t>MVX</a:t>
-                      </a:r>
-                    </a:p>
-                    <a:p>
-                      <a:pPr marL="171450" marR="0" indent="-171450" algn="l" defTabSz="457200" rtl="0" eaLnBrk="1" fontAlgn="auto" latinLnBrk="0" hangingPunct="1">
-                        <a:lnSpc>
-                          <a:spcPct val="100000"/>
-                        </a:lnSpc>
-                        <a:spcBef>
-                          <a:spcPts val="0"/>
-                        </a:spcBef>
-                        <a:spcAft>
-                          <a:spcPts val="0"/>
-                        </a:spcAft>
-                        <a:buClrTx/>
-                        <a:buSzTx/>
-                        <a:buFont typeface="Arial" pitchFamily="34" charset="0"/>
-                        <a:buChar char="•"/>
-                        <a:tabLst/>
-                        <a:defRPr/>
-                      </a:pPr>
-                      <a:r>
-                        <a:rPr lang="en-US" sz="1200" baseline="0" dirty="0" smtClean="0"/>
-                        <a:t>PHIN-VADS</a:t>
-                      </a:r>
-                    </a:p>
-                    <a:p>
-                      <a:pPr marL="171450" marR="0" indent="-171450" algn="l" defTabSz="457200" rtl="0" eaLnBrk="1" fontAlgn="auto" latinLnBrk="0" hangingPunct="1">
-                        <a:lnSpc>
-                          <a:spcPct val="100000"/>
-                        </a:lnSpc>
-                        <a:spcBef>
-                          <a:spcPts val="0"/>
-                        </a:spcBef>
-                        <a:spcAft>
-                          <a:spcPts val="0"/>
-                        </a:spcAft>
-                        <a:buClrTx/>
-                        <a:buSzTx/>
-                        <a:buFont typeface="Arial" pitchFamily="34" charset="0"/>
-                        <a:buChar char="•"/>
-                        <a:tabLst/>
-                        <a:defRPr/>
-                      </a:pPr>
-                      <a:r>
-                        <a:rPr lang="en-US" sz="1200" baseline="0" dirty="0" smtClean="0"/>
-                        <a:t>HCPCS</a:t>
-                      </a:r>
-                    </a:p>
-                    <a:p>
-                      <a:pPr marL="171450" marR="0" indent="-171450" algn="l" defTabSz="457200" rtl="0" eaLnBrk="1" fontAlgn="auto" latinLnBrk="0" hangingPunct="1">
-                        <a:lnSpc>
-                          <a:spcPct val="100000"/>
-                        </a:lnSpc>
-                        <a:spcBef>
-                          <a:spcPts val="0"/>
-                        </a:spcBef>
-                        <a:spcAft>
-                          <a:spcPts val="0"/>
-                        </a:spcAft>
-                        <a:buClrTx/>
-                        <a:buSzTx/>
-                        <a:buFont typeface="Arial" pitchFamily="34" charset="0"/>
-                        <a:buChar char="•"/>
-                        <a:tabLst/>
-                        <a:defRPr/>
-                      </a:pPr>
-                      <a:r>
-                        <a:rPr lang="en-US" sz="1200" baseline="0" dirty="0" smtClean="0"/>
-                        <a:t>ICD-9-CM</a:t>
-                      </a:r>
-                    </a:p>
-                    <a:p>
-                      <a:pPr marL="171450" marR="0" indent="-171450" algn="l" defTabSz="457200" rtl="0" eaLnBrk="1" fontAlgn="auto" latinLnBrk="0" hangingPunct="1">
-                        <a:lnSpc>
-                          <a:spcPct val="100000"/>
-                        </a:lnSpc>
-                        <a:spcBef>
-                          <a:spcPts val="0"/>
-                        </a:spcBef>
-                        <a:spcAft>
-                          <a:spcPts val="0"/>
-                        </a:spcAft>
-                        <a:buClrTx/>
-                        <a:buSzTx/>
-                        <a:buFont typeface="Arial" pitchFamily="34" charset="0"/>
-                        <a:buChar char="•"/>
-                        <a:tabLst/>
-                        <a:defRPr/>
-                      </a:pPr>
-                      <a:r>
-                        <a:rPr lang="en-US" sz="1200" baseline="0" dirty="0" smtClean="0"/>
-                        <a:t>ICD-10-CM</a:t>
-                      </a:r>
-                    </a:p>
-                    <a:p>
-                      <a:pPr marL="171450" marR="0" indent="-171450" algn="l" defTabSz="457200" rtl="0" eaLnBrk="1" fontAlgn="auto" latinLnBrk="0" hangingPunct="1">
-                        <a:lnSpc>
-                          <a:spcPct val="100000"/>
-                        </a:lnSpc>
-                        <a:spcBef>
-                          <a:spcPts val="0"/>
-                        </a:spcBef>
-                        <a:spcAft>
-                          <a:spcPts val="0"/>
-                        </a:spcAft>
-                        <a:buClrTx/>
-                        <a:buSzTx/>
-                        <a:buFont typeface="Arial" pitchFamily="34" charset="0"/>
-                        <a:buChar char="•"/>
-                        <a:tabLst/>
-                        <a:defRPr/>
-                      </a:pPr>
-                      <a:r>
-                        <a:rPr lang="en-US" sz="1200" baseline="0" dirty="0" smtClean="0"/>
-                        <a:t>ICD-10-PCS</a:t>
-                      </a:r>
-                    </a:p>
-                    <a:p>
-                      <a:pPr marL="171450" marR="0" indent="-171450" algn="l" defTabSz="457200" rtl="0" eaLnBrk="1" fontAlgn="auto" latinLnBrk="0" hangingPunct="1">
-                        <a:lnSpc>
-                          <a:spcPct val="100000"/>
-                        </a:lnSpc>
-                        <a:spcBef>
-                          <a:spcPts val="0"/>
-                        </a:spcBef>
-                        <a:spcAft>
-                          <a:spcPts val="0"/>
-                        </a:spcAft>
-                        <a:buClrTx/>
-                        <a:buSzTx/>
-                        <a:buFont typeface="Arial" pitchFamily="34" charset="0"/>
-                        <a:buChar char="•"/>
-                        <a:tabLst/>
-                        <a:defRPr/>
-                      </a:pPr>
-                      <a:r>
-                        <a:rPr lang="en-US" sz="1200" baseline="0" dirty="0" smtClean="0"/>
-                        <a:t>LOINC</a:t>
-                      </a:r>
-                    </a:p>
-                    <a:p>
-                      <a:pPr marL="171450" marR="0" indent="-171450" algn="l" defTabSz="457200" rtl="0" eaLnBrk="1" fontAlgn="auto" latinLnBrk="0" hangingPunct="1">
-                        <a:lnSpc>
-                          <a:spcPct val="100000"/>
-                        </a:lnSpc>
-                        <a:spcBef>
-                          <a:spcPts val="0"/>
-                        </a:spcBef>
-                        <a:spcAft>
-                          <a:spcPts val="0"/>
-                        </a:spcAft>
-                        <a:buClrTx/>
-                        <a:buSzTx/>
-                        <a:buFont typeface="Arial" pitchFamily="34" charset="0"/>
-                        <a:buChar char="•"/>
-                        <a:tabLst/>
-                        <a:defRPr/>
-                      </a:pPr>
-                      <a:r>
-                        <a:rPr lang="en-US" sz="1200" baseline="0" dirty="0" smtClean="0"/>
-                        <a:t>UCUM</a:t>
-                      </a:r>
-                    </a:p>
-                    <a:p>
-                      <a:pPr marL="171450" marR="0" indent="-171450" algn="l" defTabSz="457200" rtl="0" eaLnBrk="1" fontAlgn="auto" latinLnBrk="0" hangingPunct="1">
-                        <a:lnSpc>
-                          <a:spcPct val="100000"/>
-                        </a:lnSpc>
-                        <a:spcBef>
-                          <a:spcPts val="0"/>
-                        </a:spcBef>
-                        <a:spcAft>
-                          <a:spcPts val="0"/>
-                        </a:spcAft>
-                        <a:buClrTx/>
-                        <a:buSzTx/>
-                        <a:buFont typeface="Arial" pitchFamily="34" charset="0"/>
-                        <a:buChar char="•"/>
-                        <a:tabLst/>
-                        <a:defRPr/>
-                      </a:pPr>
-                      <a:r>
-                        <a:rPr lang="en-US" sz="1200" baseline="0" dirty="0" smtClean="0"/>
-                        <a:t>Multilex DDF</a:t>
-                      </a:r>
-                    </a:p>
-                    <a:p>
-                      <a:pPr marL="171450" marR="0" indent="-171450" algn="l" defTabSz="457200" rtl="0" eaLnBrk="1" fontAlgn="auto" latinLnBrk="0" hangingPunct="1">
-                        <a:lnSpc>
-                          <a:spcPct val="100000"/>
-                        </a:lnSpc>
-                        <a:spcBef>
-                          <a:spcPts val="0"/>
-                        </a:spcBef>
-                        <a:spcAft>
-                          <a:spcPts val="0"/>
-                        </a:spcAft>
-                        <a:buClrTx/>
-                        <a:buSzTx/>
-                        <a:buFont typeface="Arial" pitchFamily="34" charset="0"/>
-                        <a:buChar char="•"/>
-                        <a:tabLst/>
-                        <a:defRPr/>
-                      </a:pPr>
-                      <a:r>
-                        <a:rPr lang="en-US" sz="1200" baseline="0" dirty="0" smtClean="0"/>
-                        <a:t>NDC</a:t>
-                      </a:r>
-                    </a:p>
-                    <a:p>
-                      <a:pPr marL="171450" marR="0" indent="-171450" algn="l" defTabSz="457200" rtl="0" eaLnBrk="1" fontAlgn="auto" latinLnBrk="0" hangingPunct="1">
-                        <a:lnSpc>
-                          <a:spcPct val="100000"/>
-                        </a:lnSpc>
-                        <a:spcBef>
-                          <a:spcPts val="0"/>
-                        </a:spcBef>
-                        <a:spcAft>
-                          <a:spcPts val="0"/>
-                        </a:spcAft>
-                        <a:buClrTx/>
-                        <a:buSzTx/>
-                        <a:buFont typeface="Arial" pitchFamily="34" charset="0"/>
-                        <a:buChar char="•"/>
-                        <a:tabLst/>
-                        <a:defRPr/>
-                      </a:pPr>
-                      <a:r>
-                        <a:rPr lang="en-US" sz="1200" baseline="0" dirty="0" smtClean="0"/>
-                        <a:t>C80</a:t>
-                      </a:r>
-                    </a:p>
-                    <a:p>
-                      <a:pPr marL="171450" marR="0" indent="-171450" algn="l" defTabSz="457200" rtl="0" eaLnBrk="1" fontAlgn="auto" latinLnBrk="0" hangingPunct="1">
-                        <a:lnSpc>
-                          <a:spcPct val="100000"/>
-                        </a:lnSpc>
-                        <a:spcBef>
-                          <a:spcPts val="0"/>
-                        </a:spcBef>
-                        <a:spcAft>
-                          <a:spcPts val="0"/>
-                        </a:spcAft>
-                        <a:buClrTx/>
-                        <a:buSzTx/>
-                        <a:buFont typeface="Arial" pitchFamily="34" charset="0"/>
-                        <a:buChar char="•"/>
-                        <a:tabLst/>
-                        <a:defRPr/>
-                      </a:pPr>
-                      <a:r>
-                        <a:rPr lang="en-US" sz="1200" baseline="0" dirty="0" smtClean="0"/>
-                        <a:t>C154</a:t>
-                      </a:r>
-                    </a:p>
-                    <a:p>
-                      <a:pPr marL="171450" marR="0" indent="-171450" algn="l" defTabSz="457200" rtl="0" eaLnBrk="1" fontAlgn="auto" latinLnBrk="0" hangingPunct="1">
-                        <a:lnSpc>
-                          <a:spcPct val="100000"/>
-                        </a:lnSpc>
-                        <a:spcBef>
-                          <a:spcPts val="0"/>
-                        </a:spcBef>
-                        <a:spcAft>
-                          <a:spcPts val="0"/>
-                        </a:spcAft>
-                        <a:buClrTx/>
-                        <a:buSzTx/>
-                        <a:buFont typeface="Arial" pitchFamily="34" charset="0"/>
-                        <a:buChar char="•"/>
-                        <a:tabLst/>
-                        <a:defRPr/>
-                      </a:pPr>
-                      <a:r>
-                        <a:rPr lang="en-US" sz="1200" baseline="0" dirty="0" smtClean="0"/>
-                        <a:t>SNOMED-CT</a:t>
-                      </a:r>
-                    </a:p>
-                    <a:p>
-                      <a:pPr marL="171450" marR="0" indent="-171450" algn="l" defTabSz="457200" rtl="0" eaLnBrk="1" fontAlgn="auto" latinLnBrk="0" hangingPunct="1">
-                        <a:lnSpc>
-                          <a:spcPct val="100000"/>
-                        </a:lnSpc>
-                        <a:spcBef>
-                          <a:spcPts val="0"/>
-                        </a:spcBef>
-                        <a:spcAft>
-                          <a:spcPts val="0"/>
-                        </a:spcAft>
-                        <a:buClrTx/>
-                        <a:buSzTx/>
-                        <a:buFont typeface="Arial" pitchFamily="34" charset="0"/>
-                        <a:buChar char="•"/>
-                        <a:tabLst/>
-                        <a:defRPr/>
-                      </a:pPr>
-                      <a:r>
-                        <a:rPr lang="en-US" sz="1200" baseline="0" dirty="0" smtClean="0"/>
-                        <a:t>MEDCIN</a:t>
-                      </a:r>
-                    </a:p>
-                    <a:p>
-                      <a:pPr marL="171450" marR="0" indent="-171450" algn="l" defTabSz="457200" rtl="0" eaLnBrk="1" fontAlgn="auto" latinLnBrk="0" hangingPunct="1">
-                        <a:lnSpc>
-                          <a:spcPct val="100000"/>
-                        </a:lnSpc>
-                        <a:spcBef>
-                          <a:spcPts val="0"/>
-                        </a:spcBef>
-                        <a:spcAft>
-                          <a:spcPts val="0"/>
-                        </a:spcAft>
-                        <a:buClrTx/>
-                        <a:buSzTx/>
-                        <a:buFont typeface="Arial" pitchFamily="34" charset="0"/>
-                        <a:buChar char="•"/>
-                        <a:tabLst/>
-                        <a:defRPr/>
-                      </a:pPr>
-                      <a:r>
-                        <a:rPr lang="en-US" sz="1200" baseline="0" dirty="0" smtClean="0"/>
-                        <a:t>UMLS</a:t>
-                      </a:r>
-                    </a:p>
-                    <a:p>
-                      <a:pPr marL="171450" marR="0" indent="-171450" algn="l" defTabSz="457200" rtl="0" eaLnBrk="1" fontAlgn="auto" latinLnBrk="0" hangingPunct="1">
-                        <a:lnSpc>
-                          <a:spcPct val="100000"/>
-                        </a:lnSpc>
-                        <a:spcBef>
-                          <a:spcPts val="0"/>
-                        </a:spcBef>
-                        <a:spcAft>
-                          <a:spcPts val="0"/>
-                        </a:spcAft>
-                        <a:buClrTx/>
-                        <a:buSzTx/>
-                        <a:buFont typeface="Arial" pitchFamily="34" charset="0"/>
-                        <a:buChar char="•"/>
-                        <a:tabLst/>
-                        <a:defRPr/>
-                      </a:pPr>
-                      <a:r>
-                        <a:rPr lang="en-US" sz="1200" baseline="0" dirty="0" err="1" smtClean="0"/>
-                        <a:t>RxNORM</a:t>
-                      </a:r>
-                      <a:endParaRPr lang="en-US" sz="1200" baseline="0" dirty="0" smtClean="0"/>
-                    </a:p>
-                    <a:p>
-                      <a:pPr marL="171450" marR="0" indent="-171450" algn="l" defTabSz="457200" rtl="0" eaLnBrk="1" fontAlgn="auto" latinLnBrk="0" hangingPunct="1">
-                        <a:lnSpc>
-                          <a:spcPct val="100000"/>
-                        </a:lnSpc>
-                        <a:spcBef>
-                          <a:spcPts val="0"/>
-                        </a:spcBef>
-                        <a:spcAft>
-                          <a:spcPts val="0"/>
-                        </a:spcAft>
-                        <a:buClrTx/>
-                        <a:buSzTx/>
-                        <a:buFont typeface="Arial" pitchFamily="34" charset="0"/>
-                        <a:buChar char="•"/>
-                        <a:tabLst/>
-                        <a:defRPr/>
-                      </a:pPr>
-                      <a:r>
-                        <a:rPr lang="en-US" sz="1200" baseline="0" dirty="0" smtClean="0"/>
-                        <a:t>MedDRA</a:t>
-                      </a:r>
-                    </a:p>
-                    <a:p>
-                      <a:pPr marL="171450" marR="0" indent="-171450" algn="l" defTabSz="457200" rtl="0" eaLnBrk="1" fontAlgn="auto" latinLnBrk="0" hangingPunct="1">
-                        <a:lnSpc>
-                          <a:spcPct val="100000"/>
-                        </a:lnSpc>
-                        <a:spcBef>
-                          <a:spcPts val="0"/>
-                        </a:spcBef>
-                        <a:spcAft>
-                          <a:spcPts val="0"/>
-                        </a:spcAft>
-                        <a:buClrTx/>
-                        <a:buSzTx/>
-                        <a:buFont typeface="Arial" pitchFamily="34" charset="0"/>
-                        <a:buChar char="•"/>
-                        <a:tabLst/>
-                        <a:defRPr/>
-                      </a:pPr>
-                      <a:r>
-                        <a:rPr lang="en-US" sz="1200" baseline="0" dirty="0" smtClean="0"/>
-                        <a:t>VSAC</a:t>
-                      </a:r>
-                    </a:p>
-                  </a:txBody>
-                  <a:tcPr anchor="ctr">
-                    <a:lnL w="12700" cap="flat" cmpd="sng" algn="ctr">
-                      <a:solidFill>
-                        <a:schemeClr val="tx1"/>
-                      </a:solidFill>
-                      <a:prstDash val="solid"/>
-                      <a:round/>
-                      <a:headEnd type="none" w="med" len="med"/>
-                      <a:tailEnd type="none" w="med" len="med"/>
-                    </a:lnL>
-                    <a:lnR w="12700" cap="flat" cmpd="sng" algn="ctr">
-                      <a:solidFill>
-                        <a:schemeClr val="tx1"/>
-                      </a:solidFill>
-                      <a:prstDash val="solid"/>
-                      <a:round/>
-                      <a:headEnd type="none" w="med" len="med"/>
-                      <a:tailEnd type="none" w="med" len="med"/>
-                    </a:lnR>
-                    <a:lnT w="12700" cap="flat" cmpd="sng" algn="ctr">
-                      <a:solidFill>
-                        <a:schemeClr val="tx1"/>
-                      </a:solidFill>
-                      <a:prstDash val="solid"/>
-                      <a:round/>
-                      <a:headEnd type="none" w="med" len="med"/>
-                      <a:tailEnd type="none" w="med" len="med"/>
-                    </a:lnT>
-                    <a:lnB w="12700" cap="flat" cmpd="sng" algn="ctr">
-                      <a:solidFill>
-                        <a:schemeClr val="tx1"/>
-                      </a:solidFill>
-                      <a:prstDash val="solid"/>
-                      <a:round/>
-                      <a:headEnd type="none" w="med" len="med"/>
-                      <a:tailEnd type="none" w="med" len="med"/>
-                    </a:lnB>
-                    <a:lnTlToBr w="12700" cmpd="sng">
-                      <a:noFill/>
-                      <a:prstDash val="solid"/>
-                    </a:lnTlToBr>
-                    <a:lnBlToTr w="12700" cmpd="sng">
-                      <a:noFill/>
-                      <a:prstDash val="solid"/>
-                    </a:lnBlToTr>
-                  </a:tcPr>
-                </a:tc>
-                <a:tc rowSpan="4">
-                  <a:txBody>
-                    <a:bodyPr/>
-                    <a:lstStyle/>
-                    <a:p>
-                      <a:pPr marL="0" indent="0" algn="l">
-                        <a:buFont typeface="Arial" pitchFamily="34" charset="0"/>
-                        <a:buNone/>
-                      </a:pPr>
-                      <a:endParaRPr lang="en-US" sz="1200" baseline="0" dirty="0" smtClean="0"/>
-                    </a:p>
-                    <a:p>
-                      <a:pPr marL="171450" indent="-171450" algn="l">
-                        <a:buFont typeface="Arial" pitchFamily="34" charset="0"/>
-                        <a:buChar char="•"/>
-                      </a:pPr>
-                      <a:r>
-                        <a:rPr lang="en-US" sz="1200" baseline="0" dirty="0" smtClean="0"/>
-                        <a:t>ODM (T)</a:t>
-                      </a:r>
-                    </a:p>
-                    <a:p>
-                      <a:pPr marL="171450" indent="-171450" algn="l">
-                        <a:buFont typeface="Arial" pitchFamily="34" charset="0"/>
-                        <a:buChar char="•"/>
-                      </a:pPr>
-                      <a:r>
-                        <a:rPr lang="en-US" sz="1200" baseline="0" dirty="0" smtClean="0"/>
-                        <a:t>XD* (T)</a:t>
-                      </a:r>
-                    </a:p>
-                    <a:p>
-                      <a:pPr marL="171450" indent="-171450" algn="l">
-                        <a:buFont typeface="Arial" pitchFamily="34" charset="0"/>
-                        <a:buChar char="•"/>
-                      </a:pPr>
-                      <a:r>
-                        <a:rPr lang="en-US" sz="1200" baseline="0" dirty="0" smtClean="0"/>
-                        <a:t>SOAP (T)</a:t>
-                      </a:r>
-                    </a:p>
-                    <a:p>
-                      <a:pPr marL="171450" marR="0" indent="-171450" algn="l" defTabSz="457200" rtl="0" eaLnBrk="1" fontAlgn="auto" latinLnBrk="0" hangingPunct="1">
-                        <a:lnSpc>
-                          <a:spcPct val="100000"/>
-                        </a:lnSpc>
-                        <a:spcBef>
-                          <a:spcPts val="0"/>
-                        </a:spcBef>
-                        <a:spcAft>
-                          <a:spcPts val="0"/>
-                        </a:spcAft>
-                        <a:buClrTx/>
-                        <a:buSzTx/>
-                        <a:buFont typeface="Arial" pitchFamily="34" charset="0"/>
-                        <a:buChar char="•"/>
-                        <a:tabLst/>
-                        <a:defRPr/>
-                      </a:pPr>
-                      <a:r>
-                        <a:rPr lang="en-US" sz="1200" baseline="0" dirty="0" smtClean="0"/>
-                        <a:t>REST (T)</a:t>
-                      </a:r>
-                    </a:p>
-                    <a:p>
-                      <a:pPr marL="171450" marR="0" indent="-171450" algn="l" defTabSz="457200" rtl="0" eaLnBrk="1" fontAlgn="auto" latinLnBrk="0" hangingPunct="1">
-                        <a:lnSpc>
-                          <a:spcPct val="100000"/>
-                        </a:lnSpc>
-                        <a:spcBef>
-                          <a:spcPts val="0"/>
-                        </a:spcBef>
-                        <a:spcAft>
-                          <a:spcPts val="0"/>
-                        </a:spcAft>
-                        <a:buClrTx/>
-                        <a:buSzTx/>
-                        <a:buFont typeface="Arial" pitchFamily="34" charset="0"/>
-                        <a:buChar char="•"/>
-                        <a:tabLst/>
-                        <a:defRPr/>
-                      </a:pPr>
-                      <a:r>
-                        <a:rPr lang="en-US" sz="1200" baseline="0" dirty="0" smtClean="0"/>
-                        <a:t>Direct  (T)</a:t>
-                      </a:r>
-                    </a:p>
-                    <a:p>
-                      <a:pPr marL="171450" indent="-171450" algn="l">
-                        <a:buFont typeface="Arial" pitchFamily="34" charset="0"/>
-                        <a:buChar char="•"/>
-                      </a:pPr>
-                      <a:r>
-                        <a:rPr lang="en-US" sz="1200" baseline="0" dirty="0" smtClean="0"/>
-                        <a:t>HTTPS (S)</a:t>
-                      </a:r>
-                    </a:p>
-                    <a:p>
-                      <a:pPr marL="171450" indent="-171450" algn="l">
-                        <a:buFont typeface="Arial" pitchFamily="34" charset="0"/>
-                        <a:buChar char="•"/>
-                      </a:pPr>
-                      <a:r>
-                        <a:rPr lang="en-US" sz="1200" baseline="0" dirty="0" smtClean="0"/>
-                        <a:t>TLS (S)</a:t>
-                      </a:r>
-                    </a:p>
-                    <a:p>
-                      <a:pPr marL="171450" indent="-171450" algn="l">
-                        <a:buFont typeface="Arial" pitchFamily="34" charset="0"/>
-                        <a:buChar char="•"/>
-                      </a:pPr>
-                      <a:r>
-                        <a:rPr lang="en-US" sz="1200" baseline="0" dirty="0" smtClean="0"/>
-                        <a:t>ATNA (S)</a:t>
-                      </a:r>
-                    </a:p>
-                    <a:p>
-                      <a:pPr marL="171450" indent="-171450" algn="l">
-                        <a:buFont typeface="Arial" pitchFamily="34" charset="0"/>
-                        <a:buChar char="•"/>
-                      </a:pPr>
-                      <a:r>
-                        <a:rPr lang="en-US" sz="1200" baseline="0" dirty="0" smtClean="0"/>
-                        <a:t>XUA (S)</a:t>
-                      </a:r>
-                    </a:p>
-                    <a:p>
-                      <a:pPr marL="171450" indent="-171450" algn="l">
-                        <a:buFont typeface="Arial" pitchFamily="34" charset="0"/>
-                        <a:buChar char="•"/>
-                      </a:pPr>
-                      <a:r>
-                        <a:rPr lang="en-US" sz="1200" baseline="0" dirty="0" smtClean="0"/>
-                        <a:t>BPPC (S)</a:t>
-                      </a:r>
-                    </a:p>
-                    <a:p>
-                      <a:pPr marL="171450" indent="-171450" algn="l">
-                        <a:buFont typeface="Arial" pitchFamily="34" charset="0"/>
-                        <a:buChar char="•"/>
-                      </a:pPr>
-                      <a:r>
-                        <a:rPr lang="en-US" sz="1200" baseline="0" dirty="0" smtClean="0"/>
-                        <a:t>SAML (S)</a:t>
-                      </a:r>
-                    </a:p>
-                    <a:p>
-                      <a:pPr marL="171450" indent="-171450" algn="l">
-                        <a:buFont typeface="Arial" pitchFamily="34" charset="0"/>
-                        <a:buChar char="•"/>
-                      </a:pPr>
-                      <a:r>
-                        <a:rPr lang="en-US" sz="1200" baseline="0" dirty="0" smtClean="0"/>
-                        <a:t>XACML (S)</a:t>
-                      </a:r>
-                    </a:p>
-                    <a:p>
-                      <a:pPr marL="171450" indent="-171450" algn="l">
-                        <a:buFont typeface="Arial" pitchFamily="34" charset="0"/>
-                        <a:buChar char="•"/>
-                      </a:pPr>
-                      <a:r>
-                        <a:rPr lang="en-US" sz="1200" baseline="0" dirty="0" smtClean="0"/>
-                        <a:t>HL7 IG for CDA, R2: Consent Directives, </a:t>
-                      </a:r>
-                      <a:r>
-                        <a:rPr lang="en-US" sz="1200" baseline="0" dirty="0" smtClean="0"/>
-                        <a:t>R1</a:t>
-                      </a:r>
-                      <a:endParaRPr lang="en-US" sz="1200" baseline="0" dirty="0" smtClean="0"/>
-                    </a:p>
-                    <a:p>
-                      <a:pPr marL="171450" indent="-171450" algn="l">
-                        <a:buFont typeface="Arial" pitchFamily="34" charset="0"/>
-                        <a:buChar char="•"/>
-                      </a:pPr>
-                      <a:r>
-                        <a:rPr lang="en-US" sz="1200" baseline="0" smtClean="0"/>
-                        <a:t>Healthcare </a:t>
-                      </a:r>
-                      <a:r>
-                        <a:rPr lang="en-US" sz="1200" baseline="0" dirty="0" smtClean="0"/>
-                        <a:t>Privacy and Security Classification System</a:t>
-                      </a:r>
-                    </a:p>
-                    <a:p>
-                      <a:pPr marL="171450" indent="-171450" algn="l">
-                        <a:buFont typeface="Arial" pitchFamily="34" charset="0"/>
-                        <a:buChar char="•"/>
-                      </a:pPr>
-                      <a:r>
-                        <a:rPr lang="en-US" sz="1200" baseline="0" dirty="0" smtClean="0"/>
-                        <a:t>esMD Author of Record Level 1 IG</a:t>
-                      </a:r>
-                    </a:p>
-                    <a:p>
-                      <a:pPr marL="171450" indent="-171450" algn="l">
-                        <a:buFont typeface="Arial" pitchFamily="34" charset="0"/>
-                        <a:buChar char="•"/>
-                      </a:pPr>
-                      <a:r>
-                        <a:rPr lang="en-US" sz="1200" baseline="0" dirty="0" err="1" smtClean="0"/>
-                        <a:t>XAdES</a:t>
-                      </a:r>
-                      <a:endParaRPr lang="en-US" sz="1200" baseline="0" dirty="0" smtClean="0"/>
-                    </a:p>
-                  </a:txBody>
-                  <a:tcPr>
-                    <a:lnL w="12700" cap="flat" cmpd="sng" algn="ctr">
-                      <a:solidFill>
-                        <a:schemeClr val="tx1"/>
-                      </a:solidFill>
-                      <a:prstDash val="solid"/>
-                      <a:round/>
-                      <a:headEnd type="none" w="med" len="med"/>
-                      <a:tailEnd type="none" w="med" len="med"/>
-                    </a:lnL>
-                    <a:lnR w="12700" cap="flat" cmpd="sng" algn="ctr">
-                      <a:solidFill>
-                        <a:schemeClr val="tx1"/>
-                      </a:solidFill>
-                      <a:prstDash val="solid"/>
-                      <a:round/>
-                      <a:headEnd type="none" w="med" len="med"/>
-                      <a:tailEnd type="none" w="med" len="med"/>
-                    </a:lnR>
-                    <a:lnT w="12700" cap="flat" cmpd="sng" algn="ctr">
-                      <a:solidFill>
-                        <a:schemeClr val="tx1"/>
-                      </a:solidFill>
-                      <a:prstDash val="solid"/>
-                      <a:round/>
-                      <a:headEnd type="none" w="med" len="med"/>
-                      <a:tailEnd type="none" w="med" len="med"/>
-                    </a:lnT>
-                    <a:lnB w="12700" cap="flat" cmpd="sng" algn="ctr">
-                      <a:solidFill>
-                        <a:schemeClr val="tx1"/>
-                      </a:solidFill>
-                      <a:prstDash val="solid"/>
-                      <a:round/>
-                      <a:headEnd type="none" w="med" len="med"/>
-                      <a:tailEnd type="none" w="med" len="med"/>
-                    </a:lnB>
-                    <a:lnTlToBr w="12700" cmpd="sng">
-                      <a:noFill/>
-                      <a:prstDash val="solid"/>
-                    </a:lnTlToBr>
-                    <a:lnBlToTr w="12700" cmpd="sng">
-                      <a:noFill/>
-                      <a:prstDash val="solid"/>
-                    </a:lnBlToTr>
-                  </a:tcPr>
-                </a:tc>
-                <a:tc rowSpan="4">
-                  <a:txBody>
-                    <a:bodyPr/>
-                    <a:lstStyle/>
-                    <a:p>
-                      <a:pPr marL="0" indent="0" algn="l">
-                        <a:buFont typeface="Arial" pitchFamily="34" charset="0"/>
-                        <a:buNone/>
-                      </a:pPr>
-                      <a:endParaRPr lang="en-US" sz="1200" kern="1200" baseline="0" dirty="0" smtClean="0">
-                        <a:solidFill>
-                          <a:schemeClr val="dk1"/>
-                        </a:solidFill>
-                        <a:latin typeface="+mn-lt"/>
-                        <a:ea typeface="+mn-ea"/>
-                        <a:cs typeface="+mn-cs"/>
-                      </a:endParaRPr>
-                    </a:p>
-                    <a:p>
-                      <a:pPr marL="0" indent="0" algn="l">
-                        <a:buFont typeface="Arial" pitchFamily="34" charset="0"/>
-                        <a:buNone/>
-                      </a:pPr>
-                      <a:endParaRPr lang="en-US" sz="1200" kern="1200" baseline="0" dirty="0" smtClean="0">
-                        <a:solidFill>
-                          <a:schemeClr val="dk1"/>
-                        </a:solidFill>
-                        <a:latin typeface="+mn-lt"/>
-                        <a:ea typeface="+mn-ea"/>
-                        <a:cs typeface="+mn-cs"/>
-                      </a:endParaRPr>
-                    </a:p>
-                    <a:p>
-                      <a:pPr marL="171450" indent="-171450" algn="l">
-                        <a:buFont typeface="Arial" pitchFamily="34" charset="0"/>
-                        <a:buChar char="•"/>
-                      </a:pPr>
-                      <a:r>
-                        <a:rPr lang="en-US" sz="1200" kern="1200" baseline="0" dirty="0" smtClean="0">
-                          <a:solidFill>
-                            <a:schemeClr val="dk1"/>
-                          </a:solidFill>
-                          <a:latin typeface="+mn-lt"/>
-                          <a:ea typeface="+mn-ea"/>
-                          <a:cs typeface="+mn-cs"/>
-                        </a:rPr>
-                        <a:t>CDEs</a:t>
-                      </a:r>
-                    </a:p>
-                    <a:p>
-                      <a:pPr marL="171450" indent="-171450" algn="l">
-                        <a:buFont typeface="Arial" pitchFamily="34" charset="0"/>
-                        <a:buChar char="•"/>
-                      </a:pPr>
-                      <a:r>
-                        <a:rPr lang="en-US" sz="1200" kern="1200" baseline="0" dirty="0" smtClean="0">
-                          <a:solidFill>
-                            <a:schemeClr val="dk1"/>
-                          </a:solidFill>
-                          <a:latin typeface="+mn-lt"/>
-                          <a:ea typeface="+mn-ea"/>
-                          <a:cs typeface="+mn-cs"/>
-                        </a:rPr>
-                        <a:t>CDASH</a:t>
-                      </a:r>
-                    </a:p>
-                    <a:p>
-                      <a:pPr marL="171450" indent="-171450" algn="l">
-                        <a:buFont typeface="Arial" pitchFamily="34" charset="0"/>
-                        <a:buChar char="•"/>
-                      </a:pPr>
-                      <a:r>
-                        <a:rPr lang="en-US" sz="1200" kern="1200" baseline="0" dirty="0" smtClean="0">
-                          <a:solidFill>
-                            <a:schemeClr val="dk1"/>
-                          </a:solidFill>
-                          <a:latin typeface="+mn-lt"/>
-                          <a:ea typeface="+mn-ea"/>
-                          <a:cs typeface="+mn-cs"/>
-                        </a:rPr>
-                        <a:t>USHIK</a:t>
-                      </a:r>
-                    </a:p>
-                    <a:p>
-                      <a:pPr marL="171450" indent="-171450" algn="l">
-                        <a:buFont typeface="Arial" pitchFamily="34" charset="0"/>
-                        <a:buChar char="•"/>
-                      </a:pPr>
-                      <a:r>
-                        <a:rPr lang="en-US" sz="1200" kern="1200" baseline="0" dirty="0" smtClean="0">
-                          <a:solidFill>
-                            <a:schemeClr val="dk1"/>
-                          </a:solidFill>
-                          <a:latin typeface="+mn-lt"/>
-                          <a:ea typeface="+mn-ea"/>
-                          <a:cs typeface="+mn-cs"/>
-                        </a:rPr>
-                        <a:t>SHARE</a:t>
-                      </a:r>
-                    </a:p>
-                    <a:p>
-                      <a:pPr marL="171450" indent="-171450" algn="l">
-                        <a:buFont typeface="Arial" pitchFamily="34" charset="0"/>
-                        <a:buChar char="•"/>
-                      </a:pPr>
-                      <a:r>
-                        <a:rPr lang="en-US" sz="1200" kern="1200" baseline="0" dirty="0" smtClean="0">
-                          <a:solidFill>
-                            <a:schemeClr val="dk1"/>
-                          </a:solidFill>
-                          <a:latin typeface="+mn-lt"/>
-                          <a:ea typeface="+mn-ea"/>
-                          <a:cs typeface="+mn-cs"/>
-                        </a:rPr>
-                        <a:t>CIMI</a:t>
-                      </a:r>
-                    </a:p>
-                    <a:p>
-                      <a:pPr marL="171450" indent="-171450" algn="l">
-                        <a:buFont typeface="Arial" pitchFamily="34" charset="0"/>
-                        <a:buChar char="•"/>
-                      </a:pPr>
-                      <a:r>
-                        <a:rPr lang="en-US" sz="1200" kern="1200" baseline="0" dirty="0" smtClean="0">
-                          <a:solidFill>
-                            <a:schemeClr val="dk1"/>
-                          </a:solidFill>
-                          <a:latin typeface="+mn-lt"/>
-                          <a:ea typeface="+mn-ea"/>
-                          <a:cs typeface="+mn-cs"/>
-                        </a:rPr>
-                        <a:t>FHIM</a:t>
-                      </a:r>
-                    </a:p>
-                    <a:p>
-                      <a:pPr marL="171450" indent="-171450" algn="l">
-                        <a:buFont typeface="Arial" pitchFamily="34" charset="0"/>
-                        <a:buChar char="•"/>
-                      </a:pPr>
-                      <a:r>
-                        <a:rPr lang="en-US" sz="1200" kern="1200" baseline="0" dirty="0" err="1" smtClean="0">
-                          <a:solidFill>
-                            <a:schemeClr val="dk1"/>
-                          </a:solidFill>
-                          <a:latin typeface="+mn-lt"/>
-                          <a:ea typeface="+mn-ea"/>
-                          <a:cs typeface="+mn-cs"/>
-                        </a:rPr>
-                        <a:t>vMR</a:t>
-                      </a:r>
-                      <a:endParaRPr lang="en-US" sz="1200" kern="1200" baseline="0" dirty="0" smtClean="0">
-                        <a:solidFill>
-                          <a:schemeClr val="dk1"/>
-                        </a:solidFill>
-                        <a:latin typeface="+mn-lt"/>
-                        <a:ea typeface="+mn-ea"/>
-                        <a:cs typeface="+mn-cs"/>
-                      </a:endParaRPr>
-                    </a:p>
-                    <a:p>
-                      <a:pPr marL="171450" indent="-171450" algn="l">
-                        <a:buFont typeface="Arial" pitchFamily="34" charset="0"/>
-                        <a:buChar char="•"/>
-                      </a:pPr>
-                      <a:r>
-                        <a:rPr lang="en-US" sz="1200" kern="1200" baseline="0" dirty="0" err="1" smtClean="0">
-                          <a:solidFill>
-                            <a:schemeClr val="dk1"/>
-                          </a:solidFill>
-                          <a:latin typeface="+mn-lt"/>
-                          <a:ea typeface="+mn-ea"/>
-                          <a:cs typeface="+mn-cs"/>
-                        </a:rPr>
-                        <a:t>caDSR</a:t>
-                      </a:r>
-                      <a:endParaRPr lang="en-US" sz="1200" kern="1200" baseline="0" dirty="0" smtClean="0">
-                        <a:solidFill>
-                          <a:schemeClr val="dk1"/>
-                        </a:solidFill>
-                        <a:latin typeface="+mn-lt"/>
-                        <a:ea typeface="+mn-ea"/>
-                        <a:cs typeface="+mn-cs"/>
-                      </a:endParaRPr>
-                    </a:p>
-                    <a:p>
-                      <a:pPr marL="171450" indent="-171450" algn="l">
-                        <a:buFont typeface="Arial" pitchFamily="34" charset="0"/>
-                        <a:buChar char="•"/>
-                      </a:pPr>
-                      <a:r>
-                        <a:rPr lang="en-US" sz="1200" kern="1200" baseline="0" dirty="0" smtClean="0">
-                          <a:solidFill>
-                            <a:schemeClr val="dk1"/>
-                          </a:solidFill>
-                          <a:latin typeface="+mn-lt"/>
-                          <a:ea typeface="+mn-ea"/>
-                          <a:cs typeface="+mn-cs"/>
-                        </a:rPr>
-                        <a:t>XMI</a:t>
-                      </a:r>
-                    </a:p>
-                    <a:p>
-                      <a:pPr marL="171450" indent="-171450" algn="l">
-                        <a:buFont typeface="Arial" pitchFamily="34" charset="0"/>
-                        <a:buChar char="•"/>
-                      </a:pPr>
-                      <a:r>
-                        <a:rPr lang="en-US" sz="1200" kern="1200" baseline="0" dirty="0" smtClean="0">
-                          <a:solidFill>
-                            <a:schemeClr val="dk1"/>
-                          </a:solidFill>
-                          <a:latin typeface="+mn-lt"/>
-                          <a:ea typeface="+mn-ea"/>
-                          <a:cs typeface="+mn-cs"/>
-                        </a:rPr>
-                        <a:t>MDMI</a:t>
-                      </a:r>
-                    </a:p>
-                    <a:p>
-                      <a:pPr marL="171450" indent="-171450" algn="l">
-                        <a:buFont typeface="Arial" pitchFamily="34" charset="0"/>
-                        <a:buChar char="•"/>
-                      </a:pPr>
-                      <a:r>
-                        <a:rPr lang="en-US" sz="1200" kern="1200" baseline="0" dirty="0" smtClean="0">
-                          <a:solidFill>
-                            <a:schemeClr val="dk1"/>
-                          </a:solidFill>
-                          <a:latin typeface="+mn-lt"/>
-                          <a:ea typeface="+mn-ea"/>
-                          <a:cs typeface="+mn-cs"/>
-                        </a:rPr>
-                        <a:t>FHIR</a:t>
-                      </a:r>
-                    </a:p>
-                    <a:p>
-                      <a:pPr marL="171450" indent="-171450" algn="l">
-                        <a:buFont typeface="Arial" pitchFamily="34" charset="0"/>
-                        <a:buChar char="•"/>
-                      </a:pPr>
-                      <a:r>
-                        <a:rPr lang="en-US" sz="1200" kern="1200" baseline="0" dirty="0" smtClean="0">
-                          <a:solidFill>
-                            <a:schemeClr val="dk1"/>
-                          </a:solidFill>
-                          <a:latin typeface="+mn-lt"/>
-                          <a:ea typeface="+mn-ea"/>
-                          <a:cs typeface="+mn-cs"/>
-                        </a:rPr>
-                        <a:t>HL7 IG for CDA R2: Form Definition Document, R1</a:t>
-                      </a:r>
-                    </a:p>
-                    <a:p>
-                      <a:pPr marL="171450" indent="-171450" algn="l">
-                        <a:buFont typeface="Arial" pitchFamily="34" charset="0"/>
-                        <a:buChar char="•"/>
-                      </a:pPr>
-                      <a:r>
-                        <a:rPr lang="en-US" sz="1200" kern="1200" baseline="0" dirty="0" smtClean="0">
-                          <a:solidFill>
-                            <a:schemeClr val="dk1"/>
-                          </a:solidFill>
-                          <a:latin typeface="+mn-lt"/>
-                          <a:ea typeface="+mn-ea"/>
-                          <a:cs typeface="+mn-cs"/>
-                        </a:rPr>
-                        <a:t>HL7 IG for CDA R2: Questionnaire Response</a:t>
-                      </a:r>
-                      <a:endParaRPr lang="en-US" sz="1200" kern="1200" baseline="0" dirty="0" smtClean="0">
-                        <a:solidFill>
-                          <a:schemeClr val="dk1"/>
-                        </a:solidFill>
-                        <a:latin typeface="+mn-lt"/>
-                        <a:ea typeface="+mn-ea"/>
-                        <a:cs typeface="+mn-cs"/>
+                      <a:endParaRPr lang="en-US" sz="1200" b="1" dirty="0">
+                        <a:effectLst/>
+                        <a:latin typeface="Calibri"/>
+                        <a:ea typeface="Calibri"/>
+                        <a:cs typeface="Times New Roman"/>
                       </a:endParaRPr>
                     </a:p>
                   </a:txBody>
@@ -41020,1392 +43317,9 @@
                       <a:noFill/>
                       <a:prstDash val="solid"/>
                     </a:lnBlToTr>
-                  </a:tcPr>
-                </a:tc>
-              </a:tr>
-              <a:tr h="1156536">
-                <a:tc>
-                  <a:txBody>
-                    <a:bodyPr/>
-                    <a:lstStyle/>
-                    <a:p>
-                      <a:pPr algn="ctr"/>
-                      <a:r>
-                        <a:rPr lang="en-US" sz="1200" kern="1200" dirty="0" smtClean="0">
-                          <a:solidFill>
-                            <a:schemeClr val="tx1"/>
-                          </a:solidFill>
-                          <a:latin typeface="+mn-lt"/>
-                          <a:ea typeface="+mn-ea"/>
-                          <a:cs typeface="+mn-cs"/>
-                        </a:rPr>
-                        <a:t>1(a)</a:t>
-                      </a:r>
-                    </a:p>
-                  </a:txBody>
-                  <a:tcPr anchor="ctr">
-                    <a:lnL w="12700" cap="flat" cmpd="sng" algn="ctr">
-                      <a:solidFill>
-                        <a:schemeClr val="tx1"/>
-                      </a:solidFill>
-                      <a:prstDash val="solid"/>
-                      <a:round/>
-                      <a:headEnd type="none" w="med" len="med"/>
-                      <a:tailEnd type="none" w="med" len="med"/>
-                    </a:lnL>
-                    <a:lnR w="12700" cap="flat" cmpd="sng" algn="ctr">
-                      <a:solidFill>
-                        <a:schemeClr val="tx1"/>
-                      </a:solidFill>
-                      <a:prstDash val="solid"/>
-                      <a:round/>
-                      <a:headEnd type="none" w="med" len="med"/>
-                      <a:tailEnd type="none" w="med" len="med"/>
-                    </a:lnR>
-                    <a:lnT w="12700" cap="flat" cmpd="sng" algn="ctr">
-                      <a:solidFill>
-                        <a:schemeClr val="tx1"/>
-                      </a:solidFill>
-                      <a:prstDash val="solid"/>
-                      <a:round/>
-                      <a:headEnd type="none" w="med" len="med"/>
-                      <a:tailEnd type="none" w="med" len="med"/>
-                    </a:lnT>
-                    <a:lnB w="12700" cap="flat" cmpd="sng" algn="ctr">
-                      <a:solidFill>
-                        <a:schemeClr val="tx1"/>
-                      </a:solidFill>
-                      <a:prstDash val="solid"/>
-                      <a:round/>
-                      <a:headEnd type="none" w="med" len="med"/>
-                      <a:tailEnd type="none" w="med" len="med"/>
-                    </a:lnB>
-                    <a:lnTlToBr w="12700" cmpd="sng">
-                      <a:noFill/>
-                      <a:prstDash val="solid"/>
-                    </a:lnTlToBr>
-                    <a:lnBlToTr w="12700" cmpd="sng">
-                      <a:noFill/>
-                      <a:prstDash val="solid"/>
-                    </a:lnBlToTr>
-                  </a:tcPr>
-                </a:tc>
-                <a:tc>
-                  <a:txBody>
-                    <a:bodyPr/>
-                    <a:lstStyle/>
-                    <a:p>
-                      <a:r>
-                        <a:rPr lang="en-US" sz="1200" baseline="0" dirty="0" smtClean="0">
-                          <a:solidFill>
-                            <a:schemeClr val="tx1"/>
-                          </a:solidFill>
-                        </a:rPr>
-                        <a:t>Optionally with Patient Data</a:t>
-                      </a:r>
-                    </a:p>
-                  </a:txBody>
-                  <a:tcPr anchor="ctr">
-                    <a:lnL w="12700" cap="flat" cmpd="sng" algn="ctr">
-                      <a:solidFill>
-                        <a:schemeClr val="tx1"/>
-                      </a:solidFill>
-                      <a:prstDash val="solid"/>
-                      <a:round/>
-                      <a:headEnd type="none" w="med" len="med"/>
-                      <a:tailEnd type="none" w="med" len="med"/>
-                    </a:lnL>
-                    <a:lnR w="12700" cap="flat" cmpd="sng" algn="ctr">
-                      <a:solidFill>
-                        <a:schemeClr val="tx1"/>
-                      </a:solidFill>
-                      <a:prstDash val="solid"/>
-                      <a:round/>
-                      <a:headEnd type="none" w="med" len="med"/>
-                      <a:tailEnd type="none" w="med" len="med"/>
-                    </a:lnR>
-                    <a:lnT w="12700" cap="flat" cmpd="sng" algn="ctr">
-                      <a:solidFill>
-                        <a:schemeClr val="tx1"/>
-                      </a:solidFill>
-                      <a:prstDash val="solid"/>
-                      <a:round/>
-                      <a:headEnd type="none" w="med" len="med"/>
-                      <a:tailEnd type="none" w="med" len="med"/>
-                    </a:lnT>
-                    <a:lnB w="12700" cap="flat" cmpd="sng" algn="ctr">
-                      <a:solidFill>
-                        <a:schemeClr val="tx1"/>
-                      </a:solidFill>
-                      <a:prstDash val="solid"/>
-                      <a:round/>
-                      <a:headEnd type="none" w="med" len="med"/>
-                      <a:tailEnd type="none" w="med" len="med"/>
-                    </a:lnB>
-                    <a:lnTlToBr w="12700" cmpd="sng">
-                      <a:noFill/>
-                      <a:prstDash val="solid"/>
-                    </a:lnTlToBr>
-                    <a:lnBlToTr w="12700" cmpd="sng">
-                      <a:noFill/>
-                      <a:prstDash val="solid"/>
-                    </a:lnBlToTr>
-                  </a:tcPr>
-                </a:tc>
-                <a:tc>
-                  <a:txBody>
-                    <a:bodyPr/>
-                    <a:lstStyle/>
-                    <a:p>
-                      <a:pPr marL="171450" indent="-171450" algn="l">
-                        <a:buFont typeface="Arial" pitchFamily="34" charset="0"/>
-                        <a:buChar char="•"/>
-                      </a:pPr>
-                      <a:r>
-                        <a:rPr lang="en-US" sz="1200" baseline="0" dirty="0" smtClean="0"/>
-                        <a:t>CDA R2</a:t>
-                      </a:r>
-                    </a:p>
-                    <a:p>
-                      <a:pPr marL="171450" indent="-171450" algn="l">
-                        <a:buFont typeface="Arial" pitchFamily="34" charset="0"/>
-                        <a:buChar char="•"/>
-                      </a:pPr>
-                      <a:r>
-                        <a:rPr lang="en-US" sz="1200" baseline="0" dirty="0" smtClean="0"/>
-                        <a:t>C-CDA</a:t>
-                      </a:r>
-                    </a:p>
-                    <a:p>
-                      <a:pPr marL="171450" indent="-171450" algn="l">
-                        <a:buFont typeface="Arial" pitchFamily="34" charset="0"/>
-                        <a:buChar char="•"/>
-                      </a:pPr>
-                      <a:r>
-                        <a:rPr lang="en-US" sz="1200" baseline="0" dirty="0" smtClean="0"/>
-                        <a:t>ICSR</a:t>
-                      </a:r>
-                    </a:p>
-                    <a:p>
-                      <a:pPr marL="171450" marR="0" indent="-171450" algn="l" defTabSz="457200" rtl="0" eaLnBrk="1" fontAlgn="auto" latinLnBrk="0" hangingPunct="1">
-                        <a:lnSpc>
-                          <a:spcPct val="100000"/>
-                        </a:lnSpc>
-                        <a:spcBef>
-                          <a:spcPts val="0"/>
-                        </a:spcBef>
-                        <a:spcAft>
-                          <a:spcPts val="0"/>
-                        </a:spcAft>
-                        <a:buClrTx/>
-                        <a:buSzTx/>
-                        <a:buFont typeface="Arial" pitchFamily="34" charset="0"/>
-                        <a:buChar char="•"/>
-                        <a:tabLst/>
-                        <a:defRPr/>
-                      </a:pPr>
-                      <a:r>
-                        <a:rPr lang="en-US" sz="1200" baseline="0" dirty="0" smtClean="0"/>
-                        <a:t>RFD</a:t>
-                      </a:r>
-                    </a:p>
-                    <a:p>
-                      <a:pPr marL="171450" marR="0" indent="-171450" algn="l" defTabSz="457200" rtl="0" eaLnBrk="1" fontAlgn="auto" latinLnBrk="0" hangingPunct="1">
-                        <a:lnSpc>
-                          <a:spcPct val="100000"/>
-                        </a:lnSpc>
-                        <a:spcBef>
-                          <a:spcPts val="0"/>
-                        </a:spcBef>
-                        <a:spcAft>
-                          <a:spcPts val="0"/>
-                        </a:spcAft>
-                        <a:buClrTx/>
-                        <a:buSzTx/>
-                        <a:buFont typeface="Arial" pitchFamily="34" charset="0"/>
-                        <a:buChar char="•"/>
-                        <a:tabLst/>
-                        <a:defRPr/>
-                      </a:pPr>
-                      <a:r>
-                        <a:rPr lang="en-US" sz="1200" baseline="0" dirty="0" smtClean="0"/>
-                        <a:t>ISO/IEC 11179</a:t>
-                      </a:r>
-                    </a:p>
-                  </a:txBody>
-                  <a:tcPr anchor="ctr">
-                    <a:lnL w="12700" cap="flat" cmpd="sng" algn="ctr">
-                      <a:solidFill>
-                        <a:schemeClr val="tx1"/>
-                      </a:solidFill>
-                      <a:prstDash val="solid"/>
-                      <a:round/>
-                      <a:headEnd type="none" w="med" len="med"/>
-                      <a:tailEnd type="none" w="med" len="med"/>
-                    </a:lnL>
-                    <a:lnR w="12700" cap="flat" cmpd="sng" algn="ctr">
-                      <a:solidFill>
-                        <a:srgbClr val="E9EDF4"/>
-                      </a:solidFill>
-                      <a:prstDash val="solid"/>
-                      <a:round/>
-                      <a:headEnd type="none" w="med" len="med"/>
-                      <a:tailEnd type="none" w="med" len="med"/>
-                    </a:lnR>
-                    <a:lnT w="12700" cap="flat" cmpd="sng" algn="ctr">
-                      <a:solidFill>
-                        <a:schemeClr val="tx1"/>
-                      </a:solidFill>
-                      <a:prstDash val="solid"/>
-                      <a:round/>
-                      <a:headEnd type="none" w="med" len="med"/>
-                      <a:tailEnd type="none" w="med" len="med"/>
-                    </a:lnT>
-                    <a:lnB w="12700" cap="flat" cmpd="sng" algn="ctr">
-                      <a:solidFill>
-                        <a:schemeClr val="tx1"/>
-                      </a:solidFill>
-                      <a:prstDash val="solid"/>
-                      <a:round/>
-                      <a:headEnd type="none" w="med" len="med"/>
-                      <a:tailEnd type="none" w="med" len="med"/>
-                    </a:lnB>
-                    <a:lnTlToBr w="12700" cmpd="sng">
-                      <a:noFill/>
-                      <a:prstDash val="solid"/>
-                    </a:lnTlToBr>
-                    <a:lnBlToTr w="12700" cmpd="sng">
-                      <a:noFill/>
-                      <a:prstDash val="solid"/>
-                    </a:lnBlToTr>
-                  </a:tcPr>
-                </a:tc>
-                <a:tc>
-                  <a:txBody>
-                    <a:bodyPr/>
-                    <a:lstStyle/>
-                    <a:p>
-                      <a:pPr marL="171450" indent="-171450" algn="l">
-                        <a:buFont typeface="Arial" pitchFamily="34" charset="0"/>
-                        <a:buChar char="•"/>
-                      </a:pPr>
-                      <a:r>
-                        <a:rPr lang="en-US" sz="1200" baseline="0" dirty="0" smtClean="0"/>
-                        <a:t>RPE</a:t>
-                      </a:r>
-                    </a:p>
-                    <a:p>
-                      <a:pPr marL="171450" indent="-171450" algn="l">
-                        <a:buFont typeface="Arial" pitchFamily="34" charset="0"/>
-                        <a:buChar char="•"/>
-                      </a:pPr>
-                      <a:r>
-                        <a:rPr lang="en-US" sz="1200" baseline="0" dirty="0" smtClean="0"/>
-                        <a:t>CAP 135</a:t>
-                      </a:r>
-                    </a:p>
-                    <a:p>
-                      <a:pPr marL="171450" indent="-171450" algn="l">
-                        <a:buFont typeface="Arial" pitchFamily="34" charset="0"/>
-                        <a:buChar char="•"/>
-                      </a:pPr>
-                      <a:r>
-                        <a:rPr lang="en-US" sz="1200" baseline="0" dirty="0" smtClean="0"/>
-                        <a:t>CTS2</a:t>
-                      </a:r>
-                    </a:p>
-                    <a:p>
-                      <a:pPr marL="171450" indent="-171450" algn="l">
-                        <a:buFont typeface="Arial" pitchFamily="34" charset="0"/>
-                        <a:buChar char="•"/>
-                      </a:pPr>
-                      <a:r>
-                        <a:rPr lang="en-US" sz="1200" baseline="0" dirty="0" smtClean="0"/>
-                        <a:t>CDASH</a:t>
-                      </a:r>
-                    </a:p>
-                    <a:p>
-                      <a:pPr marL="171450" indent="-171450" algn="l">
-                        <a:buFont typeface="Arial" pitchFamily="34" charset="0"/>
-                        <a:buChar char="•"/>
-                      </a:pPr>
-                      <a:r>
-                        <a:rPr lang="en-US" sz="1200" baseline="0" dirty="0" err="1" smtClean="0"/>
-                        <a:t>vMR</a:t>
-                      </a:r>
-                      <a:endParaRPr lang="en-US" sz="1200" baseline="0" dirty="0" smtClean="0"/>
-                    </a:p>
-                  </a:txBody>
-                  <a:tcPr anchor="ctr">
-                    <a:lnL w="12700" cap="flat" cmpd="sng" algn="ctr">
-                      <a:solidFill>
-                        <a:srgbClr val="E9EDF4"/>
-                      </a:solidFill>
-                      <a:prstDash val="solid"/>
-                      <a:round/>
-                      <a:headEnd type="none" w="med" len="med"/>
-                      <a:tailEnd type="none" w="med" len="med"/>
-                    </a:lnL>
-                    <a:lnR w="12700" cap="flat" cmpd="sng" algn="ctr">
-                      <a:solidFill>
-                        <a:schemeClr val="tx1"/>
-                      </a:solidFill>
-                      <a:prstDash val="solid"/>
-                      <a:round/>
-                      <a:headEnd type="none" w="med" len="med"/>
-                      <a:tailEnd type="none" w="med" len="med"/>
-                    </a:lnR>
-                    <a:lnT w="12700" cap="flat" cmpd="sng" algn="ctr">
-                      <a:solidFill>
-                        <a:schemeClr val="tx1"/>
-                      </a:solidFill>
-                      <a:prstDash val="solid"/>
-                      <a:round/>
-                      <a:headEnd type="none" w="med" len="med"/>
-                      <a:tailEnd type="none" w="med" len="med"/>
-                    </a:lnT>
-                    <a:lnB w="12700" cap="flat" cmpd="sng" algn="ctr">
-                      <a:solidFill>
-                        <a:schemeClr val="tx1"/>
-                      </a:solidFill>
-                      <a:prstDash val="solid"/>
-                      <a:round/>
-                      <a:headEnd type="none" w="med" len="med"/>
-                      <a:tailEnd type="none" w="med" len="med"/>
-                    </a:lnB>
-                    <a:lnTlToBr w="12700" cmpd="sng">
-                      <a:noFill/>
-                      <a:prstDash val="solid"/>
-                    </a:lnTlToBr>
-                    <a:lnBlToTr w="12700" cmpd="sng">
-                      <a:noFill/>
-                      <a:prstDash val="solid"/>
-                    </a:lnBlToTr>
-                  </a:tcPr>
-                </a:tc>
-                <a:tc vMerge="1">
-                  <a:txBody>
-                    <a:bodyPr/>
-                    <a:lstStyle/>
-                    <a:p>
-                      <a:endParaRPr lang="en-US"/>
-                    </a:p>
-                  </a:txBody>
-                  <a:tcPr/>
-                </a:tc>
-                <a:tc vMerge="1">
-                  <a:txBody>
-                    <a:bodyPr/>
-                    <a:lstStyle/>
-                    <a:p>
-                      <a:endParaRPr lang="en-US" sz="1100" dirty="0"/>
-                    </a:p>
-                  </a:txBody>
-                  <a:tcPr>
-                    <a:lnL w="12700" cap="flat" cmpd="sng" algn="ctr">
-                      <a:solidFill>
-                        <a:schemeClr val="tx1"/>
-                      </a:solidFill>
-                      <a:prstDash val="solid"/>
-                      <a:round/>
-                      <a:headEnd type="none" w="med" len="med"/>
-                      <a:tailEnd type="none" w="med" len="med"/>
-                    </a:lnL>
-                    <a:lnR w="12700" cap="flat" cmpd="sng" algn="ctr">
-                      <a:solidFill>
-                        <a:schemeClr val="tx1"/>
-                      </a:solidFill>
-                      <a:prstDash val="solid"/>
-                      <a:round/>
-                      <a:headEnd type="none" w="med" len="med"/>
-                      <a:tailEnd type="none" w="med" len="med"/>
-                    </a:lnR>
-                    <a:lnT w="12700" cap="flat" cmpd="sng" algn="ctr">
-                      <a:solidFill>
-                        <a:schemeClr val="tx1"/>
-                      </a:solidFill>
-                      <a:prstDash val="solid"/>
-                      <a:round/>
-                      <a:headEnd type="none" w="med" len="med"/>
-                      <a:tailEnd type="none" w="med" len="med"/>
-                    </a:lnT>
-                    <a:lnB w="12700" cap="flat" cmpd="sng" algn="ctr">
-                      <a:solidFill>
-                        <a:schemeClr val="tx1"/>
-                      </a:solidFill>
-                      <a:prstDash val="solid"/>
-                      <a:round/>
-                      <a:headEnd type="none" w="med" len="med"/>
-                      <a:tailEnd type="none" w="med" len="med"/>
-                    </a:lnB>
-                    <a:lnTlToBr w="12700" cmpd="sng">
-                      <a:noFill/>
-                      <a:prstDash val="solid"/>
-                    </a:lnTlToBr>
-                    <a:lnBlToTr w="12700" cmpd="sng">
-                      <a:noFill/>
-                      <a:prstDash val="solid"/>
-                    </a:lnBlToTr>
-                  </a:tcPr>
-                </a:tc>
-                <a:tc vMerge="1">
-                  <a:txBody>
-                    <a:bodyPr/>
-                    <a:lstStyle/>
-                    <a:p>
-                      <a:endParaRPr lang="en-US"/>
-                    </a:p>
-                  </a:txBody>
-                  <a:tcPr/>
-                </a:tc>
-              </a:tr>
-              <a:tr h="1410337">
-                <a:tc>
-                  <a:txBody>
-                    <a:bodyPr/>
-                    <a:lstStyle/>
-                    <a:p>
-                      <a:pPr algn="ctr"/>
-                      <a:r>
-                        <a:rPr lang="en-US" sz="1200" kern="1200" dirty="0" smtClean="0">
-                          <a:solidFill>
-                            <a:schemeClr val="tx1"/>
-                          </a:solidFill>
-                          <a:latin typeface="+mn-lt"/>
-                          <a:ea typeface="+mn-ea"/>
-                          <a:cs typeface="+mn-cs"/>
-                        </a:rPr>
-                        <a:t>3</a:t>
-                      </a:r>
-                    </a:p>
-                  </a:txBody>
-                  <a:tcPr anchor="ctr">
-                    <a:lnL w="12700" cap="flat" cmpd="sng" algn="ctr">
-                      <a:solidFill>
-                        <a:schemeClr val="tx1"/>
-                      </a:solidFill>
-                      <a:prstDash val="solid"/>
-                      <a:round/>
-                      <a:headEnd type="none" w="med" len="med"/>
-                      <a:tailEnd type="none" w="med" len="med"/>
-                    </a:lnL>
-                    <a:lnR w="12700" cap="flat" cmpd="sng" algn="ctr">
-                      <a:solidFill>
-                        <a:schemeClr val="tx1"/>
-                      </a:solidFill>
-                      <a:prstDash val="solid"/>
-                      <a:round/>
-                      <a:headEnd type="none" w="med" len="med"/>
-                      <a:tailEnd type="none" w="med" len="med"/>
-                    </a:lnR>
-                    <a:lnT w="12700" cap="flat" cmpd="sng" algn="ctr">
-                      <a:solidFill>
-                        <a:schemeClr val="tx1"/>
-                      </a:solidFill>
-                      <a:prstDash val="solid"/>
-                      <a:round/>
-                      <a:headEnd type="none" w="med" len="med"/>
-                      <a:tailEnd type="none" w="med" len="med"/>
-                    </a:lnT>
-                    <a:lnB w="12700" cap="flat" cmpd="sng" algn="ctr">
-                      <a:solidFill>
-                        <a:schemeClr val="tx1"/>
-                      </a:solidFill>
-                      <a:prstDash val="solid"/>
-                      <a:round/>
-                      <a:headEnd type="none" w="med" len="med"/>
-                      <a:tailEnd type="none" w="med" len="med"/>
-                    </a:lnB>
-                    <a:lnTlToBr w="12700" cmpd="sng">
-                      <a:noFill/>
-                      <a:prstDash val="solid"/>
-                    </a:lnTlToBr>
-                    <a:lnBlToTr w="12700" cmpd="sng">
-                      <a:noFill/>
-                      <a:prstDash val="solid"/>
-                    </a:lnBlToTr>
-                  </a:tcPr>
-                </a:tc>
-                <a:tc>
-                  <a:txBody>
-                    <a:bodyPr/>
-                    <a:lstStyle/>
-                    <a:p>
-                      <a:pPr marL="0" marR="0" indent="0" algn="l" defTabSz="457200" rtl="0" eaLnBrk="1" fontAlgn="auto" latinLnBrk="0" hangingPunct="1">
-                        <a:lnSpc>
-                          <a:spcPct val="100000"/>
-                        </a:lnSpc>
-                        <a:spcBef>
-                          <a:spcPts val="0"/>
-                        </a:spcBef>
-                        <a:spcAft>
-                          <a:spcPts val="0"/>
-                        </a:spcAft>
-                        <a:buClrTx/>
-                        <a:buSzTx/>
-                        <a:buFontTx/>
-                        <a:buNone/>
-                        <a:tabLst/>
-                        <a:defRPr/>
-                      </a:pPr>
-                      <a:r>
-                        <a:rPr lang="en-US" sz="1200" kern="1200" dirty="0" smtClean="0">
-                          <a:solidFill>
-                            <a:schemeClr val="tx1"/>
-                          </a:solidFill>
-                          <a:latin typeface="+mn-lt"/>
-                          <a:ea typeface="+mn-ea"/>
-                          <a:cs typeface="+mn-cs"/>
-                        </a:rPr>
-                        <a:t>Sends requested form/template</a:t>
-                      </a:r>
-                    </a:p>
-                  </a:txBody>
-                  <a:tcPr anchor="ctr">
-                    <a:lnL w="12700" cap="flat" cmpd="sng" algn="ctr">
-                      <a:solidFill>
-                        <a:schemeClr val="tx1"/>
-                      </a:solidFill>
-                      <a:prstDash val="solid"/>
-                      <a:round/>
-                      <a:headEnd type="none" w="med" len="med"/>
-                      <a:tailEnd type="none" w="med" len="med"/>
-                    </a:lnL>
-                    <a:lnR w="12700" cap="flat" cmpd="sng" algn="ctr">
-                      <a:solidFill>
-                        <a:schemeClr val="tx1"/>
-                      </a:solidFill>
-                      <a:prstDash val="solid"/>
-                      <a:round/>
-                      <a:headEnd type="none" w="med" len="med"/>
-                      <a:tailEnd type="none" w="med" len="med"/>
-                    </a:lnR>
-                    <a:lnT w="12700" cap="flat" cmpd="sng" algn="ctr">
-                      <a:solidFill>
-                        <a:schemeClr val="tx1"/>
-                      </a:solidFill>
-                      <a:prstDash val="solid"/>
-                      <a:round/>
-                      <a:headEnd type="none" w="med" len="med"/>
-                      <a:tailEnd type="none" w="med" len="med"/>
-                    </a:lnT>
-                    <a:lnB w="12700" cap="flat" cmpd="sng" algn="ctr">
-                      <a:solidFill>
-                        <a:schemeClr val="tx1"/>
-                      </a:solidFill>
-                      <a:prstDash val="solid"/>
-                      <a:round/>
-                      <a:headEnd type="none" w="med" len="med"/>
-                      <a:tailEnd type="none" w="med" len="med"/>
-                    </a:lnB>
-                    <a:lnTlToBr w="12700" cmpd="sng">
-                      <a:noFill/>
-                      <a:prstDash val="solid"/>
-                    </a:lnTlToBr>
-                    <a:lnBlToTr w="12700" cmpd="sng">
-                      <a:noFill/>
-                      <a:prstDash val="solid"/>
-                    </a:lnBlToTr>
-                  </a:tcPr>
-                </a:tc>
-                <a:tc>
-                  <a:txBody>
-                    <a:bodyPr/>
-                    <a:lstStyle/>
-                    <a:p>
-                      <a:pPr marL="171450" indent="-171450" algn="l">
-                        <a:buFont typeface="Arial" pitchFamily="34" charset="0"/>
-                        <a:buChar char="•"/>
-                      </a:pPr>
-                      <a:r>
-                        <a:rPr lang="en-US" sz="1200" baseline="0" dirty="0" smtClean="0"/>
-                        <a:t>CDA R2</a:t>
-                      </a:r>
-                    </a:p>
-                    <a:p>
-                      <a:pPr marL="171450" indent="-171450" algn="l">
-                        <a:buFont typeface="Arial" pitchFamily="34" charset="0"/>
-                        <a:buChar char="•"/>
-                      </a:pPr>
-                      <a:r>
-                        <a:rPr lang="en-US" sz="1200" baseline="0" dirty="0" smtClean="0"/>
-                        <a:t>C-CDA</a:t>
-                      </a:r>
-                    </a:p>
-                    <a:p>
-                      <a:pPr marL="171450" indent="-171450" algn="l">
-                        <a:buFont typeface="Arial" pitchFamily="34" charset="0"/>
-                        <a:buChar char="•"/>
-                      </a:pPr>
-                      <a:r>
-                        <a:rPr lang="en-US" sz="1200" baseline="0" dirty="0" smtClean="0"/>
-                        <a:t>ICSR</a:t>
-                      </a:r>
-                    </a:p>
-                    <a:p>
-                      <a:pPr marL="171450" indent="-171450" algn="l">
-                        <a:buFont typeface="Arial" pitchFamily="34" charset="0"/>
-                        <a:buChar char="•"/>
-                      </a:pPr>
-                      <a:r>
-                        <a:rPr lang="en-US" sz="1200" baseline="0" dirty="0" smtClean="0"/>
-                        <a:t>ISO/IEC 19763-13</a:t>
-                      </a:r>
-                    </a:p>
-                    <a:p>
-                      <a:pPr marL="171450" indent="-171450" algn="l">
-                        <a:buFont typeface="Arial" pitchFamily="34" charset="0"/>
-                        <a:buChar char="•"/>
-                      </a:pPr>
-                      <a:r>
-                        <a:rPr lang="en-US" sz="1200" baseline="0" dirty="0" smtClean="0"/>
-                        <a:t>ISO/IEC 11179</a:t>
-                      </a:r>
-                    </a:p>
-                    <a:p>
-                      <a:pPr marL="171450" indent="-171450" algn="l">
-                        <a:buFont typeface="Arial" pitchFamily="34" charset="0"/>
-                        <a:buChar char="•"/>
-                      </a:pPr>
-                      <a:r>
-                        <a:rPr lang="en-US" sz="1200" baseline="0" dirty="0" smtClean="0"/>
-                        <a:t>XHTML</a:t>
-                      </a:r>
-                    </a:p>
-                    <a:p>
-                      <a:pPr marL="171450" indent="-171450" algn="l">
-                        <a:buFont typeface="Arial" pitchFamily="34" charset="0"/>
-                        <a:buChar char="•"/>
-                      </a:pPr>
-                      <a:r>
-                        <a:rPr lang="en-US" sz="1200" baseline="0" dirty="0" err="1" smtClean="0"/>
-                        <a:t>Javascript</a:t>
-                      </a:r>
-                      <a:endParaRPr lang="en-US" sz="1200" baseline="0" dirty="0" smtClean="0"/>
-                    </a:p>
-                  </a:txBody>
-                  <a:tcPr anchor="ctr">
-                    <a:lnL w="12700" cap="flat" cmpd="sng" algn="ctr">
-                      <a:solidFill>
-                        <a:schemeClr val="tx1"/>
-                      </a:solidFill>
-                      <a:prstDash val="solid"/>
-                      <a:round/>
-                      <a:headEnd type="none" w="med" len="med"/>
-                      <a:tailEnd type="none" w="med" len="med"/>
-                    </a:lnL>
-                    <a:lnR w="12700" cap="flat" cmpd="sng" algn="ctr">
-                      <a:solidFill>
-                        <a:srgbClr val="D0D8E8"/>
-                      </a:solidFill>
-                      <a:prstDash val="solid"/>
-                      <a:round/>
-                      <a:headEnd type="none" w="med" len="med"/>
-                      <a:tailEnd type="none" w="med" len="med"/>
-                    </a:lnR>
-                    <a:lnT w="12700" cap="flat" cmpd="sng" algn="ctr">
-                      <a:solidFill>
-                        <a:schemeClr val="tx1"/>
-                      </a:solidFill>
-                      <a:prstDash val="solid"/>
-                      <a:round/>
-                      <a:headEnd type="none" w="med" len="med"/>
-                      <a:tailEnd type="none" w="med" len="med"/>
-                    </a:lnT>
-                    <a:lnB w="12700" cap="flat" cmpd="sng" algn="ctr">
-                      <a:solidFill>
-                        <a:schemeClr val="tx1"/>
-                      </a:solidFill>
-                      <a:prstDash val="solid"/>
-                      <a:round/>
-                      <a:headEnd type="none" w="med" len="med"/>
-                      <a:tailEnd type="none" w="med" len="med"/>
-                    </a:lnB>
-                    <a:lnTlToBr w="12700" cmpd="sng">
-                      <a:noFill/>
-                      <a:prstDash val="solid"/>
-                    </a:lnTlToBr>
-                    <a:lnBlToTr w="12700" cmpd="sng">
-                      <a:noFill/>
-                      <a:prstDash val="solid"/>
-                    </a:lnBlToTr>
-                  </a:tcPr>
-                </a:tc>
-                <a:tc>
-                  <a:txBody>
-                    <a:bodyPr/>
-                    <a:lstStyle/>
-                    <a:p>
-                      <a:pPr marL="171450" indent="-171450" algn="l">
-                        <a:buFont typeface="Arial" pitchFamily="34" charset="0"/>
-                        <a:buChar char="•"/>
-                      </a:pPr>
-                      <a:r>
-                        <a:rPr lang="en-US" sz="1200" baseline="0" dirty="0" smtClean="0"/>
-                        <a:t>RFD</a:t>
-                      </a:r>
-                    </a:p>
-                    <a:p>
-                      <a:pPr marL="171450" indent="-171450" algn="l">
-                        <a:buFont typeface="Arial" pitchFamily="34" charset="0"/>
-                        <a:buChar char="•"/>
-                      </a:pPr>
-                      <a:r>
-                        <a:rPr lang="en-US" sz="1200" baseline="0" dirty="0" smtClean="0"/>
-                        <a:t>RPE</a:t>
-                      </a:r>
-                    </a:p>
-                    <a:p>
-                      <a:pPr marL="171450" indent="-171450" algn="l">
-                        <a:buFont typeface="Arial" pitchFamily="34" charset="0"/>
-                        <a:buChar char="•"/>
-                      </a:pPr>
-                      <a:r>
-                        <a:rPr lang="en-US" sz="1200" baseline="0" dirty="0" smtClean="0"/>
-                        <a:t>CAP 135</a:t>
-                      </a:r>
-                    </a:p>
-                    <a:p>
-                      <a:pPr marL="171450" indent="-171450" algn="l">
-                        <a:buFont typeface="Arial" pitchFamily="34" charset="0"/>
-                        <a:buChar char="•"/>
-                      </a:pPr>
-                      <a:r>
-                        <a:rPr lang="en-US" sz="1200" baseline="0" dirty="0" smtClean="0"/>
-                        <a:t>CTS2</a:t>
-                      </a:r>
-                    </a:p>
-                    <a:p>
-                      <a:pPr marL="171450" indent="-171450" algn="l">
-                        <a:buFont typeface="Arial" pitchFamily="34" charset="0"/>
-                        <a:buChar char="•"/>
-                      </a:pPr>
-                      <a:r>
-                        <a:rPr lang="en-US" sz="1200" baseline="0" dirty="0" smtClean="0"/>
-                        <a:t>CDS Knowledge Sharing IG</a:t>
-                      </a:r>
-                    </a:p>
-                  </a:txBody>
-                  <a:tcPr anchor="ctr">
-                    <a:lnL w="12700" cap="flat" cmpd="sng" algn="ctr">
-                      <a:solidFill>
-                        <a:srgbClr val="D0D8E8"/>
-                      </a:solidFill>
-                      <a:prstDash val="solid"/>
-                      <a:round/>
-                      <a:headEnd type="none" w="med" len="med"/>
-                      <a:tailEnd type="none" w="med" len="med"/>
-                    </a:lnL>
-                    <a:lnR w="12700" cap="flat" cmpd="sng" algn="ctr">
-                      <a:solidFill>
-                        <a:schemeClr val="tx1"/>
-                      </a:solidFill>
-                      <a:prstDash val="solid"/>
-                      <a:round/>
-                      <a:headEnd type="none" w="med" len="med"/>
-                      <a:tailEnd type="none" w="med" len="med"/>
-                    </a:lnR>
-                    <a:lnT w="12700" cap="flat" cmpd="sng" algn="ctr">
-                      <a:solidFill>
-                        <a:schemeClr val="tx1"/>
-                      </a:solidFill>
-                      <a:prstDash val="solid"/>
-                      <a:round/>
-                      <a:headEnd type="none" w="med" len="med"/>
-                      <a:tailEnd type="none" w="med" len="med"/>
-                    </a:lnT>
-                    <a:lnB w="12700" cap="flat" cmpd="sng" algn="ctr">
-                      <a:solidFill>
-                        <a:schemeClr val="tx1"/>
-                      </a:solidFill>
-                      <a:prstDash val="solid"/>
-                      <a:round/>
-                      <a:headEnd type="none" w="med" len="med"/>
-                      <a:tailEnd type="none" w="med" len="med"/>
-                    </a:lnB>
-                    <a:lnTlToBr w="12700" cmpd="sng">
-                      <a:noFill/>
-                      <a:prstDash val="solid"/>
-                    </a:lnTlToBr>
-                    <a:lnBlToTr w="12700" cmpd="sng">
-                      <a:noFill/>
-                      <a:prstDash val="solid"/>
-                    </a:lnBlToTr>
-                  </a:tcPr>
-                </a:tc>
-                <a:tc vMerge="1">
-                  <a:txBody>
-                    <a:bodyPr/>
-                    <a:lstStyle/>
-                    <a:p>
-                      <a:endParaRPr lang="en-US"/>
-                    </a:p>
-                  </a:txBody>
-                  <a:tcPr/>
-                </a:tc>
-                <a:tc vMerge="1">
-                  <a:txBody>
-                    <a:bodyPr/>
-                    <a:lstStyle/>
-                    <a:p>
-                      <a:endParaRPr lang="en-US" sz="1100" dirty="0"/>
-                    </a:p>
-                  </a:txBody>
-                  <a:tcPr>
-                    <a:lnL w="12700" cap="flat" cmpd="sng" algn="ctr">
-                      <a:solidFill>
-                        <a:schemeClr val="tx1"/>
-                      </a:solidFill>
-                      <a:prstDash val="solid"/>
-                      <a:round/>
-                      <a:headEnd type="none" w="med" len="med"/>
-                      <a:tailEnd type="none" w="med" len="med"/>
-                    </a:lnL>
-                    <a:lnR w="12700" cap="flat" cmpd="sng" algn="ctr">
-                      <a:solidFill>
-                        <a:schemeClr val="tx1"/>
-                      </a:solidFill>
-                      <a:prstDash val="solid"/>
-                      <a:round/>
-                      <a:headEnd type="none" w="med" len="med"/>
-                      <a:tailEnd type="none" w="med" len="med"/>
-                    </a:lnR>
-                    <a:lnT w="12700" cap="flat" cmpd="sng" algn="ctr">
-                      <a:solidFill>
-                        <a:schemeClr val="tx1"/>
-                      </a:solidFill>
-                      <a:prstDash val="solid"/>
-                      <a:round/>
-                      <a:headEnd type="none" w="med" len="med"/>
-                      <a:tailEnd type="none" w="med" len="med"/>
-                    </a:lnT>
-                    <a:lnB w="12700" cap="flat" cmpd="sng" algn="ctr">
-                      <a:solidFill>
-                        <a:schemeClr val="tx1"/>
-                      </a:solidFill>
-                      <a:prstDash val="solid"/>
-                      <a:round/>
-                      <a:headEnd type="none" w="med" len="med"/>
-                      <a:tailEnd type="none" w="med" len="med"/>
-                    </a:lnB>
-                    <a:lnTlToBr w="12700" cmpd="sng">
-                      <a:noFill/>
-                      <a:prstDash val="solid"/>
-                    </a:lnTlToBr>
-                    <a:lnBlToTr w="12700" cmpd="sng">
-                      <a:noFill/>
-                      <a:prstDash val="solid"/>
-                    </a:lnBlToTr>
-                  </a:tcPr>
-                </a:tc>
-                <a:tc vMerge="1">
-                  <a:txBody>
-                    <a:bodyPr/>
-                    <a:lstStyle/>
-                    <a:p>
-                      <a:endParaRPr lang="en-US"/>
-                    </a:p>
-                  </a:txBody>
-                  <a:tcPr/>
-                </a:tc>
-              </a:tr>
-              <a:tr h="800679">
-                <a:tc>
-                  <a:txBody>
-                    <a:bodyPr/>
-                    <a:lstStyle/>
-                    <a:p>
-                      <a:pPr algn="ctr"/>
-                      <a:r>
-                        <a:rPr lang="en-US" sz="1200" kern="1200" dirty="0" smtClean="0">
-                          <a:solidFill>
-                            <a:schemeClr val="tx1"/>
-                          </a:solidFill>
-                          <a:latin typeface="+mn-lt"/>
-                          <a:ea typeface="+mn-ea"/>
-                          <a:cs typeface="+mn-cs"/>
-                        </a:rPr>
-                        <a:t>7</a:t>
-                      </a:r>
-                    </a:p>
-                  </a:txBody>
-                  <a:tcPr anchor="ctr">
-                    <a:lnL w="12700" cap="flat" cmpd="sng" algn="ctr">
-                      <a:solidFill>
-                        <a:schemeClr val="tx1"/>
-                      </a:solidFill>
-                      <a:prstDash val="solid"/>
-                      <a:round/>
-                      <a:headEnd type="none" w="med" len="med"/>
-                      <a:tailEnd type="none" w="med" len="med"/>
-                    </a:lnL>
-                    <a:lnR w="12700" cap="flat" cmpd="sng" algn="ctr">
-                      <a:solidFill>
-                        <a:schemeClr val="tx1"/>
-                      </a:solidFill>
-                      <a:prstDash val="solid"/>
-                      <a:round/>
-                      <a:headEnd type="none" w="med" len="med"/>
-                      <a:tailEnd type="none" w="med" len="med"/>
-                    </a:lnR>
-                    <a:lnT w="12700" cap="flat" cmpd="sng" algn="ctr">
-                      <a:solidFill>
-                        <a:schemeClr val="tx1"/>
-                      </a:solidFill>
-                      <a:prstDash val="solid"/>
-                      <a:round/>
-                      <a:headEnd type="none" w="med" len="med"/>
-                      <a:tailEnd type="none" w="med" len="med"/>
-                    </a:lnT>
-                    <a:lnB w="12700" cap="flat" cmpd="sng" algn="ctr">
-                      <a:solidFill>
-                        <a:schemeClr val="tx1"/>
-                      </a:solidFill>
-                      <a:prstDash val="solid"/>
-                      <a:round/>
-                      <a:headEnd type="none" w="med" len="med"/>
-                      <a:tailEnd type="none" w="med" len="med"/>
-                    </a:lnB>
-                    <a:lnTlToBr w="12700" cmpd="sng">
-                      <a:noFill/>
-                      <a:prstDash val="solid"/>
-                    </a:lnTlToBr>
-                    <a:lnBlToTr w="12700" cmpd="sng">
-                      <a:noFill/>
-                      <a:prstDash val="solid"/>
-                    </a:lnBlToTr>
-                  </a:tcPr>
-                </a:tc>
-                <a:tc>
-                  <a:txBody>
-                    <a:bodyPr/>
-                    <a:lstStyle/>
-                    <a:p>
-                      <a:pPr marL="0" marR="0" indent="0" algn="l" defTabSz="457200" rtl="0" eaLnBrk="1" fontAlgn="auto" latinLnBrk="0" hangingPunct="1">
-                        <a:lnSpc>
-                          <a:spcPct val="100000"/>
-                        </a:lnSpc>
-                        <a:spcBef>
-                          <a:spcPts val="0"/>
-                        </a:spcBef>
-                        <a:spcAft>
-                          <a:spcPts val="0"/>
-                        </a:spcAft>
-                        <a:buClrTx/>
-                        <a:buSzTx/>
-                        <a:buFontTx/>
-                        <a:buNone/>
-                        <a:tabLst/>
-                        <a:defRPr/>
-                      </a:pPr>
-                      <a:r>
-                        <a:rPr lang="en-US" sz="1200" kern="1200" dirty="0" smtClean="0">
-                          <a:solidFill>
-                            <a:schemeClr val="tx1"/>
-                          </a:solidFill>
-                          <a:latin typeface="+mn-lt"/>
-                          <a:ea typeface="+mn-ea"/>
-                          <a:cs typeface="+mn-cs"/>
-                        </a:rPr>
-                        <a:t>Sends completed form/template structured</a:t>
-                      </a:r>
-                      <a:r>
-                        <a:rPr lang="en-US" sz="1200" kern="1200" baseline="0" dirty="0" smtClean="0">
-                          <a:solidFill>
-                            <a:schemeClr val="tx1"/>
-                          </a:solidFill>
-                          <a:latin typeface="+mn-lt"/>
-                          <a:ea typeface="+mn-ea"/>
-                          <a:cs typeface="+mn-cs"/>
-                        </a:rPr>
-                        <a:t> data</a:t>
-                      </a:r>
-                      <a:endParaRPr lang="en-US" sz="1200" kern="1200" dirty="0" smtClean="0">
-                        <a:solidFill>
-                          <a:schemeClr val="tx1"/>
-                        </a:solidFill>
-                        <a:latin typeface="+mn-lt"/>
-                        <a:ea typeface="+mn-ea"/>
-                        <a:cs typeface="+mn-cs"/>
-                      </a:endParaRPr>
-                    </a:p>
-                  </a:txBody>
-                  <a:tcPr anchor="ctr">
-                    <a:lnL w="12700" cap="flat" cmpd="sng" algn="ctr">
-                      <a:solidFill>
-                        <a:schemeClr val="tx1"/>
-                      </a:solidFill>
-                      <a:prstDash val="solid"/>
-                      <a:round/>
-                      <a:headEnd type="none" w="med" len="med"/>
-                      <a:tailEnd type="none" w="med" len="med"/>
-                    </a:lnL>
-                    <a:lnR w="12700" cap="flat" cmpd="sng" algn="ctr">
-                      <a:solidFill>
-                        <a:schemeClr val="tx1"/>
-                      </a:solidFill>
-                      <a:prstDash val="solid"/>
-                      <a:round/>
-                      <a:headEnd type="none" w="med" len="med"/>
-                      <a:tailEnd type="none" w="med" len="med"/>
-                    </a:lnR>
-                    <a:lnT w="12700" cap="flat" cmpd="sng" algn="ctr">
-                      <a:solidFill>
-                        <a:schemeClr val="tx1"/>
-                      </a:solidFill>
-                      <a:prstDash val="solid"/>
-                      <a:round/>
-                      <a:headEnd type="none" w="med" len="med"/>
-                      <a:tailEnd type="none" w="med" len="med"/>
-                    </a:lnT>
-                    <a:lnB w="12700" cap="flat" cmpd="sng" algn="ctr">
-                      <a:solidFill>
-                        <a:schemeClr val="tx1"/>
-                      </a:solidFill>
-                      <a:prstDash val="solid"/>
-                      <a:round/>
-                      <a:headEnd type="none" w="med" len="med"/>
-                      <a:tailEnd type="none" w="med" len="med"/>
-                    </a:lnB>
-                    <a:lnTlToBr w="12700" cmpd="sng">
-                      <a:noFill/>
-                      <a:prstDash val="solid"/>
-                    </a:lnTlToBr>
-                    <a:lnBlToTr w="12700" cmpd="sng">
-                      <a:noFill/>
-                      <a:prstDash val="solid"/>
-                    </a:lnBlToTr>
-                  </a:tcPr>
-                </a:tc>
-                <a:tc>
-                  <a:txBody>
-                    <a:bodyPr/>
-                    <a:lstStyle/>
-                    <a:p>
-                      <a:pPr marL="171450" indent="-171450" algn="l">
-                        <a:buFont typeface="Arial" pitchFamily="34" charset="0"/>
-                        <a:buChar char="•"/>
-                      </a:pPr>
-                      <a:r>
-                        <a:rPr lang="en-US" sz="1200" baseline="0" dirty="0" smtClean="0"/>
-                        <a:t>CDA R2</a:t>
-                      </a:r>
-                    </a:p>
-                    <a:p>
-                      <a:pPr marL="171450" indent="-171450" algn="l">
-                        <a:buFont typeface="Arial" pitchFamily="34" charset="0"/>
-                        <a:buChar char="•"/>
-                      </a:pPr>
-                      <a:r>
-                        <a:rPr lang="en-US" sz="1200" baseline="0" dirty="0" smtClean="0"/>
-                        <a:t>C-CDA</a:t>
-                      </a:r>
-                    </a:p>
-                    <a:p>
-                      <a:pPr marL="171450" indent="-171450" algn="l">
-                        <a:buFont typeface="Arial" pitchFamily="34" charset="0"/>
-                        <a:buChar char="•"/>
-                      </a:pPr>
-                      <a:r>
-                        <a:rPr lang="en-US" sz="1200" baseline="0" dirty="0" smtClean="0"/>
-                        <a:t>HL7 V2.x</a:t>
-                      </a:r>
-                    </a:p>
-                    <a:p>
-                      <a:pPr marL="171450" indent="-171450" algn="l">
-                        <a:buFont typeface="Arial" pitchFamily="34" charset="0"/>
-                        <a:buChar char="•"/>
-                      </a:pPr>
-                      <a:r>
-                        <a:rPr lang="en-US" sz="1200" baseline="0" dirty="0" smtClean="0"/>
-                        <a:t>HL7 V3</a:t>
-                      </a:r>
-                    </a:p>
-                  </a:txBody>
-                  <a:tcPr anchor="ctr">
-                    <a:lnL w="12700" cap="flat" cmpd="sng" algn="ctr">
-                      <a:solidFill>
-                        <a:schemeClr val="tx1"/>
-                      </a:solidFill>
-                      <a:prstDash val="solid"/>
-                      <a:round/>
-                      <a:headEnd type="none" w="med" len="med"/>
-                      <a:tailEnd type="none" w="med" len="med"/>
-                    </a:lnL>
-                    <a:lnR w="12700" cap="flat" cmpd="sng" algn="ctr">
-                      <a:solidFill>
-                        <a:srgbClr val="E9EDF4"/>
-                      </a:solidFill>
-                      <a:prstDash val="solid"/>
-                      <a:round/>
-                      <a:headEnd type="none" w="med" len="med"/>
-                      <a:tailEnd type="none" w="med" len="med"/>
-                    </a:lnR>
-                    <a:lnT w="12700" cap="flat" cmpd="sng" algn="ctr">
-                      <a:solidFill>
-                        <a:schemeClr val="tx1"/>
-                      </a:solidFill>
-                      <a:prstDash val="solid"/>
-                      <a:round/>
-                      <a:headEnd type="none" w="med" len="med"/>
-                      <a:tailEnd type="none" w="med" len="med"/>
-                    </a:lnT>
-                    <a:lnB w="12700" cap="flat" cmpd="sng" algn="ctr">
-                      <a:solidFill>
-                        <a:schemeClr val="tx1"/>
-                      </a:solidFill>
-                      <a:prstDash val="solid"/>
-                      <a:round/>
-                      <a:headEnd type="none" w="med" len="med"/>
-                      <a:tailEnd type="none" w="med" len="med"/>
-                    </a:lnB>
-                    <a:lnTlToBr w="12700" cmpd="sng">
-                      <a:noFill/>
-                      <a:prstDash val="solid"/>
-                    </a:lnTlToBr>
-                    <a:lnBlToTr w="12700" cmpd="sng">
-                      <a:noFill/>
-                      <a:prstDash val="solid"/>
-                    </a:lnBlToTr>
-                  </a:tcPr>
-                </a:tc>
-                <a:tc>
-                  <a:txBody>
-                    <a:bodyPr/>
-                    <a:lstStyle/>
-                    <a:p>
-                      <a:pPr marL="171450" indent="-171450" algn="l">
-                        <a:buFont typeface="Arial" pitchFamily="34" charset="0"/>
-                        <a:buChar char="•"/>
-                      </a:pPr>
-                      <a:r>
-                        <a:rPr lang="en-US" sz="1200" baseline="0" dirty="0" smtClean="0"/>
-                        <a:t>ICSR</a:t>
-                      </a:r>
-                    </a:p>
-                    <a:p>
-                      <a:pPr marL="171450" marR="0" indent="-171450" algn="l" defTabSz="457200" rtl="0" eaLnBrk="1" fontAlgn="auto" latinLnBrk="0" hangingPunct="1">
-                        <a:lnSpc>
-                          <a:spcPct val="100000"/>
-                        </a:lnSpc>
-                        <a:spcBef>
-                          <a:spcPts val="0"/>
-                        </a:spcBef>
-                        <a:spcAft>
-                          <a:spcPts val="0"/>
-                        </a:spcAft>
-                        <a:buClrTx/>
-                        <a:buSzTx/>
-                        <a:buFont typeface="Arial" pitchFamily="34" charset="0"/>
-                        <a:buChar char="•"/>
-                        <a:tabLst/>
-                        <a:defRPr/>
-                      </a:pPr>
-                      <a:r>
-                        <a:rPr lang="en-US" sz="1200" baseline="0" dirty="0" smtClean="0"/>
-                        <a:t>ISO/IEC 19763-13</a:t>
-                      </a:r>
-                    </a:p>
-                    <a:p>
-                      <a:pPr marL="171450" marR="0" indent="-171450" algn="l" defTabSz="457200" rtl="0" eaLnBrk="1" fontAlgn="auto" latinLnBrk="0" hangingPunct="1">
-                        <a:lnSpc>
-                          <a:spcPct val="100000"/>
-                        </a:lnSpc>
-                        <a:spcBef>
-                          <a:spcPts val="0"/>
-                        </a:spcBef>
-                        <a:spcAft>
-                          <a:spcPts val="0"/>
-                        </a:spcAft>
-                        <a:buClrTx/>
-                        <a:buSzTx/>
-                        <a:buFont typeface="Arial" pitchFamily="34" charset="0"/>
-                        <a:buChar char="•"/>
-                        <a:tabLst/>
-                        <a:defRPr/>
-                      </a:pPr>
-                      <a:r>
-                        <a:rPr lang="en-US" sz="1200" baseline="0" dirty="0" smtClean="0"/>
-                        <a:t>RFD</a:t>
-                      </a:r>
-                    </a:p>
-                  </a:txBody>
-                  <a:tcPr anchor="ctr">
-                    <a:lnL w="12700" cap="flat" cmpd="sng" algn="ctr">
-                      <a:solidFill>
-                        <a:srgbClr val="E9EDF4"/>
-                      </a:solidFill>
-                      <a:prstDash val="solid"/>
-                      <a:round/>
-                      <a:headEnd type="none" w="med" len="med"/>
-                      <a:tailEnd type="none" w="med" len="med"/>
-                    </a:lnL>
-                    <a:lnR w="12700" cap="flat" cmpd="sng" algn="ctr">
-                      <a:solidFill>
-                        <a:schemeClr val="tx1"/>
-                      </a:solidFill>
-                      <a:prstDash val="solid"/>
-                      <a:round/>
-                      <a:headEnd type="none" w="med" len="med"/>
-                      <a:tailEnd type="none" w="med" len="med"/>
-                    </a:lnR>
-                    <a:lnT w="12700" cap="flat" cmpd="sng" algn="ctr">
-                      <a:solidFill>
-                        <a:schemeClr val="tx1"/>
-                      </a:solidFill>
-                      <a:prstDash val="solid"/>
-                      <a:round/>
-                      <a:headEnd type="none" w="med" len="med"/>
-                      <a:tailEnd type="none" w="med" len="med"/>
-                    </a:lnT>
-                    <a:lnB w="12700" cap="flat" cmpd="sng" algn="ctr">
-                      <a:solidFill>
-                        <a:schemeClr val="tx1"/>
-                      </a:solidFill>
-                      <a:prstDash val="solid"/>
-                      <a:round/>
-                      <a:headEnd type="none" w="med" len="med"/>
-                      <a:tailEnd type="none" w="med" len="med"/>
-                    </a:lnB>
-                    <a:lnTlToBr w="12700" cmpd="sng">
-                      <a:noFill/>
-                      <a:prstDash val="solid"/>
-                    </a:lnTlToBr>
-                    <a:lnBlToTr w="12700" cmpd="sng">
-                      <a:noFill/>
-                      <a:prstDash val="solid"/>
-                    </a:lnBlToTr>
-                  </a:tcPr>
-                </a:tc>
-                <a:tc vMerge="1">
-                  <a:txBody>
-                    <a:bodyPr/>
-                    <a:lstStyle/>
-                    <a:p>
-                      <a:endParaRPr lang="en-US"/>
-                    </a:p>
-                  </a:txBody>
-                  <a:tcPr/>
-                </a:tc>
-                <a:tc vMerge="1">
-                  <a:txBody>
-                    <a:bodyPr/>
-                    <a:lstStyle/>
-                    <a:p>
-                      <a:endParaRPr lang="en-US" sz="1100" dirty="0"/>
-                    </a:p>
-                  </a:txBody>
-                  <a:tcPr>
-                    <a:lnL w="12700" cap="flat" cmpd="sng" algn="ctr">
-                      <a:solidFill>
-                        <a:schemeClr val="tx1"/>
-                      </a:solidFill>
-                      <a:prstDash val="solid"/>
-                      <a:round/>
-                      <a:headEnd type="none" w="med" len="med"/>
-                      <a:tailEnd type="none" w="med" len="med"/>
-                    </a:lnL>
-                    <a:lnR w="12700" cap="flat" cmpd="sng" algn="ctr">
-                      <a:solidFill>
-                        <a:schemeClr val="tx1"/>
-                      </a:solidFill>
-                      <a:prstDash val="solid"/>
-                      <a:round/>
-                      <a:headEnd type="none" w="med" len="med"/>
-                      <a:tailEnd type="none" w="med" len="med"/>
-                    </a:lnR>
-                    <a:lnT w="12700" cap="flat" cmpd="sng" algn="ctr">
-                      <a:solidFill>
-                        <a:schemeClr val="tx1"/>
-                      </a:solidFill>
-                      <a:prstDash val="solid"/>
-                      <a:round/>
-                      <a:headEnd type="none" w="med" len="med"/>
-                      <a:tailEnd type="none" w="med" len="med"/>
-                    </a:lnT>
-                    <a:lnB w="12700" cap="flat" cmpd="sng" algn="ctr">
-                      <a:solidFill>
-                        <a:schemeClr val="tx1"/>
-                      </a:solidFill>
-                      <a:prstDash val="solid"/>
-                      <a:round/>
-                      <a:headEnd type="none" w="med" len="med"/>
-                      <a:tailEnd type="none" w="med" len="med"/>
-                    </a:lnB>
-                    <a:lnTlToBr w="12700" cmpd="sng">
-                      <a:noFill/>
-                      <a:prstDash val="solid"/>
-                    </a:lnTlToBr>
-                    <a:lnBlToTr w="12700" cmpd="sng">
-                      <a:noFill/>
-                      <a:prstDash val="solid"/>
-                    </a:lnBlToTr>
-                  </a:tcPr>
-                </a:tc>
-                <a:tc vMerge="1">
-                  <a:txBody>
-                    <a:bodyPr/>
-                    <a:lstStyle/>
-                    <a:p>
-                      <a:pPr marL="171450" indent="-171450" algn="l">
-                        <a:buFont typeface="Arial" pitchFamily="34" charset="0"/>
-                        <a:buChar char="•"/>
-                      </a:pPr>
-                      <a:endParaRPr lang="en-US" sz="1100" kern="1200" baseline="0" dirty="0" smtClean="0">
-                        <a:solidFill>
-                          <a:schemeClr val="dk1"/>
-                        </a:solidFill>
-                        <a:latin typeface="+mn-lt"/>
-                        <a:ea typeface="+mn-ea"/>
-                        <a:cs typeface="+mn-cs"/>
-                      </a:endParaRPr>
-                    </a:p>
-                  </a:txBody>
-                  <a:tcPr>
-                    <a:lnL w="12700" cap="flat" cmpd="sng" algn="ctr">
-                      <a:solidFill>
-                        <a:schemeClr val="tx1"/>
-                      </a:solidFill>
-                      <a:prstDash val="solid"/>
-                      <a:round/>
-                      <a:headEnd type="none" w="med" len="med"/>
-                      <a:tailEnd type="none" w="med" len="med"/>
-                    </a:lnL>
-                    <a:lnR w="12700" cap="flat" cmpd="sng" algn="ctr">
-                      <a:solidFill>
-                        <a:schemeClr val="tx1"/>
-                      </a:solidFill>
-                      <a:prstDash val="solid"/>
-                      <a:round/>
-                      <a:headEnd type="none" w="med" len="med"/>
-                      <a:tailEnd type="none" w="med" len="med"/>
-                    </a:lnR>
-                    <a:lnT w="12700" cap="flat" cmpd="sng" algn="ctr">
-                      <a:solidFill>
-                        <a:schemeClr val="tx1"/>
-                      </a:solidFill>
-                      <a:prstDash val="solid"/>
-                      <a:round/>
-                      <a:headEnd type="none" w="med" len="med"/>
-                      <a:tailEnd type="none" w="med" len="med"/>
-                    </a:lnT>
-                    <a:lnB w="12700" cap="flat" cmpd="sng" algn="ctr">
-                      <a:solidFill>
-                        <a:schemeClr val="tx1"/>
-                      </a:solidFill>
-                      <a:prstDash val="solid"/>
-                      <a:round/>
-                      <a:headEnd type="none" w="med" len="med"/>
-                      <a:tailEnd type="none" w="med" len="med"/>
-                    </a:lnB>
-                    <a:lnTlToBr w="12700" cmpd="sng">
-                      <a:noFill/>
-                      <a:prstDash val="solid"/>
-                    </a:lnTlToBr>
-                    <a:lnBlToTr w="12700" cmpd="sng">
-                      <a:noFill/>
-                      <a:prstDash val="solid"/>
-                    </a:lnBlToTr>
+                    <a:solidFill>
+                      <a:schemeClr val="bg1"/>
+                    </a:solidFill>
                   </a:tcPr>
                 </a:tc>
               </a:tr>
@@ -42415,102 +43329,735 @@
       </p:graphicFrame>
       <p:sp>
         <p:nvSpPr>
-          <p:cNvPr id="7" name="Title 1"/>
-          <p:cNvSpPr>
-            <a:spLocks noGrp="1"/>
-          </p:cNvSpPr>
-          <p:nvPr>
-            <p:ph type="title"/>
-          </p:nvPr>
+          <p:cNvPr id="9" name="TextBox 8"/>
+          <p:cNvSpPr txBox="1"/>
+          <p:nvPr/>
         </p:nvSpPr>
         <p:spPr>
           <a:xfrm>
-            <a:off x="262701" y="506223"/>
-            <a:ext cx="8229600" cy="1143000"/>
+            <a:off x="4565189" y="3316577"/>
+            <a:ext cx="281354" cy="276999"/>
           </a:xfrm>
+          <a:prstGeom prst="rect">
+            <a:avLst/>
+          </a:prstGeom>
+          <a:solidFill>
+            <a:schemeClr val="accent6"/>
+          </a:solidFill>
         </p:spPr>
         <p:txBody>
-          <a:bodyPr>
-            <a:normAutofit/>
+          <a:bodyPr wrap="square" rtlCol="0">
+            <a:spAutoFit/>
           </a:bodyPr>
           <a:lstStyle/>
           <a:p>
             <a:r>
-              <a:rPr lang="en-US" sz="2500" dirty="0" smtClean="0"/>
-              <a:t>SDC Use Case:</a:t>
+              <a:rPr lang="en-US" sz="1200" b="1" dirty="0" smtClean="0"/>
+              <a:t>A</a:t>
             </a:r>
-            <a:br>
-              <a:rPr lang="en-US" sz="2500" dirty="0" smtClean="0"/>
-            </a:br>
-            <a:r>
-              <a:rPr lang="en-US" sz="2500" dirty="0" smtClean="0"/>
-              <a:t>Interoperability Standards</a:t>
-            </a:r>
-            <a:endParaRPr lang="en-US" sz="2500" dirty="0"/>
+            <a:endParaRPr lang="en-US" sz="1200" b="1" dirty="0"/>
           </a:p>
         </p:txBody>
       </p:sp>
-      <p:graphicFrame>
-        <p:nvGraphicFramePr>
-          <p:cNvPr id="5" name="Object 4"/>
-          <p:cNvGraphicFramePr>
-            <a:graphicFrameLocks noChangeAspect="1"/>
-          </p:cNvGraphicFramePr>
-          <p:nvPr>
-            <p:extLst>
-              <p:ext uri="{D42A27DB-BD31-4B8C-83A1-F6EECF244321}">
-                <p14:modId xmlns:p14="http://schemas.microsoft.com/office/powerpoint/2010/main" val="4035675214"/>
-              </p:ext>
-            </p:extLst>
-          </p:nvPr>
-        </p:nvGraphicFramePr>
-        <p:xfrm>
-          <a:off x="6781800" y="617538"/>
-          <a:ext cx="914400" cy="771525"/>
-        </p:xfrm>
-        <a:graphic>
-          <a:graphicData uri="http://schemas.openxmlformats.org/presentationml/2006/ole">
-            <mc:AlternateContent xmlns:mc="http://schemas.openxmlformats.org/markup-compatibility/2006">
-              <mc:Choice xmlns:v="urn:schemas-microsoft-com:vml" Requires="v">
-                <p:oleObj spid="_x0000_s2057" name="Worksheet" showAsIcon="1" r:id="rId4" imgW="914400" imgH="771480" progId="Excel.Sheet.12">
-                  <p:embed/>
-                </p:oleObj>
-              </mc:Choice>
-              <mc:Fallback>
-                <p:oleObj name="Worksheet" showAsIcon="1" r:id="rId4" imgW="914400" imgH="771480" progId="Excel.Sheet.12">
-                  <p:embed/>
-                  <p:pic>
-                    <p:nvPicPr>
-                      <p:cNvPr id="0" name=""/>
-                      <p:cNvPicPr/>
-                      <p:nvPr/>
-                    </p:nvPicPr>
-                    <p:blipFill>
-                      <a:blip r:embed="rId5"/>
-                      <a:stretch>
-                        <a:fillRect/>
-                      </a:stretch>
-                    </p:blipFill>
-                    <p:spPr>
-                      <a:xfrm>
-                        <a:off x="6781800" y="617538"/>
-                        <a:ext cx="914400" cy="771525"/>
-                      </a:xfrm>
-                      <a:prstGeom prst="rect">
-                        <a:avLst/>
-                      </a:prstGeom>
-                    </p:spPr>
-                  </p:pic>
-                </p:oleObj>
-              </mc:Fallback>
-            </mc:AlternateContent>
-          </a:graphicData>
-        </a:graphic>
-      </p:graphicFrame>
+      <p:sp>
+        <p:nvSpPr>
+          <p:cNvPr id="10" name="TextBox 9"/>
+          <p:cNvSpPr txBox="1"/>
+          <p:nvPr/>
+        </p:nvSpPr>
+        <p:spPr>
+          <a:xfrm>
+            <a:off x="6482860" y="6276465"/>
+            <a:ext cx="281354" cy="276999"/>
+          </a:xfrm>
+          <a:prstGeom prst="rect">
+            <a:avLst/>
+          </a:prstGeom>
+          <a:solidFill>
+            <a:srgbClr val="00B0F0"/>
+          </a:solidFill>
+        </p:spPr>
+        <p:txBody>
+          <a:bodyPr wrap="square" rtlCol="0">
+            <a:spAutoFit/>
+          </a:bodyPr>
+          <a:lstStyle/>
+          <a:p>
+            <a:r>
+              <a:rPr lang="en-US" sz="1200" b="1" dirty="0"/>
+              <a:t>B</a:t>
+            </a:r>
+          </a:p>
+        </p:txBody>
+      </p:sp>
+      <p:sp>
+        <p:nvSpPr>
+          <p:cNvPr id="11" name="TextBox 10"/>
+          <p:cNvSpPr txBox="1"/>
+          <p:nvPr/>
+        </p:nvSpPr>
+        <p:spPr>
+          <a:xfrm>
+            <a:off x="4056181" y="1790490"/>
+            <a:ext cx="281354" cy="276999"/>
+          </a:xfrm>
+          <a:prstGeom prst="rect">
+            <a:avLst/>
+          </a:prstGeom>
+          <a:solidFill>
+            <a:srgbClr val="00B050"/>
+          </a:solidFill>
+        </p:spPr>
+        <p:txBody>
+          <a:bodyPr wrap="square" rtlCol="0">
+            <a:spAutoFit/>
+          </a:bodyPr>
+          <a:lstStyle/>
+          <a:p>
+            <a:r>
+              <a:rPr lang="en-US" sz="1200" b="1" dirty="0" smtClean="0"/>
+              <a:t>C</a:t>
+            </a:r>
+            <a:endParaRPr lang="en-US" sz="1200" b="1" dirty="0"/>
+          </a:p>
+        </p:txBody>
+      </p:sp>
+      <p:sp>
+        <p:nvSpPr>
+          <p:cNvPr id="13" name="TextBox 12"/>
+          <p:cNvSpPr txBox="1"/>
+          <p:nvPr/>
+        </p:nvSpPr>
+        <p:spPr>
+          <a:xfrm>
+            <a:off x="6213228" y="2933773"/>
+            <a:ext cx="281354" cy="276999"/>
+          </a:xfrm>
+          <a:prstGeom prst="rect">
+            <a:avLst/>
+          </a:prstGeom>
+          <a:solidFill>
+            <a:srgbClr val="FFFF00"/>
+          </a:solidFill>
+        </p:spPr>
+        <p:txBody>
+          <a:bodyPr wrap="square" rtlCol="0">
+            <a:spAutoFit/>
+          </a:bodyPr>
+          <a:lstStyle/>
+          <a:p>
+            <a:r>
+              <a:rPr lang="en-US" sz="1200" b="1" dirty="0" smtClean="0"/>
+              <a:t>D</a:t>
+            </a:r>
+            <a:endParaRPr lang="en-US" sz="1200" b="1" dirty="0"/>
+          </a:p>
+        </p:txBody>
+      </p:sp>
+      <p:sp>
+        <p:nvSpPr>
+          <p:cNvPr id="15" name="TextBox 14"/>
+          <p:cNvSpPr txBox="1"/>
+          <p:nvPr/>
+        </p:nvSpPr>
+        <p:spPr>
+          <a:xfrm>
+            <a:off x="4911968" y="5591904"/>
+            <a:ext cx="281354" cy="276999"/>
+          </a:xfrm>
+          <a:prstGeom prst="rect">
+            <a:avLst/>
+          </a:prstGeom>
+          <a:solidFill>
+            <a:srgbClr val="00B0F0"/>
+          </a:solidFill>
+        </p:spPr>
+        <p:txBody>
+          <a:bodyPr wrap="square" rtlCol="0">
+            <a:spAutoFit/>
+          </a:bodyPr>
+          <a:lstStyle/>
+          <a:p>
+            <a:r>
+              <a:rPr lang="en-US" sz="1200" b="1" dirty="0"/>
+              <a:t>B</a:t>
+            </a:r>
+          </a:p>
+        </p:txBody>
+      </p:sp>
+      <p:sp>
+        <p:nvSpPr>
+          <p:cNvPr id="17" name="TextBox 16"/>
+          <p:cNvSpPr txBox="1"/>
+          <p:nvPr/>
+        </p:nvSpPr>
+        <p:spPr>
+          <a:xfrm>
+            <a:off x="5193322" y="5591903"/>
+            <a:ext cx="281354" cy="276999"/>
+          </a:xfrm>
+          <a:prstGeom prst="rect">
+            <a:avLst/>
+          </a:prstGeom>
+          <a:solidFill>
+            <a:srgbClr val="00B050"/>
+          </a:solidFill>
+        </p:spPr>
+        <p:txBody>
+          <a:bodyPr wrap="square" rtlCol="0">
+            <a:spAutoFit/>
+          </a:bodyPr>
+          <a:lstStyle/>
+          <a:p>
+            <a:r>
+              <a:rPr lang="en-US" sz="1200" b="1" dirty="0" smtClean="0"/>
+              <a:t>C</a:t>
+            </a:r>
+            <a:endParaRPr lang="en-US" sz="1200" b="1" dirty="0"/>
+          </a:p>
+        </p:txBody>
+      </p:sp>
+      <p:sp>
+        <p:nvSpPr>
+          <p:cNvPr id="20" name="TextBox 19"/>
+          <p:cNvSpPr txBox="1"/>
+          <p:nvPr/>
+        </p:nvSpPr>
+        <p:spPr>
+          <a:xfrm>
+            <a:off x="4111316" y="3739896"/>
+            <a:ext cx="281354" cy="276999"/>
+          </a:xfrm>
+          <a:prstGeom prst="rect">
+            <a:avLst/>
+          </a:prstGeom>
+          <a:solidFill>
+            <a:srgbClr val="FFFF00"/>
+          </a:solidFill>
+        </p:spPr>
+        <p:txBody>
+          <a:bodyPr wrap="square" rtlCol="0">
+            <a:spAutoFit/>
+          </a:bodyPr>
+          <a:lstStyle/>
+          <a:p>
+            <a:r>
+              <a:rPr lang="en-US" sz="1200" b="1" dirty="0" smtClean="0"/>
+              <a:t>D</a:t>
+            </a:r>
+            <a:endParaRPr lang="en-US" sz="1200" b="1" dirty="0"/>
+          </a:p>
+        </p:txBody>
+      </p:sp>
+      <p:sp>
+        <p:nvSpPr>
+          <p:cNvPr id="21" name="TextBox 20"/>
+          <p:cNvSpPr txBox="1"/>
+          <p:nvPr/>
+        </p:nvSpPr>
+        <p:spPr>
+          <a:xfrm>
+            <a:off x="4040713" y="2684581"/>
+            <a:ext cx="281354" cy="276999"/>
+          </a:xfrm>
+          <a:prstGeom prst="rect">
+            <a:avLst/>
+          </a:prstGeom>
+          <a:solidFill>
+            <a:srgbClr val="00B0F0"/>
+          </a:solidFill>
+        </p:spPr>
+        <p:txBody>
+          <a:bodyPr wrap="square" rtlCol="0">
+            <a:spAutoFit/>
+          </a:bodyPr>
+          <a:lstStyle/>
+          <a:p>
+            <a:r>
+              <a:rPr lang="en-US" sz="1200" b="1" dirty="0"/>
+              <a:t>B</a:t>
+            </a:r>
+          </a:p>
+        </p:txBody>
+      </p:sp>
+      <p:sp>
+        <p:nvSpPr>
+          <p:cNvPr id="22" name="TextBox 21"/>
+          <p:cNvSpPr txBox="1"/>
+          <p:nvPr/>
+        </p:nvSpPr>
+        <p:spPr>
+          <a:xfrm>
+            <a:off x="4322067" y="2684580"/>
+            <a:ext cx="281354" cy="276999"/>
+          </a:xfrm>
+          <a:prstGeom prst="rect">
+            <a:avLst/>
+          </a:prstGeom>
+          <a:solidFill>
+            <a:srgbClr val="00B050"/>
+          </a:solidFill>
+        </p:spPr>
+        <p:txBody>
+          <a:bodyPr wrap="square" rtlCol="0">
+            <a:spAutoFit/>
+          </a:bodyPr>
+          <a:lstStyle/>
+          <a:p>
+            <a:r>
+              <a:rPr lang="en-US" sz="1200" b="1" dirty="0" smtClean="0"/>
+              <a:t>C</a:t>
+            </a:r>
+            <a:endParaRPr lang="en-US" sz="1200" b="1" dirty="0"/>
+          </a:p>
+        </p:txBody>
+      </p:sp>
+      <p:sp>
+        <p:nvSpPr>
+          <p:cNvPr id="25" name="TextBox 24"/>
+          <p:cNvSpPr txBox="1"/>
+          <p:nvPr/>
+        </p:nvSpPr>
+        <p:spPr>
+          <a:xfrm>
+            <a:off x="3774596" y="2684581"/>
+            <a:ext cx="281354" cy="276999"/>
+          </a:xfrm>
+          <a:prstGeom prst="rect">
+            <a:avLst/>
+          </a:prstGeom>
+          <a:solidFill>
+            <a:schemeClr val="accent6"/>
+          </a:solidFill>
+        </p:spPr>
+        <p:txBody>
+          <a:bodyPr wrap="square" rtlCol="0">
+            <a:spAutoFit/>
+          </a:bodyPr>
+          <a:lstStyle/>
+          <a:p>
+            <a:r>
+              <a:rPr lang="en-US" sz="1200" b="1" dirty="0" smtClean="0"/>
+              <a:t>A</a:t>
+            </a:r>
+            <a:endParaRPr lang="en-US" sz="1200" b="1" dirty="0"/>
+          </a:p>
+        </p:txBody>
+      </p:sp>
+      <p:sp>
+        <p:nvSpPr>
+          <p:cNvPr id="24" name="TextBox 23"/>
+          <p:cNvSpPr txBox="1"/>
+          <p:nvPr/>
+        </p:nvSpPr>
+        <p:spPr>
+          <a:xfrm>
+            <a:off x="4846543" y="3316577"/>
+            <a:ext cx="281354" cy="276999"/>
+          </a:xfrm>
+          <a:prstGeom prst="rect">
+            <a:avLst/>
+          </a:prstGeom>
+          <a:solidFill>
+            <a:srgbClr val="00B0F0"/>
+          </a:solidFill>
+        </p:spPr>
+        <p:txBody>
+          <a:bodyPr wrap="square" rtlCol="0">
+            <a:spAutoFit/>
+          </a:bodyPr>
+          <a:lstStyle/>
+          <a:p>
+            <a:r>
+              <a:rPr lang="en-US" sz="1200" b="1" dirty="0"/>
+              <a:t>B</a:t>
+            </a:r>
+          </a:p>
+        </p:txBody>
+      </p:sp>
+      <p:sp>
+        <p:nvSpPr>
+          <p:cNvPr id="27" name="TextBox 26"/>
+          <p:cNvSpPr txBox="1"/>
+          <p:nvPr/>
+        </p:nvSpPr>
+        <p:spPr>
+          <a:xfrm>
+            <a:off x="4560809" y="4016895"/>
+            <a:ext cx="281354" cy="276999"/>
+          </a:xfrm>
+          <a:prstGeom prst="rect">
+            <a:avLst/>
+          </a:prstGeom>
+          <a:solidFill>
+            <a:schemeClr val="accent6"/>
+          </a:solidFill>
+        </p:spPr>
+        <p:txBody>
+          <a:bodyPr wrap="square" rtlCol="0">
+            <a:spAutoFit/>
+          </a:bodyPr>
+          <a:lstStyle/>
+          <a:p>
+            <a:r>
+              <a:rPr lang="en-US" sz="1200" b="1" dirty="0" smtClean="0"/>
+              <a:t>A</a:t>
+            </a:r>
+            <a:endParaRPr lang="en-US" sz="1200" b="1" dirty="0"/>
+          </a:p>
+        </p:txBody>
+      </p:sp>
+      <p:sp>
+        <p:nvSpPr>
+          <p:cNvPr id="28" name="TextBox 27"/>
+          <p:cNvSpPr txBox="1"/>
+          <p:nvPr/>
+        </p:nvSpPr>
+        <p:spPr>
+          <a:xfrm>
+            <a:off x="4831772" y="4016895"/>
+            <a:ext cx="281354" cy="276999"/>
+          </a:xfrm>
+          <a:prstGeom prst="rect">
+            <a:avLst/>
+          </a:prstGeom>
+          <a:solidFill>
+            <a:srgbClr val="00B0F0"/>
+          </a:solidFill>
+        </p:spPr>
+        <p:txBody>
+          <a:bodyPr wrap="square" rtlCol="0">
+            <a:spAutoFit/>
+          </a:bodyPr>
+          <a:lstStyle/>
+          <a:p>
+            <a:r>
+              <a:rPr lang="en-US" sz="1200" b="1" dirty="0"/>
+              <a:t>B</a:t>
+            </a:r>
+          </a:p>
+        </p:txBody>
+      </p:sp>
+      <p:sp>
+        <p:nvSpPr>
+          <p:cNvPr id="30" name="TextBox 29"/>
+          <p:cNvSpPr txBox="1"/>
+          <p:nvPr/>
+        </p:nvSpPr>
+        <p:spPr>
+          <a:xfrm>
+            <a:off x="4572532" y="4522586"/>
+            <a:ext cx="281354" cy="276999"/>
+          </a:xfrm>
+          <a:prstGeom prst="rect">
+            <a:avLst/>
+          </a:prstGeom>
+          <a:solidFill>
+            <a:schemeClr val="accent6"/>
+          </a:solidFill>
+        </p:spPr>
+        <p:txBody>
+          <a:bodyPr wrap="square" rtlCol="0">
+            <a:spAutoFit/>
+          </a:bodyPr>
+          <a:lstStyle/>
+          <a:p>
+            <a:r>
+              <a:rPr lang="en-US" sz="1200" b="1" dirty="0" smtClean="0"/>
+              <a:t>A</a:t>
+            </a:r>
+            <a:endParaRPr lang="en-US" sz="1200" b="1" dirty="0"/>
+          </a:p>
+        </p:txBody>
+      </p:sp>
+      <p:sp>
+        <p:nvSpPr>
+          <p:cNvPr id="31" name="TextBox 30"/>
+          <p:cNvSpPr txBox="1"/>
+          <p:nvPr/>
+        </p:nvSpPr>
+        <p:spPr>
+          <a:xfrm>
+            <a:off x="4853886" y="4522586"/>
+            <a:ext cx="281354" cy="276999"/>
+          </a:xfrm>
+          <a:prstGeom prst="rect">
+            <a:avLst/>
+          </a:prstGeom>
+          <a:solidFill>
+            <a:srgbClr val="00B0F0"/>
+          </a:solidFill>
+        </p:spPr>
+        <p:txBody>
+          <a:bodyPr wrap="square" rtlCol="0">
+            <a:spAutoFit/>
+          </a:bodyPr>
+          <a:lstStyle/>
+          <a:p>
+            <a:r>
+              <a:rPr lang="en-US" sz="1200" b="1" dirty="0"/>
+              <a:t>B</a:t>
+            </a:r>
+          </a:p>
+        </p:txBody>
+      </p:sp>
+      <p:sp>
+        <p:nvSpPr>
+          <p:cNvPr id="32" name="TextBox 31"/>
+          <p:cNvSpPr txBox="1"/>
+          <p:nvPr/>
+        </p:nvSpPr>
+        <p:spPr>
+          <a:xfrm>
+            <a:off x="4576660" y="4983886"/>
+            <a:ext cx="281354" cy="276999"/>
+          </a:xfrm>
+          <a:prstGeom prst="rect">
+            <a:avLst/>
+          </a:prstGeom>
+          <a:solidFill>
+            <a:schemeClr val="accent6"/>
+          </a:solidFill>
+        </p:spPr>
+        <p:txBody>
+          <a:bodyPr wrap="square" rtlCol="0">
+            <a:spAutoFit/>
+          </a:bodyPr>
+          <a:lstStyle/>
+          <a:p>
+            <a:r>
+              <a:rPr lang="en-US" sz="1200" b="1" dirty="0" smtClean="0"/>
+              <a:t>A</a:t>
+            </a:r>
+            <a:endParaRPr lang="en-US" sz="1200" b="1" dirty="0"/>
+          </a:p>
+        </p:txBody>
+      </p:sp>
+      <p:sp>
+        <p:nvSpPr>
+          <p:cNvPr id="33" name="TextBox 32"/>
+          <p:cNvSpPr txBox="1"/>
+          <p:nvPr/>
+        </p:nvSpPr>
+        <p:spPr>
+          <a:xfrm>
+            <a:off x="4858014" y="4983886"/>
+            <a:ext cx="281354" cy="276999"/>
+          </a:xfrm>
+          <a:prstGeom prst="rect">
+            <a:avLst/>
+          </a:prstGeom>
+          <a:solidFill>
+            <a:srgbClr val="00B0F0"/>
+          </a:solidFill>
+        </p:spPr>
+        <p:txBody>
+          <a:bodyPr wrap="square" rtlCol="0">
+            <a:spAutoFit/>
+          </a:bodyPr>
+          <a:lstStyle/>
+          <a:p>
+            <a:r>
+              <a:rPr lang="en-US" sz="1200" b="1" dirty="0"/>
+              <a:t>B</a:t>
+            </a:r>
+          </a:p>
+        </p:txBody>
+      </p:sp>
+      <p:sp>
+        <p:nvSpPr>
+          <p:cNvPr id="40" name="TextBox 39"/>
+          <p:cNvSpPr txBox="1"/>
+          <p:nvPr/>
+        </p:nvSpPr>
+        <p:spPr>
+          <a:xfrm>
+            <a:off x="7274551" y="5314905"/>
+            <a:ext cx="281354" cy="276999"/>
+          </a:xfrm>
+          <a:prstGeom prst="rect">
+            <a:avLst/>
+          </a:prstGeom>
+          <a:solidFill>
+            <a:schemeClr val="accent6"/>
+          </a:solidFill>
+        </p:spPr>
+        <p:txBody>
+          <a:bodyPr wrap="square" rtlCol="0">
+            <a:spAutoFit/>
+          </a:bodyPr>
+          <a:lstStyle/>
+          <a:p>
+            <a:r>
+              <a:rPr lang="en-US" sz="1200" b="1" dirty="0" smtClean="0"/>
+              <a:t>A</a:t>
+            </a:r>
+            <a:endParaRPr lang="en-US" sz="1200" b="1" dirty="0"/>
+          </a:p>
+        </p:txBody>
+      </p:sp>
+      <p:sp>
+        <p:nvSpPr>
+          <p:cNvPr id="41" name="TextBox 40"/>
+          <p:cNvSpPr txBox="1"/>
+          <p:nvPr/>
+        </p:nvSpPr>
+        <p:spPr>
+          <a:xfrm>
+            <a:off x="7555905" y="5314905"/>
+            <a:ext cx="281354" cy="276999"/>
+          </a:xfrm>
+          <a:prstGeom prst="rect">
+            <a:avLst/>
+          </a:prstGeom>
+          <a:solidFill>
+            <a:srgbClr val="00B0F0"/>
+          </a:solidFill>
+        </p:spPr>
+        <p:txBody>
+          <a:bodyPr wrap="square" rtlCol="0">
+            <a:spAutoFit/>
+          </a:bodyPr>
+          <a:lstStyle/>
+          <a:p>
+            <a:r>
+              <a:rPr lang="en-US" sz="1200" b="1" dirty="0"/>
+              <a:t>B</a:t>
+            </a:r>
+          </a:p>
+        </p:txBody>
+      </p:sp>
+      <p:sp>
+        <p:nvSpPr>
+          <p:cNvPr id="42" name="TextBox 41"/>
+          <p:cNvSpPr txBox="1"/>
+          <p:nvPr/>
+        </p:nvSpPr>
+        <p:spPr>
+          <a:xfrm>
+            <a:off x="4630614" y="5591902"/>
+            <a:ext cx="281354" cy="276999"/>
+          </a:xfrm>
+          <a:prstGeom prst="rect">
+            <a:avLst/>
+          </a:prstGeom>
+          <a:solidFill>
+            <a:schemeClr val="accent6"/>
+          </a:solidFill>
+        </p:spPr>
+        <p:txBody>
+          <a:bodyPr wrap="square" rtlCol="0">
+            <a:spAutoFit/>
+          </a:bodyPr>
+          <a:lstStyle/>
+          <a:p>
+            <a:r>
+              <a:rPr lang="en-US" sz="1200" b="1" dirty="0" smtClean="0"/>
+              <a:t>A</a:t>
+            </a:r>
+            <a:endParaRPr lang="en-US" sz="1200" b="1" dirty="0"/>
+          </a:p>
+        </p:txBody>
+      </p:sp>
+      <p:sp>
+        <p:nvSpPr>
+          <p:cNvPr id="43" name="TextBox 42"/>
+          <p:cNvSpPr txBox="1"/>
+          <p:nvPr/>
+        </p:nvSpPr>
+        <p:spPr>
+          <a:xfrm>
+            <a:off x="6201506" y="6276465"/>
+            <a:ext cx="281354" cy="276999"/>
+          </a:xfrm>
+          <a:prstGeom prst="rect">
+            <a:avLst/>
+          </a:prstGeom>
+          <a:solidFill>
+            <a:schemeClr val="accent6"/>
+          </a:solidFill>
+        </p:spPr>
+        <p:txBody>
+          <a:bodyPr wrap="square" rtlCol="0">
+            <a:spAutoFit/>
+          </a:bodyPr>
+          <a:lstStyle/>
+          <a:p>
+            <a:r>
+              <a:rPr lang="en-US" sz="1200" b="1" dirty="0" smtClean="0"/>
+              <a:t>A</a:t>
+            </a:r>
+            <a:endParaRPr lang="en-US" sz="1200" b="1" dirty="0"/>
+          </a:p>
+        </p:txBody>
+      </p:sp>
+      <p:sp>
+        <p:nvSpPr>
+          <p:cNvPr id="44" name="TextBox 43"/>
+          <p:cNvSpPr txBox="1"/>
+          <p:nvPr/>
+        </p:nvSpPr>
+        <p:spPr>
+          <a:xfrm>
+            <a:off x="6153471" y="2340757"/>
+            <a:ext cx="281354" cy="276999"/>
+          </a:xfrm>
+          <a:prstGeom prst="rect">
+            <a:avLst/>
+          </a:prstGeom>
+          <a:solidFill>
+            <a:schemeClr val="accent6"/>
+          </a:solidFill>
+        </p:spPr>
+        <p:txBody>
+          <a:bodyPr wrap="square" rtlCol="0">
+            <a:spAutoFit/>
+          </a:bodyPr>
+          <a:lstStyle/>
+          <a:p>
+            <a:r>
+              <a:rPr lang="en-US" sz="1200" b="1" dirty="0" smtClean="0"/>
+              <a:t>A</a:t>
+            </a:r>
+            <a:endParaRPr lang="en-US" sz="1200" b="1" dirty="0"/>
+          </a:p>
+        </p:txBody>
+      </p:sp>
+      <p:sp>
+        <p:nvSpPr>
+          <p:cNvPr id="45" name="TextBox 44"/>
+          <p:cNvSpPr txBox="1"/>
+          <p:nvPr/>
+        </p:nvSpPr>
+        <p:spPr>
+          <a:xfrm>
+            <a:off x="6434825" y="2340757"/>
+            <a:ext cx="281354" cy="276999"/>
+          </a:xfrm>
+          <a:prstGeom prst="rect">
+            <a:avLst/>
+          </a:prstGeom>
+          <a:solidFill>
+            <a:srgbClr val="00B0F0"/>
+          </a:solidFill>
+        </p:spPr>
+        <p:txBody>
+          <a:bodyPr wrap="square" rtlCol="0">
+            <a:spAutoFit/>
+          </a:bodyPr>
+          <a:lstStyle/>
+          <a:p>
+            <a:r>
+              <a:rPr lang="en-US" sz="1200" b="1" dirty="0"/>
+              <a:t>B</a:t>
+            </a:r>
+          </a:p>
+        </p:txBody>
+      </p:sp>
     </p:spTree>
     <p:extLst>
       <p:ext uri="{BB962C8B-B14F-4D97-AF65-F5344CB8AC3E}">
-        <p14:creationId xmlns:p14="http://schemas.microsoft.com/office/powerpoint/2010/main" val="2755398285"/>
+        <p14:creationId xmlns:p14="http://schemas.microsoft.com/office/powerpoint/2010/main" val="1662981776"/>
       </p:ext>
     </p:extLst>
   </p:cSld>
@@ -42520,9 +44067,723 @@
   <p:timing>
     <p:tnLst>
       <p:par>
-        <p:cTn id="1" dur="indefinite" restart="never" nodeType="tmRoot"/>
+        <p:cTn id="1" dur="indefinite" restart="never" nodeType="tmRoot">
+          <p:childTnLst>
+            <p:seq concurrent="1" nextAc="seek">
+              <p:cTn id="2" dur="indefinite" nodeType="mainSeq">
+                <p:childTnLst>
+                  <p:par>
+                    <p:cTn id="3" fill="hold">
+                      <p:stCondLst>
+                        <p:cond delay="indefinite"/>
+                      </p:stCondLst>
+                      <p:childTnLst>
+                        <p:par>
+                          <p:cTn id="4" fill="hold">
+                            <p:stCondLst>
+                              <p:cond delay="0"/>
+                            </p:stCondLst>
+                            <p:childTnLst>
+                              <p:par>
+                                <p:cTn id="5" presetID="1" presetClass="entr" presetSubtype="0" fill="hold" nodeType="clickEffect">
+                                  <p:stCondLst>
+                                    <p:cond delay="0"/>
+                                  </p:stCondLst>
+                                  <p:childTnLst>
+                                    <p:set>
+                                      <p:cBhvr>
+                                        <p:cTn id="6" dur="1" fill="hold">
+                                          <p:stCondLst>
+                                            <p:cond delay="0"/>
+                                          </p:stCondLst>
+                                        </p:cTn>
+                                        <p:tgtEl>
+                                          <p:spTgt spid="8"/>
+                                        </p:tgtEl>
+                                        <p:attrNameLst>
+                                          <p:attrName>style.visibility</p:attrName>
+                                        </p:attrNameLst>
+                                      </p:cBhvr>
+                                      <p:to>
+                                        <p:strVal val="visible"/>
+                                      </p:to>
+                                    </p:set>
+                                  </p:childTnLst>
+                                </p:cTn>
+                              </p:par>
+                              <p:par>
+                                <p:cTn id="7" presetID="1" presetClass="entr" presetSubtype="0" fill="hold" grpId="0" nodeType="withEffect">
+                                  <p:stCondLst>
+                                    <p:cond delay="0"/>
+                                  </p:stCondLst>
+                                  <p:childTnLst>
+                                    <p:set>
+                                      <p:cBhvr>
+                                        <p:cTn id="8" dur="1" fill="hold">
+                                          <p:stCondLst>
+                                            <p:cond delay="0"/>
+                                          </p:stCondLst>
+                                        </p:cTn>
+                                        <p:tgtEl>
+                                          <p:spTgt spid="9"/>
+                                        </p:tgtEl>
+                                        <p:attrNameLst>
+                                          <p:attrName>style.visibility</p:attrName>
+                                        </p:attrNameLst>
+                                      </p:cBhvr>
+                                      <p:to>
+                                        <p:strVal val="visible"/>
+                                      </p:to>
+                                    </p:set>
+                                  </p:childTnLst>
+                                </p:cTn>
+                              </p:par>
+                              <p:par>
+                                <p:cTn id="9" presetID="1" presetClass="entr" presetSubtype="0" fill="hold" grpId="0" nodeType="withEffect">
+                                  <p:stCondLst>
+                                    <p:cond delay="0"/>
+                                  </p:stCondLst>
+                                  <p:childTnLst>
+                                    <p:set>
+                                      <p:cBhvr>
+                                        <p:cTn id="10" dur="1" fill="hold">
+                                          <p:stCondLst>
+                                            <p:cond delay="0"/>
+                                          </p:stCondLst>
+                                        </p:cTn>
+                                        <p:tgtEl>
+                                          <p:spTgt spid="10"/>
+                                        </p:tgtEl>
+                                        <p:attrNameLst>
+                                          <p:attrName>style.visibility</p:attrName>
+                                        </p:attrNameLst>
+                                      </p:cBhvr>
+                                      <p:to>
+                                        <p:strVal val="visible"/>
+                                      </p:to>
+                                    </p:set>
+                                  </p:childTnLst>
+                                </p:cTn>
+                              </p:par>
+                              <p:par>
+                                <p:cTn id="11" presetID="1" presetClass="entr" presetSubtype="0" fill="hold" grpId="0" nodeType="withEffect">
+                                  <p:stCondLst>
+                                    <p:cond delay="0"/>
+                                  </p:stCondLst>
+                                  <p:childTnLst>
+                                    <p:set>
+                                      <p:cBhvr>
+                                        <p:cTn id="12" dur="1" fill="hold">
+                                          <p:stCondLst>
+                                            <p:cond delay="0"/>
+                                          </p:stCondLst>
+                                        </p:cTn>
+                                        <p:tgtEl>
+                                          <p:spTgt spid="11"/>
+                                        </p:tgtEl>
+                                        <p:attrNameLst>
+                                          <p:attrName>style.visibility</p:attrName>
+                                        </p:attrNameLst>
+                                      </p:cBhvr>
+                                      <p:to>
+                                        <p:strVal val="visible"/>
+                                      </p:to>
+                                    </p:set>
+                                  </p:childTnLst>
+                                </p:cTn>
+                              </p:par>
+                              <p:par>
+                                <p:cTn id="13" presetID="1" presetClass="entr" presetSubtype="0" fill="hold" grpId="0" nodeType="withEffect">
+                                  <p:stCondLst>
+                                    <p:cond delay="0"/>
+                                  </p:stCondLst>
+                                  <p:childTnLst>
+                                    <p:set>
+                                      <p:cBhvr>
+                                        <p:cTn id="14" dur="1" fill="hold">
+                                          <p:stCondLst>
+                                            <p:cond delay="0"/>
+                                          </p:stCondLst>
+                                        </p:cTn>
+                                        <p:tgtEl>
+                                          <p:spTgt spid="13"/>
+                                        </p:tgtEl>
+                                        <p:attrNameLst>
+                                          <p:attrName>style.visibility</p:attrName>
+                                        </p:attrNameLst>
+                                      </p:cBhvr>
+                                      <p:to>
+                                        <p:strVal val="visible"/>
+                                      </p:to>
+                                    </p:set>
+                                  </p:childTnLst>
+                                </p:cTn>
+                              </p:par>
+                              <p:par>
+                                <p:cTn id="15" presetID="1" presetClass="entr" presetSubtype="0" fill="hold" grpId="0" nodeType="withEffect">
+                                  <p:stCondLst>
+                                    <p:cond delay="0"/>
+                                  </p:stCondLst>
+                                  <p:childTnLst>
+                                    <p:set>
+                                      <p:cBhvr>
+                                        <p:cTn id="16" dur="1" fill="hold">
+                                          <p:stCondLst>
+                                            <p:cond delay="0"/>
+                                          </p:stCondLst>
+                                        </p:cTn>
+                                        <p:tgtEl>
+                                          <p:spTgt spid="15"/>
+                                        </p:tgtEl>
+                                        <p:attrNameLst>
+                                          <p:attrName>style.visibility</p:attrName>
+                                        </p:attrNameLst>
+                                      </p:cBhvr>
+                                      <p:to>
+                                        <p:strVal val="visible"/>
+                                      </p:to>
+                                    </p:set>
+                                  </p:childTnLst>
+                                </p:cTn>
+                              </p:par>
+                              <p:par>
+                                <p:cTn id="17" presetID="1" presetClass="entr" presetSubtype="0" fill="hold" grpId="0" nodeType="withEffect">
+                                  <p:stCondLst>
+                                    <p:cond delay="0"/>
+                                  </p:stCondLst>
+                                  <p:childTnLst>
+                                    <p:set>
+                                      <p:cBhvr>
+                                        <p:cTn id="18" dur="1" fill="hold">
+                                          <p:stCondLst>
+                                            <p:cond delay="0"/>
+                                          </p:stCondLst>
+                                        </p:cTn>
+                                        <p:tgtEl>
+                                          <p:spTgt spid="17"/>
+                                        </p:tgtEl>
+                                        <p:attrNameLst>
+                                          <p:attrName>style.visibility</p:attrName>
+                                        </p:attrNameLst>
+                                      </p:cBhvr>
+                                      <p:to>
+                                        <p:strVal val="visible"/>
+                                      </p:to>
+                                    </p:set>
+                                  </p:childTnLst>
+                                </p:cTn>
+                              </p:par>
+                              <p:par>
+                                <p:cTn id="19" presetID="1" presetClass="entr" presetSubtype="0" fill="hold" grpId="0" nodeType="withEffect">
+                                  <p:stCondLst>
+                                    <p:cond delay="0"/>
+                                  </p:stCondLst>
+                                  <p:childTnLst>
+                                    <p:set>
+                                      <p:cBhvr>
+                                        <p:cTn id="20" dur="1" fill="hold">
+                                          <p:stCondLst>
+                                            <p:cond delay="0"/>
+                                          </p:stCondLst>
+                                        </p:cTn>
+                                        <p:tgtEl>
+                                          <p:spTgt spid="20"/>
+                                        </p:tgtEl>
+                                        <p:attrNameLst>
+                                          <p:attrName>style.visibility</p:attrName>
+                                        </p:attrNameLst>
+                                      </p:cBhvr>
+                                      <p:to>
+                                        <p:strVal val="visible"/>
+                                      </p:to>
+                                    </p:set>
+                                  </p:childTnLst>
+                                </p:cTn>
+                              </p:par>
+                              <p:par>
+                                <p:cTn id="21" presetID="1" presetClass="entr" presetSubtype="0" fill="hold" grpId="0" nodeType="withEffect">
+                                  <p:stCondLst>
+                                    <p:cond delay="0"/>
+                                  </p:stCondLst>
+                                  <p:childTnLst>
+                                    <p:set>
+                                      <p:cBhvr>
+                                        <p:cTn id="22" dur="1" fill="hold">
+                                          <p:stCondLst>
+                                            <p:cond delay="0"/>
+                                          </p:stCondLst>
+                                        </p:cTn>
+                                        <p:tgtEl>
+                                          <p:spTgt spid="21"/>
+                                        </p:tgtEl>
+                                        <p:attrNameLst>
+                                          <p:attrName>style.visibility</p:attrName>
+                                        </p:attrNameLst>
+                                      </p:cBhvr>
+                                      <p:to>
+                                        <p:strVal val="visible"/>
+                                      </p:to>
+                                    </p:set>
+                                  </p:childTnLst>
+                                </p:cTn>
+                              </p:par>
+                              <p:par>
+                                <p:cTn id="23" presetID="1" presetClass="entr" presetSubtype="0" fill="hold" grpId="0" nodeType="withEffect">
+                                  <p:stCondLst>
+                                    <p:cond delay="0"/>
+                                  </p:stCondLst>
+                                  <p:childTnLst>
+                                    <p:set>
+                                      <p:cBhvr>
+                                        <p:cTn id="24" dur="1" fill="hold">
+                                          <p:stCondLst>
+                                            <p:cond delay="0"/>
+                                          </p:stCondLst>
+                                        </p:cTn>
+                                        <p:tgtEl>
+                                          <p:spTgt spid="22"/>
+                                        </p:tgtEl>
+                                        <p:attrNameLst>
+                                          <p:attrName>style.visibility</p:attrName>
+                                        </p:attrNameLst>
+                                      </p:cBhvr>
+                                      <p:to>
+                                        <p:strVal val="visible"/>
+                                      </p:to>
+                                    </p:set>
+                                  </p:childTnLst>
+                                </p:cTn>
+                              </p:par>
+                              <p:par>
+                                <p:cTn id="25" presetID="1" presetClass="entr" presetSubtype="0" fill="hold" grpId="0" nodeType="withEffect">
+                                  <p:stCondLst>
+                                    <p:cond delay="0"/>
+                                  </p:stCondLst>
+                                  <p:childTnLst>
+                                    <p:set>
+                                      <p:cBhvr>
+                                        <p:cTn id="26" dur="1" fill="hold">
+                                          <p:stCondLst>
+                                            <p:cond delay="0"/>
+                                          </p:stCondLst>
+                                        </p:cTn>
+                                        <p:tgtEl>
+                                          <p:spTgt spid="25"/>
+                                        </p:tgtEl>
+                                        <p:attrNameLst>
+                                          <p:attrName>style.visibility</p:attrName>
+                                        </p:attrNameLst>
+                                      </p:cBhvr>
+                                      <p:to>
+                                        <p:strVal val="visible"/>
+                                      </p:to>
+                                    </p:set>
+                                  </p:childTnLst>
+                                </p:cTn>
+                              </p:par>
+                              <p:par>
+                                <p:cTn id="27" presetID="1" presetClass="entr" presetSubtype="0" fill="hold" grpId="0" nodeType="withEffect">
+                                  <p:stCondLst>
+                                    <p:cond delay="0"/>
+                                  </p:stCondLst>
+                                  <p:childTnLst>
+                                    <p:set>
+                                      <p:cBhvr>
+                                        <p:cTn id="28" dur="1" fill="hold">
+                                          <p:stCondLst>
+                                            <p:cond delay="0"/>
+                                          </p:stCondLst>
+                                        </p:cTn>
+                                        <p:tgtEl>
+                                          <p:spTgt spid="24"/>
+                                        </p:tgtEl>
+                                        <p:attrNameLst>
+                                          <p:attrName>style.visibility</p:attrName>
+                                        </p:attrNameLst>
+                                      </p:cBhvr>
+                                      <p:to>
+                                        <p:strVal val="visible"/>
+                                      </p:to>
+                                    </p:set>
+                                  </p:childTnLst>
+                                </p:cTn>
+                              </p:par>
+                              <p:par>
+                                <p:cTn id="29" presetID="1" presetClass="entr" presetSubtype="0" fill="hold" grpId="0" nodeType="withEffect">
+                                  <p:stCondLst>
+                                    <p:cond delay="0"/>
+                                  </p:stCondLst>
+                                  <p:childTnLst>
+                                    <p:set>
+                                      <p:cBhvr>
+                                        <p:cTn id="30" dur="1" fill="hold">
+                                          <p:stCondLst>
+                                            <p:cond delay="0"/>
+                                          </p:stCondLst>
+                                        </p:cTn>
+                                        <p:tgtEl>
+                                          <p:spTgt spid="27"/>
+                                        </p:tgtEl>
+                                        <p:attrNameLst>
+                                          <p:attrName>style.visibility</p:attrName>
+                                        </p:attrNameLst>
+                                      </p:cBhvr>
+                                      <p:to>
+                                        <p:strVal val="visible"/>
+                                      </p:to>
+                                    </p:set>
+                                  </p:childTnLst>
+                                </p:cTn>
+                              </p:par>
+                              <p:par>
+                                <p:cTn id="31" presetID="1" presetClass="entr" presetSubtype="0" fill="hold" grpId="0" nodeType="withEffect">
+                                  <p:stCondLst>
+                                    <p:cond delay="0"/>
+                                  </p:stCondLst>
+                                  <p:childTnLst>
+                                    <p:set>
+                                      <p:cBhvr>
+                                        <p:cTn id="32" dur="1" fill="hold">
+                                          <p:stCondLst>
+                                            <p:cond delay="0"/>
+                                          </p:stCondLst>
+                                        </p:cTn>
+                                        <p:tgtEl>
+                                          <p:spTgt spid="28"/>
+                                        </p:tgtEl>
+                                        <p:attrNameLst>
+                                          <p:attrName>style.visibility</p:attrName>
+                                        </p:attrNameLst>
+                                      </p:cBhvr>
+                                      <p:to>
+                                        <p:strVal val="visible"/>
+                                      </p:to>
+                                    </p:set>
+                                  </p:childTnLst>
+                                </p:cTn>
+                              </p:par>
+                              <p:par>
+                                <p:cTn id="33" presetID="1" presetClass="entr" presetSubtype="0" fill="hold" grpId="0" nodeType="withEffect">
+                                  <p:stCondLst>
+                                    <p:cond delay="0"/>
+                                  </p:stCondLst>
+                                  <p:childTnLst>
+                                    <p:set>
+                                      <p:cBhvr>
+                                        <p:cTn id="34" dur="1" fill="hold">
+                                          <p:stCondLst>
+                                            <p:cond delay="0"/>
+                                          </p:stCondLst>
+                                        </p:cTn>
+                                        <p:tgtEl>
+                                          <p:spTgt spid="30"/>
+                                        </p:tgtEl>
+                                        <p:attrNameLst>
+                                          <p:attrName>style.visibility</p:attrName>
+                                        </p:attrNameLst>
+                                      </p:cBhvr>
+                                      <p:to>
+                                        <p:strVal val="visible"/>
+                                      </p:to>
+                                    </p:set>
+                                  </p:childTnLst>
+                                </p:cTn>
+                              </p:par>
+                              <p:par>
+                                <p:cTn id="35" presetID="1" presetClass="entr" presetSubtype="0" fill="hold" grpId="0" nodeType="withEffect">
+                                  <p:stCondLst>
+                                    <p:cond delay="0"/>
+                                  </p:stCondLst>
+                                  <p:childTnLst>
+                                    <p:set>
+                                      <p:cBhvr>
+                                        <p:cTn id="36" dur="1" fill="hold">
+                                          <p:stCondLst>
+                                            <p:cond delay="0"/>
+                                          </p:stCondLst>
+                                        </p:cTn>
+                                        <p:tgtEl>
+                                          <p:spTgt spid="31"/>
+                                        </p:tgtEl>
+                                        <p:attrNameLst>
+                                          <p:attrName>style.visibility</p:attrName>
+                                        </p:attrNameLst>
+                                      </p:cBhvr>
+                                      <p:to>
+                                        <p:strVal val="visible"/>
+                                      </p:to>
+                                    </p:set>
+                                  </p:childTnLst>
+                                </p:cTn>
+                              </p:par>
+                              <p:par>
+                                <p:cTn id="37" presetID="1" presetClass="entr" presetSubtype="0" fill="hold" grpId="0" nodeType="withEffect">
+                                  <p:stCondLst>
+                                    <p:cond delay="0"/>
+                                  </p:stCondLst>
+                                  <p:childTnLst>
+                                    <p:set>
+                                      <p:cBhvr>
+                                        <p:cTn id="38" dur="1" fill="hold">
+                                          <p:stCondLst>
+                                            <p:cond delay="0"/>
+                                          </p:stCondLst>
+                                        </p:cTn>
+                                        <p:tgtEl>
+                                          <p:spTgt spid="32"/>
+                                        </p:tgtEl>
+                                        <p:attrNameLst>
+                                          <p:attrName>style.visibility</p:attrName>
+                                        </p:attrNameLst>
+                                      </p:cBhvr>
+                                      <p:to>
+                                        <p:strVal val="visible"/>
+                                      </p:to>
+                                    </p:set>
+                                  </p:childTnLst>
+                                </p:cTn>
+                              </p:par>
+                              <p:par>
+                                <p:cTn id="39" presetID="1" presetClass="entr" presetSubtype="0" fill="hold" grpId="0" nodeType="withEffect">
+                                  <p:stCondLst>
+                                    <p:cond delay="0"/>
+                                  </p:stCondLst>
+                                  <p:childTnLst>
+                                    <p:set>
+                                      <p:cBhvr>
+                                        <p:cTn id="40" dur="1" fill="hold">
+                                          <p:stCondLst>
+                                            <p:cond delay="0"/>
+                                          </p:stCondLst>
+                                        </p:cTn>
+                                        <p:tgtEl>
+                                          <p:spTgt spid="33"/>
+                                        </p:tgtEl>
+                                        <p:attrNameLst>
+                                          <p:attrName>style.visibility</p:attrName>
+                                        </p:attrNameLst>
+                                      </p:cBhvr>
+                                      <p:to>
+                                        <p:strVal val="visible"/>
+                                      </p:to>
+                                    </p:set>
+                                  </p:childTnLst>
+                                </p:cTn>
+                              </p:par>
+                              <p:par>
+                                <p:cTn id="41" presetID="1" presetClass="entr" presetSubtype="0" fill="hold" grpId="0" nodeType="withEffect">
+                                  <p:stCondLst>
+                                    <p:cond delay="0"/>
+                                  </p:stCondLst>
+                                  <p:childTnLst>
+                                    <p:set>
+                                      <p:cBhvr>
+                                        <p:cTn id="42" dur="1" fill="hold">
+                                          <p:stCondLst>
+                                            <p:cond delay="0"/>
+                                          </p:stCondLst>
+                                        </p:cTn>
+                                        <p:tgtEl>
+                                          <p:spTgt spid="40"/>
+                                        </p:tgtEl>
+                                        <p:attrNameLst>
+                                          <p:attrName>style.visibility</p:attrName>
+                                        </p:attrNameLst>
+                                      </p:cBhvr>
+                                      <p:to>
+                                        <p:strVal val="visible"/>
+                                      </p:to>
+                                    </p:set>
+                                  </p:childTnLst>
+                                </p:cTn>
+                              </p:par>
+                              <p:par>
+                                <p:cTn id="43" presetID="1" presetClass="entr" presetSubtype="0" fill="hold" grpId="0" nodeType="withEffect">
+                                  <p:stCondLst>
+                                    <p:cond delay="0"/>
+                                  </p:stCondLst>
+                                  <p:childTnLst>
+                                    <p:set>
+                                      <p:cBhvr>
+                                        <p:cTn id="44" dur="1" fill="hold">
+                                          <p:stCondLst>
+                                            <p:cond delay="0"/>
+                                          </p:stCondLst>
+                                        </p:cTn>
+                                        <p:tgtEl>
+                                          <p:spTgt spid="41"/>
+                                        </p:tgtEl>
+                                        <p:attrNameLst>
+                                          <p:attrName>style.visibility</p:attrName>
+                                        </p:attrNameLst>
+                                      </p:cBhvr>
+                                      <p:to>
+                                        <p:strVal val="visible"/>
+                                      </p:to>
+                                    </p:set>
+                                  </p:childTnLst>
+                                </p:cTn>
+                              </p:par>
+                              <p:par>
+                                <p:cTn id="45" presetID="1" presetClass="entr" presetSubtype="0" fill="hold" grpId="0" nodeType="withEffect">
+                                  <p:stCondLst>
+                                    <p:cond delay="0"/>
+                                  </p:stCondLst>
+                                  <p:childTnLst>
+                                    <p:set>
+                                      <p:cBhvr>
+                                        <p:cTn id="46" dur="1" fill="hold">
+                                          <p:stCondLst>
+                                            <p:cond delay="0"/>
+                                          </p:stCondLst>
+                                        </p:cTn>
+                                        <p:tgtEl>
+                                          <p:spTgt spid="42"/>
+                                        </p:tgtEl>
+                                        <p:attrNameLst>
+                                          <p:attrName>style.visibility</p:attrName>
+                                        </p:attrNameLst>
+                                      </p:cBhvr>
+                                      <p:to>
+                                        <p:strVal val="visible"/>
+                                      </p:to>
+                                    </p:set>
+                                  </p:childTnLst>
+                                </p:cTn>
+                              </p:par>
+                              <p:par>
+                                <p:cTn id="47" presetID="1" presetClass="entr" presetSubtype="0" fill="hold" grpId="0" nodeType="withEffect">
+                                  <p:stCondLst>
+                                    <p:cond delay="0"/>
+                                  </p:stCondLst>
+                                  <p:childTnLst>
+                                    <p:set>
+                                      <p:cBhvr>
+                                        <p:cTn id="48" dur="1" fill="hold">
+                                          <p:stCondLst>
+                                            <p:cond delay="0"/>
+                                          </p:stCondLst>
+                                        </p:cTn>
+                                        <p:tgtEl>
+                                          <p:spTgt spid="43"/>
+                                        </p:tgtEl>
+                                        <p:attrNameLst>
+                                          <p:attrName>style.visibility</p:attrName>
+                                        </p:attrNameLst>
+                                      </p:cBhvr>
+                                      <p:to>
+                                        <p:strVal val="visible"/>
+                                      </p:to>
+                                    </p:set>
+                                  </p:childTnLst>
+                                </p:cTn>
+                              </p:par>
+                              <p:par>
+                                <p:cTn id="49" presetID="1" presetClass="entr" presetSubtype="0" fill="hold" grpId="0" nodeType="withEffect">
+                                  <p:stCondLst>
+                                    <p:cond delay="0"/>
+                                  </p:stCondLst>
+                                  <p:childTnLst>
+                                    <p:set>
+                                      <p:cBhvr>
+                                        <p:cTn id="50" dur="1" fill="hold">
+                                          <p:stCondLst>
+                                            <p:cond delay="0"/>
+                                          </p:stCondLst>
+                                        </p:cTn>
+                                        <p:tgtEl>
+                                          <p:spTgt spid="44"/>
+                                        </p:tgtEl>
+                                        <p:attrNameLst>
+                                          <p:attrName>style.visibility</p:attrName>
+                                        </p:attrNameLst>
+                                      </p:cBhvr>
+                                      <p:to>
+                                        <p:strVal val="visible"/>
+                                      </p:to>
+                                    </p:set>
+                                  </p:childTnLst>
+                                </p:cTn>
+                              </p:par>
+                              <p:par>
+                                <p:cTn id="51" presetID="1" presetClass="entr" presetSubtype="0" fill="hold" grpId="0" nodeType="withEffect">
+                                  <p:stCondLst>
+                                    <p:cond delay="0"/>
+                                  </p:stCondLst>
+                                  <p:childTnLst>
+                                    <p:set>
+                                      <p:cBhvr>
+                                        <p:cTn id="52" dur="1" fill="hold">
+                                          <p:stCondLst>
+                                            <p:cond delay="0"/>
+                                          </p:stCondLst>
+                                        </p:cTn>
+                                        <p:tgtEl>
+                                          <p:spTgt spid="45"/>
+                                        </p:tgtEl>
+                                        <p:attrNameLst>
+                                          <p:attrName>style.visibility</p:attrName>
+                                        </p:attrNameLst>
+                                      </p:cBhvr>
+                                      <p:to>
+                                        <p:strVal val="visible"/>
+                                      </p:to>
+                                    </p:set>
+                                  </p:childTnLst>
+                                </p:cTn>
+                              </p:par>
+                            </p:childTnLst>
+                          </p:cTn>
+                        </p:par>
+                      </p:childTnLst>
+                    </p:cTn>
+                  </p:par>
+                </p:childTnLst>
+              </p:cTn>
+              <p:prevCondLst>
+                <p:cond evt="onPrev" delay="0">
+                  <p:tgtEl>
+                    <p:sldTgt/>
+                  </p:tgtEl>
+                </p:cond>
+              </p:prevCondLst>
+              <p:nextCondLst>
+                <p:cond evt="onNext" delay="0">
+                  <p:tgtEl>
+                    <p:sldTgt/>
+                  </p:tgtEl>
+                </p:cond>
+              </p:nextCondLst>
+            </p:seq>
+          </p:childTnLst>
+        </p:cTn>
       </p:par>
     </p:tnLst>
+    <p:bldLst>
+      <p:bldP spid="9" grpId="0" animBg="1"/>
+      <p:bldP spid="10" grpId="0" animBg="1"/>
+      <p:bldP spid="11" grpId="0" animBg="1"/>
+      <p:bldP spid="13" grpId="0" animBg="1"/>
+      <p:bldP spid="15" grpId="0" animBg="1"/>
+      <p:bldP spid="17" grpId="0" animBg="1"/>
+      <p:bldP spid="20" grpId="0" animBg="1"/>
+      <p:bldP spid="21" grpId="0" animBg="1"/>
+      <p:bldP spid="22" grpId="0" animBg="1"/>
+      <p:bldP spid="25" grpId="0" animBg="1"/>
+      <p:bldP spid="24" grpId="0" animBg="1"/>
+      <p:bldP spid="27" grpId="0" animBg="1"/>
+      <p:bldP spid="28" grpId="0" animBg="1"/>
+      <p:bldP spid="30" grpId="0" animBg="1"/>
+      <p:bldP spid="31" grpId="0" animBg="1"/>
+      <p:bldP spid="32" grpId="0" animBg="1"/>
+      <p:bldP spid="33" grpId="0" animBg="1"/>
+      <p:bldP spid="40" grpId="0" animBg="1"/>
+      <p:bldP spid="41" grpId="0" animBg="1"/>
+      <p:bldP spid="42" grpId="0" animBg="1"/>
+      <p:bldP spid="43" grpId="0" animBg="1"/>
+      <p:bldP spid="44" grpId="0" animBg="1"/>
+      <p:bldP spid="45" grpId="0" animBg="1"/>
+    </p:bldLst>
   </p:timing>
 </p:sld>
 </file>
